--- a/docs/SimpleCpu-blocks.pptx
+++ b/docs/SimpleCpu-blocks.pptx
@@ -6,8 +6,9 @@
   </p:sldMasterIdLst>
   <p:sldIdLst>
     <p:sldId id="257" r:id="rId2"/>
-    <p:sldId id="256" r:id="rId3"/>
-    <p:sldId id="258" r:id="rId4"/>
+    <p:sldId id="259" r:id="rId3"/>
+    <p:sldId id="256" r:id="rId4"/>
+    <p:sldId id="258" r:id="rId5"/>
   </p:sldIdLst>
   <p:sldSz cx="12192000" cy="6858000"/>
   <p:notesSz cx="6888163" cy="10020300"/>
@@ -117,9 +118,150 @@
 <file path=ppt/revisionInfo.xml><?xml version="1.0" encoding="utf-8"?>
 <p1510:revInfo xmlns:a="http://schemas.openxmlformats.org/drawingml/2006/main" xmlns:r="http://schemas.openxmlformats.org/officeDocument/2006/relationships" xmlns:p1510="http://schemas.microsoft.com/office/powerpoint/2015/10/main">
   <p1510:revLst>
-    <p1510:client id="{CCB9A056-BC38-4CA0-AEFA-2650268382BA}" v="33" dt="2019-08-03T13:18:55.864"/>
+    <p1510:client id="{78C21F5F-70D0-4565-B8FE-9FE3F44DD71A}" v="9" dt="2019-08-05T01:28:30.286"/>
   </p1510:revLst>
 </p1510:revInfo>
+</file>
+
+<file path=ppt/changesInfos/changesInfo1.xml><?xml version="1.0" encoding="utf-8"?>
+<pc:chgInfo xmlns:a="http://schemas.openxmlformats.org/drawingml/2006/main" xmlns:r="http://schemas.openxmlformats.org/officeDocument/2006/relationships" xmlns:ac="http://schemas.microsoft.com/office/drawing/2013/main/command" xmlns:pc="http://schemas.microsoft.com/office/powerpoint/2013/main/command">
+  <pc:docChgLst>
+    <pc:chgData name="master lonergan" userId="db8094ce4aaa691d" providerId="LiveId" clId="{78C21F5F-70D0-4565-B8FE-9FE3F44DD71A}"/>
+    <pc:docChg chg="addSld modSld">
+      <pc:chgData name="master lonergan" userId="db8094ce4aaa691d" providerId="LiveId" clId="{78C21F5F-70D0-4565-B8FE-9FE3F44DD71A}" dt="2019-08-05T01:28:39.133" v="149" actId="1038"/>
+      <pc:docMkLst>
+        <pc:docMk/>
+      </pc:docMkLst>
+      <pc:sldChg chg="addSp delSp modSp add">
+        <pc:chgData name="master lonergan" userId="db8094ce4aaa691d" providerId="LiveId" clId="{78C21F5F-70D0-4565-B8FE-9FE3F44DD71A}" dt="2019-08-05T01:28:39.133" v="149" actId="1038"/>
+        <pc:sldMkLst>
+          <pc:docMk/>
+          <pc:sldMk cId="3799437599" sldId="259"/>
+        </pc:sldMkLst>
+        <pc:spChg chg="mod topLvl">
+          <ac:chgData name="master lonergan" userId="db8094ce4aaa691d" providerId="LiveId" clId="{78C21F5F-70D0-4565-B8FE-9FE3F44DD71A}" dt="2019-08-05T01:27:41.832" v="18" actId="165"/>
+          <ac:spMkLst>
+            <pc:docMk/>
+            <pc:sldMk cId="3799437599" sldId="259"/>
+            <ac:spMk id="11" creationId="{03AA4090-054A-4202-BDCB-01C157ACF446}"/>
+          </ac:spMkLst>
+        </pc:spChg>
+        <pc:spChg chg="mod">
+          <ac:chgData name="master lonergan" userId="db8094ce4aaa691d" providerId="LiveId" clId="{78C21F5F-70D0-4565-B8FE-9FE3F44DD71A}" dt="2019-08-05T01:26:35.652" v="5" actId="164"/>
+          <ac:spMkLst>
+            <pc:docMk/>
+            <pc:sldMk cId="3799437599" sldId="259"/>
+            <ac:spMk id="12" creationId="{7D9DAFC4-C66B-4E5E-8B0B-F838210BA4E6}"/>
+          </ac:spMkLst>
+        </pc:spChg>
+        <pc:spChg chg="mod">
+          <ac:chgData name="master lonergan" userId="db8094ce4aaa691d" providerId="LiveId" clId="{78C21F5F-70D0-4565-B8FE-9FE3F44DD71A}" dt="2019-08-05T01:26:24.629" v="1" actId="1076"/>
+          <ac:spMkLst>
+            <pc:docMk/>
+            <pc:sldMk cId="3799437599" sldId="259"/>
+            <ac:spMk id="51" creationId="{E30B8EE7-59FC-4381-94D5-5E67CD34CD8C}"/>
+          </ac:spMkLst>
+        </pc:spChg>
+        <pc:spChg chg="mod topLvl">
+          <ac:chgData name="master lonergan" userId="db8094ce4aaa691d" providerId="LiveId" clId="{78C21F5F-70D0-4565-B8FE-9FE3F44DD71A}" dt="2019-08-05T01:27:41.832" v="18" actId="165"/>
+          <ac:spMkLst>
+            <pc:docMk/>
+            <pc:sldMk cId="3799437599" sldId="259"/>
+            <ac:spMk id="120" creationId="{A968CB04-47FE-473A-B0CA-1B667C37BD41}"/>
+          </ac:spMkLst>
+        </pc:spChg>
+        <pc:spChg chg="mod">
+          <ac:chgData name="master lonergan" userId="db8094ce4aaa691d" providerId="LiveId" clId="{78C21F5F-70D0-4565-B8FE-9FE3F44DD71A}" dt="2019-08-05T01:27:22.706" v="17" actId="1038"/>
+          <ac:spMkLst>
+            <pc:docMk/>
+            <pc:sldMk cId="3799437599" sldId="259"/>
+            <ac:spMk id="122" creationId="{92E27635-B9FB-444A-AC50-A065BB29CD9F}"/>
+          </ac:spMkLst>
+        </pc:spChg>
+        <pc:spChg chg="add del">
+          <ac:chgData name="master lonergan" userId="db8094ce4aaa691d" providerId="LiveId" clId="{78C21F5F-70D0-4565-B8FE-9FE3F44DD71A}" dt="2019-08-05T01:26:28.488" v="3"/>
+          <ac:spMkLst>
+            <pc:docMk/>
+            <pc:sldMk cId="3799437599" sldId="259"/>
+            <ac:spMk id="133" creationId="{38BA0EF5-BB5B-4C89-B703-71552BCAD72C}"/>
+          </ac:spMkLst>
+        </pc:spChg>
+        <pc:spChg chg="mod">
+          <ac:chgData name="master lonergan" userId="db8094ce4aaa691d" providerId="LiveId" clId="{78C21F5F-70D0-4565-B8FE-9FE3F44DD71A}" dt="2019-08-05T01:27:01.985" v="12" actId="20577"/>
+          <ac:spMkLst>
+            <pc:docMk/>
+            <pc:sldMk cId="3799437599" sldId="259"/>
+            <ac:spMk id="141" creationId="{00F70FC2-5D20-4F8C-A4BF-A55898242296}"/>
+          </ac:spMkLst>
+        </pc:spChg>
+        <pc:spChg chg="mod">
+          <ac:chgData name="master lonergan" userId="db8094ce4aaa691d" providerId="LiveId" clId="{78C21F5F-70D0-4565-B8FE-9FE3F44DD71A}" dt="2019-08-05T01:28:02.147" v="120" actId="1038"/>
+          <ac:spMkLst>
+            <pc:docMk/>
+            <pc:sldMk cId="3799437599" sldId="259"/>
+            <ac:spMk id="144" creationId="{331EBB52-D3AC-4A36-AF7F-174ACA594363}"/>
+          </ac:spMkLst>
+        </pc:spChg>
+        <pc:spChg chg="mod ord topLvl">
+          <ac:chgData name="master lonergan" userId="db8094ce4aaa691d" providerId="LiveId" clId="{78C21F5F-70D0-4565-B8FE-9FE3F44DD71A}" dt="2019-08-05T01:28:34.198" v="146" actId="167"/>
+          <ac:spMkLst>
+            <pc:docMk/>
+            <pc:sldMk cId="3799437599" sldId="259"/>
+            <ac:spMk id="153" creationId="{5AC76301-5E4C-4277-95B8-C3406B4C5E27}"/>
+          </ac:spMkLst>
+        </pc:spChg>
+        <pc:spChg chg="mod topLvl">
+          <ac:chgData name="master lonergan" userId="db8094ce4aaa691d" providerId="LiveId" clId="{78C21F5F-70D0-4565-B8FE-9FE3F44DD71A}" dt="2019-08-05T01:28:39.133" v="149" actId="1038"/>
+          <ac:spMkLst>
+            <pc:docMk/>
+            <pc:sldMk cId="3799437599" sldId="259"/>
+            <ac:spMk id="157" creationId="{151BE12E-0042-4B31-8FB6-40EA6629D14C}"/>
+          </ac:spMkLst>
+        </pc:spChg>
+        <pc:grpChg chg="add del mod">
+          <ac:chgData name="master lonergan" userId="db8094ce4aaa691d" providerId="LiveId" clId="{78C21F5F-70D0-4565-B8FE-9FE3F44DD71A}" dt="2019-08-05T01:27:41.832" v="18" actId="165"/>
+          <ac:grpSpMkLst>
+            <pc:docMk/>
+            <pc:sldMk cId="3799437599" sldId="259"/>
+            <ac:grpSpMk id="2" creationId="{D9BB0ECC-898A-4096-AF69-E2ED0D2006E9}"/>
+          </ac:grpSpMkLst>
+        </pc:grpChg>
+        <pc:grpChg chg="add mod">
+          <ac:chgData name="master lonergan" userId="db8094ce4aaa691d" providerId="LiveId" clId="{78C21F5F-70D0-4565-B8FE-9FE3F44DD71A}" dt="2019-08-05T01:26:35.652" v="5" actId="164"/>
+          <ac:grpSpMkLst>
+            <pc:docMk/>
+            <pc:sldMk cId="3799437599" sldId="259"/>
+            <ac:grpSpMk id="4" creationId="{43DCC0E6-4BE1-4C9A-9FA1-4F11DDDC2955}"/>
+          </ac:grpSpMkLst>
+        </pc:grpChg>
+        <pc:grpChg chg="add mod">
+          <ac:chgData name="master lonergan" userId="db8094ce4aaa691d" providerId="LiveId" clId="{78C21F5F-70D0-4565-B8FE-9FE3F44DD71A}" dt="2019-08-05T01:26:39.067" v="6"/>
+          <ac:grpSpMkLst>
+            <pc:docMk/>
+            <pc:sldMk cId="3799437599" sldId="259"/>
+            <ac:grpSpMk id="138" creationId="{F4F629EA-56E7-468E-A545-83D03E9EBAF2}"/>
+          </ac:grpSpMkLst>
+        </pc:grpChg>
+        <pc:grpChg chg="add del mod">
+          <ac:chgData name="master lonergan" userId="db8094ce4aaa691d" providerId="LiveId" clId="{78C21F5F-70D0-4565-B8FE-9FE3F44DD71A}" dt="2019-08-05T01:28:30.286" v="145" actId="165"/>
+          <ac:grpSpMkLst>
+            <pc:docMk/>
+            <pc:sldMk cId="3799437599" sldId="259"/>
+            <ac:grpSpMk id="152" creationId="{19218D4C-0DC7-4A9C-8023-599D90494AB6}"/>
+          </ac:grpSpMkLst>
+        </pc:grpChg>
+        <pc:cxnChg chg="mod">
+          <ac:chgData name="master lonergan" userId="db8094ce4aaa691d" providerId="LiveId" clId="{78C21F5F-70D0-4565-B8FE-9FE3F44DD71A}" dt="2019-08-05T01:26:24.629" v="1" actId="1076"/>
+          <ac:cxnSpMkLst>
+            <pc:docMk/>
+            <pc:sldMk cId="3799437599" sldId="259"/>
+            <ac:cxnSpMk id="50" creationId="{3035A412-D046-4B29-803C-ADE69E90A7E0}"/>
+          </ac:cxnSpMkLst>
+        </pc:cxnChg>
+      </pc:sldChg>
+    </pc:docChg>
+  </pc:docChgLst>
+</pc:chgInfo>
 </file>
 
 <file path=ppt/slideLayouts/slideLayout1.xml><?xml version="1.0" encoding="utf-8"?>
@@ -271,7 +413,7 @@
           <a:p>
             <a:fld id="{FC890EA0-E871-4A70-AF9D-606C625E93D1}" type="datetimeFigureOut">
               <a:rPr lang="en-GB" smtClean="0"/>
-              <a:t>03/08/2019</a:t>
+              <a:t>05/08/2019</a:t>
             </a:fld>
             <a:endParaRPr lang="en-GB"/>
           </a:p>
@@ -471,7 +613,7 @@
           <a:p>
             <a:fld id="{FC890EA0-E871-4A70-AF9D-606C625E93D1}" type="datetimeFigureOut">
               <a:rPr lang="en-GB" smtClean="0"/>
-              <a:t>03/08/2019</a:t>
+              <a:t>05/08/2019</a:t>
             </a:fld>
             <a:endParaRPr lang="en-GB"/>
           </a:p>
@@ -681,7 +823,7 @@
           <a:p>
             <a:fld id="{FC890EA0-E871-4A70-AF9D-606C625E93D1}" type="datetimeFigureOut">
               <a:rPr lang="en-GB" smtClean="0"/>
-              <a:t>03/08/2019</a:t>
+              <a:t>05/08/2019</a:t>
             </a:fld>
             <a:endParaRPr lang="en-GB"/>
           </a:p>
@@ -881,7 +1023,7 @@
           <a:p>
             <a:fld id="{FC890EA0-E871-4A70-AF9D-606C625E93D1}" type="datetimeFigureOut">
               <a:rPr lang="en-GB" smtClean="0"/>
-              <a:t>03/08/2019</a:t>
+              <a:t>05/08/2019</a:t>
             </a:fld>
             <a:endParaRPr lang="en-GB"/>
           </a:p>
@@ -1157,7 +1299,7 @@
           <a:p>
             <a:fld id="{FC890EA0-E871-4A70-AF9D-606C625E93D1}" type="datetimeFigureOut">
               <a:rPr lang="en-GB" smtClean="0"/>
-              <a:t>03/08/2019</a:t>
+              <a:t>05/08/2019</a:t>
             </a:fld>
             <a:endParaRPr lang="en-GB"/>
           </a:p>
@@ -1425,7 +1567,7 @@
           <a:p>
             <a:fld id="{FC890EA0-E871-4A70-AF9D-606C625E93D1}" type="datetimeFigureOut">
               <a:rPr lang="en-GB" smtClean="0"/>
-              <a:t>03/08/2019</a:t>
+              <a:t>05/08/2019</a:t>
             </a:fld>
             <a:endParaRPr lang="en-GB"/>
           </a:p>
@@ -1840,7 +1982,7 @@
           <a:p>
             <a:fld id="{FC890EA0-E871-4A70-AF9D-606C625E93D1}" type="datetimeFigureOut">
               <a:rPr lang="en-GB" smtClean="0"/>
-              <a:t>03/08/2019</a:t>
+              <a:t>05/08/2019</a:t>
             </a:fld>
             <a:endParaRPr lang="en-GB"/>
           </a:p>
@@ -1982,7 +2124,7 @@
           <a:p>
             <a:fld id="{FC890EA0-E871-4A70-AF9D-606C625E93D1}" type="datetimeFigureOut">
               <a:rPr lang="en-GB" smtClean="0"/>
-              <a:t>03/08/2019</a:t>
+              <a:t>05/08/2019</a:t>
             </a:fld>
             <a:endParaRPr lang="en-GB"/>
           </a:p>
@@ -2095,7 +2237,7 @@
           <a:p>
             <a:fld id="{FC890EA0-E871-4A70-AF9D-606C625E93D1}" type="datetimeFigureOut">
               <a:rPr lang="en-GB" smtClean="0"/>
-              <a:t>03/08/2019</a:t>
+              <a:t>05/08/2019</a:t>
             </a:fld>
             <a:endParaRPr lang="en-GB"/>
           </a:p>
@@ -2408,7 +2550,7 @@
           <a:p>
             <a:fld id="{FC890EA0-E871-4A70-AF9D-606C625E93D1}" type="datetimeFigureOut">
               <a:rPr lang="en-GB" smtClean="0"/>
-              <a:t>03/08/2019</a:t>
+              <a:t>05/08/2019</a:t>
             </a:fld>
             <a:endParaRPr lang="en-GB"/>
           </a:p>
@@ -2697,7 +2839,7 @@
           <a:p>
             <a:fld id="{FC890EA0-E871-4A70-AF9D-606C625E93D1}" type="datetimeFigureOut">
               <a:rPr lang="en-GB" smtClean="0"/>
-              <a:t>03/08/2019</a:t>
+              <a:t>05/08/2019</a:t>
             </a:fld>
             <a:endParaRPr lang="en-GB"/>
           </a:p>
@@ -2940,7 +3082,7 @@
           <a:p>
             <a:fld id="{FC890EA0-E871-4A70-AF9D-606C625E93D1}" type="datetimeFigureOut">
               <a:rPr lang="en-GB" smtClean="0"/>
-              <a:t>03/08/2019</a:t>
+              <a:t>05/08/2019</a:t>
             </a:fld>
             <a:endParaRPr lang="en-GB"/>
           </a:p>
@@ -8366,6 +8508,5277 @@
       </p:grpSpPr>
       <p:sp>
         <p:nvSpPr>
+          <p:cNvPr id="153" name="Rectangle 152">
+            <a:extLst>
+              <a:ext uri="{FF2B5EF4-FFF2-40B4-BE49-F238E27FC236}">
+                <a16:creationId xmlns:a16="http://schemas.microsoft.com/office/drawing/2014/main" id="{5AC76301-5E4C-4277-95B8-C3406B4C5E27}"/>
+              </a:ext>
+            </a:extLst>
+          </p:cNvPr>
+          <p:cNvSpPr/>
+          <p:nvPr/>
+        </p:nvSpPr>
+        <p:spPr>
+          <a:xfrm>
+            <a:off x="5072030" y="1812116"/>
+            <a:ext cx="328864" cy="458724"/>
+          </a:xfrm>
+          <a:prstGeom prst="rect">
+            <a:avLst/>
+          </a:prstGeom>
+          <a:solidFill>
+            <a:schemeClr val="tx2">
+              <a:lumMod val="20000"/>
+              <a:lumOff val="80000"/>
+            </a:schemeClr>
+          </a:solidFill>
+        </p:spPr>
+        <p:style>
+          <a:lnRef idx="2">
+            <a:schemeClr val="accent1">
+              <a:shade val="50000"/>
+            </a:schemeClr>
+          </a:lnRef>
+          <a:fillRef idx="1">
+            <a:schemeClr val="accent1"/>
+          </a:fillRef>
+          <a:effectRef idx="0">
+            <a:schemeClr val="accent1"/>
+          </a:effectRef>
+          <a:fontRef idx="minor">
+            <a:schemeClr val="lt1"/>
+          </a:fontRef>
+        </p:style>
+        <p:txBody>
+          <a:bodyPr rtlCol="0" anchor="ctr"/>
+          <a:lstStyle/>
+          <a:p>
+            <a:pPr algn="ctr"/>
+            <a:r>
+              <a:rPr lang="en-GB" sz="800" dirty="0">
+                <a:solidFill>
+                  <a:schemeClr val="tx1"/>
+                </a:solidFill>
+              </a:rPr>
+              <a:t>D</a:t>
+            </a:r>
+          </a:p>
+        </p:txBody>
+      </p:sp>
+      <p:sp>
+        <p:nvSpPr>
+          <p:cNvPr id="38" name="TextBox 37">
+            <a:extLst>
+              <a:ext uri="{FF2B5EF4-FFF2-40B4-BE49-F238E27FC236}">
+                <a16:creationId xmlns:a16="http://schemas.microsoft.com/office/drawing/2014/main" id="{D7E870B5-A261-415B-BA40-89BEC8D101F4}"/>
+              </a:ext>
+            </a:extLst>
+          </p:cNvPr>
+          <p:cNvSpPr txBox="1"/>
+          <p:nvPr/>
+        </p:nvSpPr>
+        <p:spPr>
+          <a:xfrm>
+            <a:off x="5214796" y="3530010"/>
+            <a:ext cx="861720" cy="215444"/>
+          </a:xfrm>
+          <a:prstGeom prst="rect">
+            <a:avLst/>
+          </a:prstGeom>
+          <a:noFill/>
+        </p:spPr>
+        <p:txBody>
+          <a:bodyPr wrap="square" rtlCol="0">
+            <a:spAutoFit/>
+          </a:bodyPr>
+          <a:lstStyle/>
+          <a:p>
+            <a:r>
+              <a:rPr lang="en-GB" sz="800" dirty="0"/>
+              <a:t>2 bit ALU select</a:t>
+            </a:r>
+          </a:p>
+        </p:txBody>
+      </p:sp>
+      <p:cxnSp>
+        <p:nvCxnSpPr>
+          <p:cNvPr id="14" name="Straight Arrow Connector 13">
+            <a:extLst>
+              <a:ext uri="{FF2B5EF4-FFF2-40B4-BE49-F238E27FC236}">
+                <a16:creationId xmlns:a16="http://schemas.microsoft.com/office/drawing/2014/main" id="{A49BF1CB-750E-484F-97DC-90A57AC4ECFA}"/>
+              </a:ext>
+            </a:extLst>
+          </p:cNvPr>
+          <p:cNvCxnSpPr>
+            <a:cxnSpLocks/>
+            <a:stCxn id="11" idx="2"/>
+          </p:cNvCxnSpPr>
+          <p:nvPr/>
+        </p:nvCxnSpPr>
+        <p:spPr>
+          <a:xfrm>
+            <a:off x="6084963" y="2270402"/>
+            <a:ext cx="6350" cy="611190"/>
+          </a:xfrm>
+          <a:prstGeom prst="straightConnector1">
+            <a:avLst/>
+          </a:prstGeom>
+          <a:ln w="50800">
+            <a:tailEnd type="triangle"/>
+          </a:ln>
+        </p:spPr>
+        <p:style>
+          <a:lnRef idx="1">
+            <a:schemeClr val="accent1"/>
+          </a:lnRef>
+          <a:fillRef idx="0">
+            <a:schemeClr val="accent1"/>
+          </a:fillRef>
+          <a:effectRef idx="0">
+            <a:schemeClr val="accent1"/>
+          </a:effectRef>
+          <a:fontRef idx="minor">
+            <a:schemeClr val="tx1"/>
+          </a:fontRef>
+        </p:style>
+      </p:cxnSp>
+      <p:cxnSp>
+        <p:nvCxnSpPr>
+          <p:cNvPr id="16" name="Straight Arrow Connector 15">
+            <a:extLst>
+              <a:ext uri="{FF2B5EF4-FFF2-40B4-BE49-F238E27FC236}">
+                <a16:creationId xmlns:a16="http://schemas.microsoft.com/office/drawing/2014/main" id="{C8038A90-7604-4A33-B787-AC299B12C3CE}"/>
+              </a:ext>
+            </a:extLst>
+          </p:cNvPr>
+          <p:cNvCxnSpPr>
+            <a:cxnSpLocks/>
+            <a:stCxn id="12" idx="2"/>
+          </p:cNvCxnSpPr>
+          <p:nvPr/>
+        </p:nvCxnSpPr>
+        <p:spPr>
+          <a:xfrm>
+            <a:off x="6479999" y="2270402"/>
+            <a:ext cx="6350" cy="577191"/>
+          </a:xfrm>
+          <a:prstGeom prst="straightConnector1">
+            <a:avLst/>
+          </a:prstGeom>
+          <a:ln w="50800">
+            <a:tailEnd type="triangle"/>
+          </a:ln>
+        </p:spPr>
+        <p:style>
+          <a:lnRef idx="1">
+            <a:schemeClr val="accent1"/>
+          </a:lnRef>
+          <a:fillRef idx="0">
+            <a:schemeClr val="accent1"/>
+          </a:fillRef>
+          <a:effectRef idx="0">
+            <a:schemeClr val="accent1"/>
+          </a:effectRef>
+          <a:fontRef idx="minor">
+            <a:schemeClr val="tx1"/>
+          </a:fontRef>
+        </p:style>
+      </p:cxnSp>
+      <p:grpSp>
+        <p:nvGrpSpPr>
+          <p:cNvPr id="26" name="Group 25">
+            <a:extLst>
+              <a:ext uri="{FF2B5EF4-FFF2-40B4-BE49-F238E27FC236}">
+                <a16:creationId xmlns:a16="http://schemas.microsoft.com/office/drawing/2014/main" id="{FF26B8B8-C9C8-4808-A35B-5980ED2E6AF4}"/>
+              </a:ext>
+            </a:extLst>
+          </p:cNvPr>
+          <p:cNvGrpSpPr/>
+          <p:nvPr/>
+        </p:nvGrpSpPr>
+        <p:grpSpPr>
+          <a:xfrm>
+            <a:off x="1341106" y="1970774"/>
+            <a:ext cx="914400" cy="458724"/>
+            <a:chOff x="3612722" y="2515362"/>
+            <a:chExt cx="914400" cy="458724"/>
+          </a:xfrm>
+        </p:grpSpPr>
+        <p:grpSp>
+          <p:nvGrpSpPr>
+            <p:cNvPr id="30" name="Group 29">
+              <a:extLst>
+                <a:ext uri="{FF2B5EF4-FFF2-40B4-BE49-F238E27FC236}">
+                  <a16:creationId xmlns:a16="http://schemas.microsoft.com/office/drawing/2014/main" id="{FAD950C1-E2C4-41B8-B4F7-114D96E166A8}"/>
+                </a:ext>
+              </a:extLst>
+            </p:cNvPr>
+            <p:cNvGrpSpPr/>
+            <p:nvPr/>
+          </p:nvGrpSpPr>
+          <p:grpSpPr>
+            <a:xfrm rot="5400000">
+              <a:off x="3840560" y="2287524"/>
+              <a:ext cx="458724" cy="914400"/>
+              <a:chOff x="2950223" y="2215335"/>
+              <a:chExt cx="458724" cy="914400"/>
+            </a:xfrm>
+          </p:grpSpPr>
+          <p:sp>
+            <p:nvSpPr>
+              <p:cNvPr id="32" name="Flowchart: Manual Operation 31">
+                <a:extLst>
+                  <a:ext uri="{FF2B5EF4-FFF2-40B4-BE49-F238E27FC236}">
+                    <a16:creationId xmlns:a16="http://schemas.microsoft.com/office/drawing/2014/main" id="{D0DF380A-B5D3-4D39-9028-7EB22728A48F}"/>
+                  </a:ext>
+                </a:extLst>
+              </p:cNvPr>
+              <p:cNvSpPr/>
+              <p:nvPr/>
+            </p:nvSpPr>
+            <p:spPr>
+              <a:xfrm rot="16200000">
+                <a:off x="2722385" y="2443173"/>
+                <a:ext cx="914400" cy="458724"/>
+              </a:xfrm>
+              <a:prstGeom prst="flowChartManualOperation">
+                <a:avLst/>
+              </a:prstGeom>
+              <a:solidFill>
+                <a:schemeClr val="tx2">
+                  <a:lumMod val="20000"/>
+                  <a:lumOff val="80000"/>
+                </a:schemeClr>
+              </a:solidFill>
+              <a:ln>
+                <a:solidFill>
+                  <a:schemeClr val="tx1"/>
+                </a:solidFill>
+              </a:ln>
+            </p:spPr>
+            <p:style>
+              <a:lnRef idx="2">
+                <a:schemeClr val="accent1">
+                  <a:shade val="50000"/>
+                </a:schemeClr>
+              </a:lnRef>
+              <a:fillRef idx="1">
+                <a:schemeClr val="accent1"/>
+              </a:fillRef>
+              <a:effectRef idx="0">
+                <a:schemeClr val="accent1"/>
+              </a:effectRef>
+              <a:fontRef idx="minor">
+                <a:schemeClr val="lt1"/>
+              </a:fontRef>
+            </p:style>
+            <p:txBody>
+              <a:bodyPr rtlCol="0" anchor="ctr"/>
+              <a:lstStyle/>
+              <a:p>
+                <a:pPr algn="ctr"/>
+                <a:endParaRPr lang="en-GB" sz="800"/>
+              </a:p>
+            </p:txBody>
+          </p:sp>
+          <p:sp>
+            <p:nvSpPr>
+              <p:cNvPr id="33" name="Flowchart: Manual Operation 32">
+                <a:extLst>
+                  <a:ext uri="{FF2B5EF4-FFF2-40B4-BE49-F238E27FC236}">
+                    <a16:creationId xmlns:a16="http://schemas.microsoft.com/office/drawing/2014/main" id="{8B0762FD-223A-47A0-A907-5BEC212D24A9}"/>
+                  </a:ext>
+                </a:extLst>
+              </p:cNvPr>
+              <p:cNvSpPr/>
+              <p:nvPr/>
+            </p:nvSpPr>
+            <p:spPr>
+              <a:xfrm rot="16200000">
+                <a:off x="2926923" y="2549932"/>
+                <a:ext cx="272716" cy="226113"/>
+              </a:xfrm>
+              <a:prstGeom prst="flowChartManualOperation">
+                <a:avLst/>
+              </a:prstGeom>
+              <a:solidFill>
+                <a:schemeClr val="bg1"/>
+              </a:solidFill>
+              <a:ln>
+                <a:solidFill>
+                  <a:schemeClr val="tx1"/>
+                </a:solidFill>
+              </a:ln>
+            </p:spPr>
+            <p:style>
+              <a:lnRef idx="2">
+                <a:schemeClr val="accent1">
+                  <a:shade val="50000"/>
+                </a:schemeClr>
+              </a:lnRef>
+              <a:fillRef idx="1">
+                <a:schemeClr val="accent1"/>
+              </a:fillRef>
+              <a:effectRef idx="0">
+                <a:schemeClr val="accent1"/>
+              </a:effectRef>
+              <a:fontRef idx="minor">
+                <a:schemeClr val="lt1"/>
+              </a:fontRef>
+            </p:style>
+            <p:txBody>
+              <a:bodyPr rtlCol="0" anchor="ctr"/>
+              <a:lstStyle/>
+              <a:p>
+                <a:pPr algn="ctr"/>
+                <a:endParaRPr lang="en-GB" sz="800"/>
+              </a:p>
+            </p:txBody>
+          </p:sp>
+        </p:grpSp>
+        <p:cxnSp>
+          <p:nvCxnSpPr>
+            <p:cNvPr id="31" name="Straight Connector 30">
+              <a:extLst>
+                <a:ext uri="{FF2B5EF4-FFF2-40B4-BE49-F238E27FC236}">
+                  <a16:creationId xmlns:a16="http://schemas.microsoft.com/office/drawing/2014/main" id="{01CC2309-9AE8-4476-AF95-304A66EED138}"/>
+                </a:ext>
+              </a:extLst>
+            </p:cNvPr>
+            <p:cNvCxnSpPr/>
+            <p:nvPr/>
+          </p:nvCxnSpPr>
+          <p:spPr>
+            <a:xfrm>
+              <a:off x="3943111" y="2515362"/>
+              <a:ext cx="272716" cy="0"/>
+            </a:xfrm>
+            <a:prstGeom prst="line">
+              <a:avLst/>
+            </a:prstGeom>
+            <a:ln w="15875">
+              <a:solidFill>
+                <a:schemeClr val="bg1"/>
+              </a:solidFill>
+            </a:ln>
+          </p:spPr>
+          <p:style>
+            <a:lnRef idx="1">
+              <a:schemeClr val="accent1"/>
+            </a:lnRef>
+            <a:fillRef idx="0">
+              <a:schemeClr val="accent1"/>
+            </a:fillRef>
+            <a:effectRef idx="0">
+              <a:schemeClr val="accent1"/>
+            </a:effectRef>
+            <a:fontRef idx="minor">
+              <a:schemeClr val="tx1"/>
+            </a:fontRef>
+          </p:style>
+        </p:cxnSp>
+      </p:grpSp>
+      <p:cxnSp>
+        <p:nvCxnSpPr>
+          <p:cNvPr id="27" name="Straight Arrow Connector 26">
+            <a:extLst>
+              <a:ext uri="{FF2B5EF4-FFF2-40B4-BE49-F238E27FC236}">
+                <a16:creationId xmlns:a16="http://schemas.microsoft.com/office/drawing/2014/main" id="{CBE8890C-03C8-4F8C-8250-0AE16AA7D8F9}"/>
+              </a:ext>
+            </a:extLst>
+          </p:cNvPr>
+          <p:cNvCxnSpPr>
+            <a:cxnSpLocks/>
+            <a:endCxn id="32" idx="1"/>
+          </p:cNvCxnSpPr>
+          <p:nvPr/>
+        </p:nvCxnSpPr>
+        <p:spPr>
+          <a:xfrm>
+            <a:off x="1097744" y="2190279"/>
+            <a:ext cx="334802" cy="9857"/>
+          </a:xfrm>
+          <a:prstGeom prst="straightConnector1">
+            <a:avLst/>
+          </a:prstGeom>
+          <a:ln w="25400">
+            <a:solidFill>
+              <a:schemeClr val="accent4"/>
+            </a:solidFill>
+            <a:tailEnd type="triangle"/>
+          </a:ln>
+        </p:spPr>
+        <p:style>
+          <a:lnRef idx="1">
+            <a:schemeClr val="accent1"/>
+          </a:lnRef>
+          <a:fillRef idx="0">
+            <a:schemeClr val="accent1"/>
+          </a:fillRef>
+          <a:effectRef idx="0">
+            <a:schemeClr val="accent1"/>
+          </a:effectRef>
+          <a:fontRef idx="minor">
+            <a:schemeClr val="tx1"/>
+          </a:fontRef>
+        </p:style>
+      </p:cxnSp>
+      <p:sp>
+        <p:nvSpPr>
+          <p:cNvPr id="28" name="TextBox 27">
+            <a:extLst>
+              <a:ext uri="{FF2B5EF4-FFF2-40B4-BE49-F238E27FC236}">
+                <a16:creationId xmlns:a16="http://schemas.microsoft.com/office/drawing/2014/main" id="{DC52306B-5F58-45F7-91C1-3CBFDE7AD236}"/>
+              </a:ext>
+            </a:extLst>
+          </p:cNvPr>
+          <p:cNvSpPr txBox="1"/>
+          <p:nvPr/>
+        </p:nvSpPr>
+        <p:spPr>
+          <a:xfrm>
+            <a:off x="1398016" y="1934626"/>
+            <a:ext cx="216569" cy="215444"/>
+          </a:xfrm>
+          <a:prstGeom prst="rect">
+            <a:avLst/>
+          </a:prstGeom>
+          <a:noFill/>
+        </p:spPr>
+        <p:txBody>
+          <a:bodyPr wrap="square" rtlCol="0">
+            <a:spAutoFit/>
+          </a:bodyPr>
+          <a:lstStyle/>
+          <a:p>
+            <a:r>
+              <a:rPr lang="en-GB" sz="800" dirty="0"/>
+              <a:t>1</a:t>
+            </a:r>
+          </a:p>
+        </p:txBody>
+      </p:sp>
+      <p:sp>
+        <p:nvSpPr>
+          <p:cNvPr id="29" name="TextBox 28">
+            <a:extLst>
+              <a:ext uri="{FF2B5EF4-FFF2-40B4-BE49-F238E27FC236}">
+                <a16:creationId xmlns:a16="http://schemas.microsoft.com/office/drawing/2014/main" id="{CE446E67-C91E-4A53-8E19-6E133DC71237}"/>
+              </a:ext>
+            </a:extLst>
+          </p:cNvPr>
+          <p:cNvSpPr txBox="1"/>
+          <p:nvPr/>
+        </p:nvSpPr>
+        <p:spPr>
+          <a:xfrm>
+            <a:off x="1944211" y="1934626"/>
+            <a:ext cx="200527" cy="215444"/>
+          </a:xfrm>
+          <a:prstGeom prst="rect">
+            <a:avLst/>
+          </a:prstGeom>
+          <a:noFill/>
+        </p:spPr>
+        <p:txBody>
+          <a:bodyPr wrap="square" rtlCol="0">
+            <a:spAutoFit/>
+          </a:bodyPr>
+          <a:lstStyle/>
+          <a:p>
+            <a:r>
+              <a:rPr lang="en-GB" sz="800" dirty="0"/>
+              <a:t>0</a:t>
+            </a:r>
+          </a:p>
+        </p:txBody>
+      </p:sp>
+      <p:sp>
+        <p:nvSpPr>
+          <p:cNvPr id="35" name="Rectangle 34">
+            <a:extLst>
+              <a:ext uri="{FF2B5EF4-FFF2-40B4-BE49-F238E27FC236}">
+                <a16:creationId xmlns:a16="http://schemas.microsoft.com/office/drawing/2014/main" id="{B08755B0-6402-41C1-9425-A6620F4CFAAA}"/>
+              </a:ext>
+            </a:extLst>
+          </p:cNvPr>
+          <p:cNvSpPr/>
+          <p:nvPr/>
+        </p:nvSpPr>
+        <p:spPr>
+          <a:xfrm>
+            <a:off x="5977367" y="2881592"/>
+            <a:ext cx="715448" cy="458724"/>
+          </a:xfrm>
+          <a:prstGeom prst="rect">
+            <a:avLst/>
+          </a:prstGeom>
+          <a:solidFill>
+            <a:schemeClr val="tx2">
+              <a:lumMod val="20000"/>
+              <a:lumOff val="80000"/>
+            </a:schemeClr>
+          </a:solidFill>
+        </p:spPr>
+        <p:style>
+          <a:lnRef idx="2">
+            <a:schemeClr val="accent1">
+              <a:shade val="50000"/>
+            </a:schemeClr>
+          </a:lnRef>
+          <a:fillRef idx="1">
+            <a:schemeClr val="accent1"/>
+          </a:fillRef>
+          <a:effectRef idx="0">
+            <a:schemeClr val="accent1"/>
+          </a:effectRef>
+          <a:fontRef idx="minor">
+            <a:schemeClr val="lt1"/>
+          </a:fontRef>
+        </p:style>
+        <p:txBody>
+          <a:bodyPr rtlCol="0" anchor="ctr"/>
+          <a:lstStyle/>
+          <a:p>
+            <a:pPr algn="ctr"/>
+            <a:r>
+              <a:rPr lang="en-GB" sz="800" dirty="0">
+                <a:solidFill>
+                  <a:schemeClr val="tx1"/>
+                </a:solidFill>
+              </a:rPr>
+              <a:t>ALU</a:t>
+            </a:r>
+          </a:p>
+        </p:txBody>
+      </p:sp>
+      <p:sp>
+        <p:nvSpPr>
+          <p:cNvPr id="41" name="Rectangle 40">
+            <a:extLst>
+              <a:ext uri="{FF2B5EF4-FFF2-40B4-BE49-F238E27FC236}">
+                <a16:creationId xmlns:a16="http://schemas.microsoft.com/office/drawing/2014/main" id="{A75985A8-5A7B-45F4-A939-209E448164F0}"/>
+              </a:ext>
+            </a:extLst>
+          </p:cNvPr>
+          <p:cNvSpPr/>
+          <p:nvPr/>
+        </p:nvSpPr>
+        <p:spPr>
+          <a:xfrm>
+            <a:off x="5987160" y="3883572"/>
+            <a:ext cx="723900" cy="458724"/>
+          </a:xfrm>
+          <a:prstGeom prst="rect">
+            <a:avLst/>
+          </a:prstGeom>
+          <a:solidFill>
+            <a:schemeClr val="tx2">
+              <a:lumMod val="20000"/>
+              <a:lumOff val="80000"/>
+            </a:schemeClr>
+          </a:solidFill>
+        </p:spPr>
+        <p:style>
+          <a:lnRef idx="2">
+            <a:schemeClr val="accent1">
+              <a:shade val="50000"/>
+            </a:schemeClr>
+          </a:lnRef>
+          <a:fillRef idx="1">
+            <a:schemeClr val="accent1"/>
+          </a:fillRef>
+          <a:effectRef idx="0">
+            <a:schemeClr val="accent1"/>
+          </a:effectRef>
+          <a:fontRef idx="minor">
+            <a:schemeClr val="lt1"/>
+          </a:fontRef>
+        </p:style>
+        <p:txBody>
+          <a:bodyPr rtlCol="0" anchor="ctr"/>
+          <a:lstStyle/>
+          <a:p>
+            <a:pPr algn="ctr"/>
+            <a:r>
+              <a:rPr lang="en-GB" sz="800" dirty="0">
+                <a:solidFill>
+                  <a:schemeClr val="tx1"/>
+                </a:solidFill>
+              </a:rPr>
+              <a:t>BUF</a:t>
+            </a:r>
+          </a:p>
+        </p:txBody>
+      </p:sp>
+      <p:cxnSp>
+        <p:nvCxnSpPr>
+          <p:cNvPr id="43" name="Straight Arrow Connector 42">
+            <a:extLst>
+              <a:ext uri="{FF2B5EF4-FFF2-40B4-BE49-F238E27FC236}">
+                <a16:creationId xmlns:a16="http://schemas.microsoft.com/office/drawing/2014/main" id="{3DE667B5-69FF-4E7C-A003-2B8D33FB5824}"/>
+              </a:ext>
+            </a:extLst>
+          </p:cNvPr>
+          <p:cNvCxnSpPr>
+            <a:cxnSpLocks/>
+            <a:stCxn id="35" idx="2"/>
+            <a:endCxn id="41" idx="0"/>
+          </p:cNvCxnSpPr>
+          <p:nvPr/>
+        </p:nvCxnSpPr>
+        <p:spPr>
+          <a:xfrm>
+            <a:off x="6335091" y="3340316"/>
+            <a:ext cx="14019" cy="543256"/>
+          </a:xfrm>
+          <a:prstGeom prst="straightConnector1">
+            <a:avLst/>
+          </a:prstGeom>
+          <a:ln w="50800">
+            <a:tailEnd type="triangle"/>
+          </a:ln>
+        </p:spPr>
+        <p:style>
+          <a:lnRef idx="1">
+            <a:schemeClr val="accent1"/>
+          </a:lnRef>
+          <a:fillRef idx="0">
+            <a:schemeClr val="accent1"/>
+          </a:fillRef>
+          <a:effectRef idx="0">
+            <a:schemeClr val="accent1"/>
+          </a:effectRef>
+          <a:fontRef idx="minor">
+            <a:schemeClr val="tx1"/>
+          </a:fontRef>
+        </p:style>
+      </p:cxnSp>
+      <p:cxnSp>
+        <p:nvCxnSpPr>
+          <p:cNvPr id="45" name="Straight Arrow Connector 44">
+            <a:extLst>
+              <a:ext uri="{FF2B5EF4-FFF2-40B4-BE49-F238E27FC236}">
+                <a16:creationId xmlns:a16="http://schemas.microsoft.com/office/drawing/2014/main" id="{111F6AE9-56F3-4E3D-99BB-E7EEDE206F66}"/>
+              </a:ext>
+            </a:extLst>
+          </p:cNvPr>
+          <p:cNvCxnSpPr>
+            <a:cxnSpLocks/>
+            <a:endCxn id="41" idx="1"/>
+          </p:cNvCxnSpPr>
+          <p:nvPr/>
+        </p:nvCxnSpPr>
+        <p:spPr>
+          <a:xfrm>
+            <a:off x="5589493" y="4106628"/>
+            <a:ext cx="397667" cy="6306"/>
+          </a:xfrm>
+          <a:prstGeom prst="straightConnector1">
+            <a:avLst/>
+          </a:prstGeom>
+          <a:ln w="38100">
+            <a:solidFill>
+              <a:schemeClr val="accent4"/>
+            </a:solidFill>
+            <a:tailEnd type="triangle"/>
+          </a:ln>
+        </p:spPr>
+        <p:style>
+          <a:lnRef idx="1">
+            <a:schemeClr val="accent1"/>
+          </a:lnRef>
+          <a:fillRef idx="0">
+            <a:schemeClr val="accent1"/>
+          </a:fillRef>
+          <a:effectRef idx="0">
+            <a:schemeClr val="accent1"/>
+          </a:effectRef>
+          <a:fontRef idx="minor">
+            <a:schemeClr val="tx1"/>
+          </a:fontRef>
+        </p:style>
+      </p:cxnSp>
+      <p:sp>
+        <p:nvSpPr>
+          <p:cNvPr id="46" name="TextBox 45">
+            <a:extLst>
+              <a:ext uri="{FF2B5EF4-FFF2-40B4-BE49-F238E27FC236}">
+                <a16:creationId xmlns:a16="http://schemas.microsoft.com/office/drawing/2014/main" id="{6447DA4D-FDE0-4782-92FD-4C09C184C452}"/>
+              </a:ext>
+            </a:extLst>
+          </p:cNvPr>
+          <p:cNvSpPr txBox="1"/>
+          <p:nvPr/>
+        </p:nvSpPr>
+        <p:spPr>
+          <a:xfrm>
+            <a:off x="5514895" y="3854488"/>
+            <a:ext cx="554717" cy="215444"/>
+          </a:xfrm>
+          <a:prstGeom prst="rect">
+            <a:avLst/>
+          </a:prstGeom>
+          <a:noFill/>
+        </p:spPr>
+        <p:txBody>
+          <a:bodyPr wrap="square" rtlCol="0">
+            <a:spAutoFit/>
+          </a:bodyPr>
+          <a:lstStyle/>
+          <a:p>
+            <a:r>
+              <a:rPr lang="en-GB" sz="800" dirty="0"/>
+              <a:t>ALU out</a:t>
+            </a:r>
+          </a:p>
+        </p:txBody>
+      </p:sp>
+      <p:sp>
+        <p:nvSpPr>
+          <p:cNvPr id="47" name="Rectangle 46">
+            <a:extLst>
+              <a:ext uri="{FF2B5EF4-FFF2-40B4-BE49-F238E27FC236}">
+                <a16:creationId xmlns:a16="http://schemas.microsoft.com/office/drawing/2014/main" id="{FB111742-7816-47A8-9568-F20078702D81}"/>
+              </a:ext>
+            </a:extLst>
+          </p:cNvPr>
+          <p:cNvSpPr/>
+          <p:nvPr/>
+        </p:nvSpPr>
+        <p:spPr>
+          <a:xfrm>
+            <a:off x="667692" y="4613398"/>
+            <a:ext cx="10505858" cy="458724"/>
+          </a:xfrm>
+          <a:prstGeom prst="rect">
+            <a:avLst/>
+          </a:prstGeom>
+          <a:solidFill>
+            <a:schemeClr val="tx2">
+              <a:lumMod val="20000"/>
+              <a:lumOff val="80000"/>
+            </a:schemeClr>
+          </a:solidFill>
+        </p:spPr>
+        <p:style>
+          <a:lnRef idx="2">
+            <a:schemeClr val="accent1">
+              <a:shade val="50000"/>
+            </a:schemeClr>
+          </a:lnRef>
+          <a:fillRef idx="1">
+            <a:schemeClr val="accent1"/>
+          </a:fillRef>
+          <a:effectRef idx="0">
+            <a:schemeClr val="accent1"/>
+          </a:effectRef>
+          <a:fontRef idx="minor">
+            <a:schemeClr val="lt1"/>
+          </a:fontRef>
+        </p:style>
+        <p:txBody>
+          <a:bodyPr rtlCol="0" anchor="ctr"/>
+          <a:lstStyle/>
+          <a:p>
+            <a:pPr algn="ctr"/>
+            <a:r>
+              <a:rPr lang="en-GB" sz="800" dirty="0">
+                <a:solidFill>
+                  <a:schemeClr val="tx1"/>
+                </a:solidFill>
+              </a:rPr>
+              <a:t>BUS</a:t>
+            </a:r>
+          </a:p>
+        </p:txBody>
+      </p:sp>
+      <p:cxnSp>
+        <p:nvCxnSpPr>
+          <p:cNvPr id="48" name="Straight Arrow Connector 47">
+            <a:extLst>
+              <a:ext uri="{FF2B5EF4-FFF2-40B4-BE49-F238E27FC236}">
+                <a16:creationId xmlns:a16="http://schemas.microsoft.com/office/drawing/2014/main" id="{7349FA47-D07C-4076-B1F5-5E0509ADB404}"/>
+              </a:ext>
+            </a:extLst>
+          </p:cNvPr>
+          <p:cNvCxnSpPr>
+            <a:cxnSpLocks/>
+            <a:stCxn id="41" idx="2"/>
+          </p:cNvCxnSpPr>
+          <p:nvPr/>
+        </p:nvCxnSpPr>
+        <p:spPr>
+          <a:xfrm>
+            <a:off x="6349110" y="4342296"/>
+            <a:ext cx="0" cy="271102"/>
+          </a:xfrm>
+          <a:prstGeom prst="straightConnector1">
+            <a:avLst/>
+          </a:prstGeom>
+          <a:ln w="22225">
+            <a:solidFill>
+              <a:schemeClr val="accent2"/>
+            </a:solidFill>
+            <a:prstDash val="sysDot"/>
+            <a:tailEnd type="triangle"/>
+          </a:ln>
+        </p:spPr>
+        <p:style>
+          <a:lnRef idx="1">
+            <a:schemeClr val="accent1"/>
+          </a:lnRef>
+          <a:fillRef idx="0">
+            <a:schemeClr val="accent1"/>
+          </a:fillRef>
+          <a:effectRef idx="0">
+            <a:schemeClr val="accent1"/>
+          </a:effectRef>
+          <a:fontRef idx="minor">
+            <a:schemeClr val="tx1"/>
+          </a:fontRef>
+        </p:style>
+      </p:cxnSp>
+      <p:cxnSp>
+        <p:nvCxnSpPr>
+          <p:cNvPr id="50" name="Straight Arrow Connector 49">
+            <a:extLst>
+              <a:ext uri="{FF2B5EF4-FFF2-40B4-BE49-F238E27FC236}">
+                <a16:creationId xmlns:a16="http://schemas.microsoft.com/office/drawing/2014/main" id="{3035A412-D046-4B29-803C-ADE69E90A7E0}"/>
+              </a:ext>
+            </a:extLst>
+          </p:cNvPr>
+          <p:cNvCxnSpPr/>
+          <p:nvPr/>
+        </p:nvCxnSpPr>
+        <p:spPr>
+          <a:xfrm>
+            <a:off x="4252134" y="1735824"/>
+            <a:ext cx="347021" cy="3249"/>
+          </a:xfrm>
+          <a:prstGeom prst="straightConnector1">
+            <a:avLst/>
+          </a:prstGeom>
+          <a:ln w="38100">
+            <a:solidFill>
+              <a:schemeClr val="accent4"/>
+            </a:solidFill>
+            <a:tailEnd type="triangle"/>
+          </a:ln>
+        </p:spPr>
+        <p:style>
+          <a:lnRef idx="1">
+            <a:schemeClr val="accent1"/>
+          </a:lnRef>
+          <a:fillRef idx="0">
+            <a:schemeClr val="accent1"/>
+          </a:fillRef>
+          <a:effectRef idx="0">
+            <a:schemeClr val="accent1"/>
+          </a:effectRef>
+          <a:fontRef idx="minor">
+            <a:schemeClr val="tx1"/>
+          </a:fontRef>
+        </p:style>
+      </p:cxnSp>
+      <p:sp>
+        <p:nvSpPr>
+          <p:cNvPr id="51" name="TextBox 50">
+            <a:extLst>
+              <a:ext uri="{FF2B5EF4-FFF2-40B4-BE49-F238E27FC236}">
+                <a16:creationId xmlns:a16="http://schemas.microsoft.com/office/drawing/2014/main" id="{E30B8EE7-59FC-4381-94D5-5E67CD34CD8C}"/>
+              </a:ext>
+            </a:extLst>
+          </p:cNvPr>
+          <p:cNvSpPr txBox="1"/>
+          <p:nvPr/>
+        </p:nvSpPr>
+        <p:spPr>
+          <a:xfrm>
+            <a:off x="4202415" y="1523325"/>
+            <a:ext cx="497566" cy="215444"/>
+          </a:xfrm>
+          <a:prstGeom prst="rect">
+            <a:avLst/>
+          </a:prstGeom>
+          <a:noFill/>
+        </p:spPr>
+        <p:txBody>
+          <a:bodyPr wrap="square" rtlCol="0">
+            <a:spAutoFit/>
+          </a:bodyPr>
+          <a:lstStyle/>
+          <a:p>
+            <a:r>
+              <a:rPr lang="en-GB" sz="800" dirty="0"/>
+              <a:t>A in</a:t>
+            </a:r>
+          </a:p>
+        </p:txBody>
+      </p:sp>
+      <p:cxnSp>
+        <p:nvCxnSpPr>
+          <p:cNvPr id="54" name="Straight Arrow Connector 53">
+            <a:extLst>
+              <a:ext uri="{FF2B5EF4-FFF2-40B4-BE49-F238E27FC236}">
+                <a16:creationId xmlns:a16="http://schemas.microsoft.com/office/drawing/2014/main" id="{19391681-171D-4BE3-BA4A-AED73F6E3B40}"/>
+              </a:ext>
+            </a:extLst>
+          </p:cNvPr>
+          <p:cNvCxnSpPr/>
+          <p:nvPr/>
+        </p:nvCxnSpPr>
+        <p:spPr>
+          <a:xfrm flipH="1">
+            <a:off x="6661638" y="2019175"/>
+            <a:ext cx="295031" cy="3249"/>
+          </a:xfrm>
+          <a:prstGeom prst="straightConnector1">
+            <a:avLst/>
+          </a:prstGeom>
+          <a:ln w="38100">
+            <a:solidFill>
+              <a:schemeClr val="accent4"/>
+            </a:solidFill>
+            <a:tailEnd type="triangle"/>
+          </a:ln>
+        </p:spPr>
+        <p:style>
+          <a:lnRef idx="1">
+            <a:schemeClr val="accent1"/>
+          </a:lnRef>
+          <a:fillRef idx="0">
+            <a:schemeClr val="accent1"/>
+          </a:fillRef>
+          <a:effectRef idx="0">
+            <a:schemeClr val="accent1"/>
+          </a:effectRef>
+          <a:fontRef idx="minor">
+            <a:schemeClr val="tx1"/>
+          </a:fontRef>
+        </p:style>
+      </p:cxnSp>
+      <p:sp>
+        <p:nvSpPr>
+          <p:cNvPr id="55" name="TextBox 54">
+            <a:extLst>
+              <a:ext uri="{FF2B5EF4-FFF2-40B4-BE49-F238E27FC236}">
+                <a16:creationId xmlns:a16="http://schemas.microsoft.com/office/drawing/2014/main" id="{3933EC9E-9439-461C-878E-5B5963CA434C}"/>
+              </a:ext>
+            </a:extLst>
+          </p:cNvPr>
+          <p:cNvSpPr txBox="1"/>
+          <p:nvPr/>
+        </p:nvSpPr>
+        <p:spPr>
+          <a:xfrm flipH="1">
+            <a:off x="6575917" y="1806676"/>
+            <a:ext cx="423022" cy="215444"/>
+          </a:xfrm>
+          <a:prstGeom prst="rect">
+            <a:avLst/>
+          </a:prstGeom>
+          <a:noFill/>
+        </p:spPr>
+        <p:txBody>
+          <a:bodyPr wrap="square" rtlCol="0">
+            <a:spAutoFit/>
+          </a:bodyPr>
+          <a:lstStyle/>
+          <a:p>
+            <a:r>
+              <a:rPr lang="en-GB" sz="800" dirty="0"/>
+              <a:t>B in</a:t>
+            </a:r>
+          </a:p>
+        </p:txBody>
+      </p:sp>
+      <p:sp>
+        <p:nvSpPr>
+          <p:cNvPr id="56" name="Rectangle 55">
+            <a:extLst>
+              <a:ext uri="{FF2B5EF4-FFF2-40B4-BE49-F238E27FC236}">
+                <a16:creationId xmlns:a16="http://schemas.microsoft.com/office/drawing/2014/main" id="{0C13AF83-E97C-4B8D-8B8C-C3B8CAFDB68D}"/>
+              </a:ext>
+            </a:extLst>
+          </p:cNvPr>
+          <p:cNvSpPr/>
+          <p:nvPr/>
+        </p:nvSpPr>
+        <p:spPr>
+          <a:xfrm>
+            <a:off x="1543536" y="2770172"/>
+            <a:ext cx="514602" cy="458724"/>
+          </a:xfrm>
+          <a:prstGeom prst="rect">
+            <a:avLst/>
+          </a:prstGeom>
+          <a:solidFill>
+            <a:schemeClr val="tx2">
+              <a:lumMod val="20000"/>
+              <a:lumOff val="80000"/>
+            </a:schemeClr>
+          </a:solidFill>
+        </p:spPr>
+        <p:style>
+          <a:lnRef idx="2">
+            <a:schemeClr val="accent1">
+              <a:shade val="50000"/>
+            </a:schemeClr>
+          </a:lnRef>
+          <a:fillRef idx="1">
+            <a:schemeClr val="accent1"/>
+          </a:fillRef>
+          <a:effectRef idx="0">
+            <a:schemeClr val="accent1"/>
+          </a:effectRef>
+          <a:fontRef idx="minor">
+            <a:schemeClr val="lt1"/>
+          </a:fontRef>
+        </p:style>
+        <p:txBody>
+          <a:bodyPr rtlCol="0" anchor="ctr"/>
+          <a:lstStyle/>
+          <a:p>
+            <a:pPr algn="ctr"/>
+            <a:r>
+              <a:rPr lang="en-GB" sz="800" dirty="0">
+                <a:solidFill>
+                  <a:schemeClr val="tx1"/>
+                </a:solidFill>
+              </a:rPr>
+              <a:t>PC</a:t>
+            </a:r>
+          </a:p>
+        </p:txBody>
+      </p:sp>
+      <p:cxnSp>
+        <p:nvCxnSpPr>
+          <p:cNvPr id="62" name="Straight Arrow Connector 61">
+            <a:extLst>
+              <a:ext uri="{FF2B5EF4-FFF2-40B4-BE49-F238E27FC236}">
+                <a16:creationId xmlns:a16="http://schemas.microsoft.com/office/drawing/2014/main" id="{6DC79F0B-E998-4BB9-9355-CF9C68FBDA5A}"/>
+              </a:ext>
+            </a:extLst>
+          </p:cNvPr>
+          <p:cNvCxnSpPr>
+            <a:cxnSpLocks/>
+            <a:endCxn id="64" idx="1"/>
+          </p:cNvCxnSpPr>
+          <p:nvPr/>
+        </p:nvCxnSpPr>
+        <p:spPr>
+          <a:xfrm>
+            <a:off x="1170038" y="4089382"/>
+            <a:ext cx="382605" cy="8016"/>
+          </a:xfrm>
+          <a:prstGeom prst="straightConnector1">
+            <a:avLst/>
+          </a:prstGeom>
+          <a:ln w="25400">
+            <a:solidFill>
+              <a:schemeClr val="accent4"/>
+            </a:solidFill>
+            <a:tailEnd type="triangle"/>
+          </a:ln>
+        </p:spPr>
+        <p:style>
+          <a:lnRef idx="1">
+            <a:schemeClr val="accent1"/>
+          </a:lnRef>
+          <a:fillRef idx="0">
+            <a:schemeClr val="accent1"/>
+          </a:fillRef>
+          <a:effectRef idx="0">
+            <a:schemeClr val="accent1"/>
+          </a:effectRef>
+          <a:fontRef idx="minor">
+            <a:schemeClr val="tx1"/>
+          </a:fontRef>
+        </p:style>
+      </p:cxnSp>
+      <p:sp>
+        <p:nvSpPr>
+          <p:cNvPr id="63" name="TextBox 62">
+            <a:extLst>
+              <a:ext uri="{FF2B5EF4-FFF2-40B4-BE49-F238E27FC236}">
+                <a16:creationId xmlns:a16="http://schemas.microsoft.com/office/drawing/2014/main" id="{5BDC9DA1-1CAE-4134-AEF5-6CE87F1A182E}"/>
+              </a:ext>
+            </a:extLst>
+          </p:cNvPr>
+          <p:cNvSpPr txBox="1"/>
+          <p:nvPr/>
+        </p:nvSpPr>
+        <p:spPr>
+          <a:xfrm>
+            <a:off x="1105668" y="3853090"/>
+            <a:ext cx="560194" cy="215444"/>
+          </a:xfrm>
+          <a:prstGeom prst="rect">
+            <a:avLst/>
+          </a:prstGeom>
+          <a:noFill/>
+        </p:spPr>
+        <p:txBody>
+          <a:bodyPr wrap="square" rtlCol="0">
+            <a:spAutoFit/>
+          </a:bodyPr>
+          <a:lstStyle/>
+          <a:p>
+            <a:r>
+              <a:rPr lang="en-GB" sz="800" dirty="0"/>
+              <a:t>PC out</a:t>
+            </a:r>
+          </a:p>
+        </p:txBody>
+      </p:sp>
+      <p:sp>
+        <p:nvSpPr>
+          <p:cNvPr id="64" name="Rectangle 63">
+            <a:extLst>
+              <a:ext uri="{FF2B5EF4-FFF2-40B4-BE49-F238E27FC236}">
+                <a16:creationId xmlns:a16="http://schemas.microsoft.com/office/drawing/2014/main" id="{A5731CD1-BE61-4CA4-81E2-1BD67B3C3C09}"/>
+              </a:ext>
+            </a:extLst>
+          </p:cNvPr>
+          <p:cNvSpPr/>
+          <p:nvPr/>
+        </p:nvSpPr>
+        <p:spPr>
+          <a:xfrm>
+            <a:off x="1552643" y="3868036"/>
+            <a:ext cx="497566" cy="458724"/>
+          </a:xfrm>
+          <a:prstGeom prst="rect">
+            <a:avLst/>
+          </a:prstGeom>
+          <a:solidFill>
+            <a:schemeClr val="tx2">
+              <a:lumMod val="20000"/>
+              <a:lumOff val="80000"/>
+            </a:schemeClr>
+          </a:solidFill>
+        </p:spPr>
+        <p:style>
+          <a:lnRef idx="2">
+            <a:schemeClr val="accent1">
+              <a:shade val="50000"/>
+            </a:schemeClr>
+          </a:lnRef>
+          <a:fillRef idx="1">
+            <a:schemeClr val="accent1"/>
+          </a:fillRef>
+          <a:effectRef idx="0">
+            <a:schemeClr val="accent1"/>
+          </a:effectRef>
+          <a:fontRef idx="minor">
+            <a:schemeClr val="lt1"/>
+          </a:fontRef>
+        </p:style>
+        <p:txBody>
+          <a:bodyPr rtlCol="0" anchor="ctr"/>
+          <a:lstStyle/>
+          <a:p>
+            <a:pPr algn="ctr"/>
+            <a:r>
+              <a:rPr lang="en-GB" sz="800" dirty="0">
+                <a:solidFill>
+                  <a:schemeClr val="tx1"/>
+                </a:solidFill>
+              </a:rPr>
+              <a:t>BUF</a:t>
+            </a:r>
+          </a:p>
+        </p:txBody>
+      </p:sp>
+      <p:cxnSp>
+        <p:nvCxnSpPr>
+          <p:cNvPr id="68" name="Straight Arrow Connector 67">
+            <a:extLst>
+              <a:ext uri="{FF2B5EF4-FFF2-40B4-BE49-F238E27FC236}">
+                <a16:creationId xmlns:a16="http://schemas.microsoft.com/office/drawing/2014/main" id="{8D4B2CAC-D2FE-4E62-9FAF-359BC7621FDE}"/>
+              </a:ext>
+            </a:extLst>
+          </p:cNvPr>
+          <p:cNvCxnSpPr>
+            <a:cxnSpLocks/>
+          </p:cNvCxnSpPr>
+          <p:nvPr/>
+        </p:nvCxnSpPr>
+        <p:spPr>
+          <a:xfrm flipH="1">
+            <a:off x="1793496" y="3235003"/>
+            <a:ext cx="7323" cy="633033"/>
+          </a:xfrm>
+          <a:prstGeom prst="straightConnector1">
+            <a:avLst/>
+          </a:prstGeom>
+          <a:ln w="50800">
+            <a:headEnd type="none"/>
+            <a:tailEnd type="triangle"/>
+          </a:ln>
+        </p:spPr>
+        <p:style>
+          <a:lnRef idx="1">
+            <a:schemeClr val="accent1"/>
+          </a:lnRef>
+          <a:fillRef idx="0">
+            <a:schemeClr val="accent1"/>
+          </a:fillRef>
+          <a:effectRef idx="0">
+            <a:schemeClr val="accent1"/>
+          </a:effectRef>
+          <a:fontRef idx="minor">
+            <a:schemeClr val="tx1"/>
+          </a:fontRef>
+        </p:style>
+      </p:cxnSp>
+      <p:cxnSp>
+        <p:nvCxnSpPr>
+          <p:cNvPr id="71" name="Straight Arrow Connector 70">
+            <a:extLst>
+              <a:ext uri="{FF2B5EF4-FFF2-40B4-BE49-F238E27FC236}">
+                <a16:creationId xmlns:a16="http://schemas.microsoft.com/office/drawing/2014/main" id="{BD340B0D-E7B5-46BC-B3A8-95D3073B132F}"/>
+              </a:ext>
+            </a:extLst>
+          </p:cNvPr>
+          <p:cNvCxnSpPr>
+            <a:cxnSpLocks/>
+          </p:cNvCxnSpPr>
+          <p:nvPr/>
+        </p:nvCxnSpPr>
+        <p:spPr>
+          <a:xfrm>
+            <a:off x="1785458" y="4345614"/>
+            <a:ext cx="0" cy="263615"/>
+          </a:xfrm>
+          <a:prstGeom prst="straightConnector1">
+            <a:avLst/>
+          </a:prstGeom>
+          <a:ln w="22225">
+            <a:solidFill>
+              <a:schemeClr val="accent2"/>
+            </a:solidFill>
+            <a:prstDash val="sysDot"/>
+            <a:tailEnd type="triangle"/>
+          </a:ln>
+        </p:spPr>
+        <p:style>
+          <a:lnRef idx="1">
+            <a:schemeClr val="accent1"/>
+          </a:lnRef>
+          <a:fillRef idx="0">
+            <a:schemeClr val="accent1"/>
+          </a:fillRef>
+          <a:effectRef idx="0">
+            <a:schemeClr val="accent1"/>
+          </a:effectRef>
+          <a:fontRef idx="minor">
+            <a:schemeClr val="tx1"/>
+          </a:fontRef>
+        </p:style>
+      </p:cxnSp>
+      <p:sp>
+        <p:nvSpPr>
+          <p:cNvPr id="75" name="Rectangle 74">
+            <a:extLst>
+              <a:ext uri="{FF2B5EF4-FFF2-40B4-BE49-F238E27FC236}">
+                <a16:creationId xmlns:a16="http://schemas.microsoft.com/office/drawing/2014/main" id="{5EF04E08-C360-435A-B2B9-C5CADE257E76}"/>
+              </a:ext>
+            </a:extLst>
+          </p:cNvPr>
+          <p:cNvSpPr/>
+          <p:nvPr/>
+        </p:nvSpPr>
+        <p:spPr>
+          <a:xfrm>
+            <a:off x="2712669" y="3865838"/>
+            <a:ext cx="723900" cy="458724"/>
+          </a:xfrm>
+          <a:prstGeom prst="rect">
+            <a:avLst/>
+          </a:prstGeom>
+          <a:solidFill>
+            <a:schemeClr val="tx2">
+              <a:lumMod val="20000"/>
+              <a:lumOff val="80000"/>
+            </a:schemeClr>
+          </a:solidFill>
+        </p:spPr>
+        <p:style>
+          <a:lnRef idx="2">
+            <a:schemeClr val="accent1">
+              <a:shade val="50000"/>
+            </a:schemeClr>
+          </a:lnRef>
+          <a:fillRef idx="1">
+            <a:schemeClr val="accent1"/>
+          </a:fillRef>
+          <a:effectRef idx="0">
+            <a:schemeClr val="accent1"/>
+          </a:effectRef>
+          <a:fontRef idx="minor">
+            <a:schemeClr val="lt1"/>
+          </a:fontRef>
+        </p:style>
+        <p:txBody>
+          <a:bodyPr rtlCol="0" anchor="ctr"/>
+          <a:lstStyle/>
+          <a:p>
+            <a:pPr algn="ctr"/>
+            <a:r>
+              <a:rPr lang="en-GB" sz="800" dirty="0">
+                <a:solidFill>
+                  <a:schemeClr val="tx1"/>
+                </a:solidFill>
+              </a:rPr>
+              <a:t>ROM</a:t>
+            </a:r>
+          </a:p>
+        </p:txBody>
+      </p:sp>
+      <p:sp>
+        <p:nvSpPr>
+          <p:cNvPr id="82" name="TextBox 81">
+            <a:extLst>
+              <a:ext uri="{FF2B5EF4-FFF2-40B4-BE49-F238E27FC236}">
+                <a16:creationId xmlns:a16="http://schemas.microsoft.com/office/drawing/2014/main" id="{D14EF5F7-12C8-404D-9507-2A412D7A7428}"/>
+              </a:ext>
+            </a:extLst>
+          </p:cNvPr>
+          <p:cNvSpPr txBox="1"/>
+          <p:nvPr/>
+        </p:nvSpPr>
+        <p:spPr>
+          <a:xfrm>
+            <a:off x="1681101" y="2730428"/>
+            <a:ext cx="245654" cy="215444"/>
+          </a:xfrm>
+          <a:prstGeom prst="rect">
+            <a:avLst/>
+          </a:prstGeom>
+          <a:noFill/>
+        </p:spPr>
+        <p:txBody>
+          <a:bodyPr wrap="square" rtlCol="0">
+            <a:spAutoFit/>
+          </a:bodyPr>
+          <a:lstStyle/>
+          <a:p>
+            <a:r>
+              <a:rPr lang="en-GB" sz="800" dirty="0"/>
+              <a:t>D</a:t>
+            </a:r>
+          </a:p>
+        </p:txBody>
+      </p:sp>
+      <p:sp>
+        <p:nvSpPr>
+          <p:cNvPr id="84" name="TextBox 83">
+            <a:extLst>
+              <a:ext uri="{FF2B5EF4-FFF2-40B4-BE49-F238E27FC236}">
+                <a16:creationId xmlns:a16="http://schemas.microsoft.com/office/drawing/2014/main" id="{57DEB930-0BF2-4857-973A-B8C6478F0622}"/>
+              </a:ext>
+            </a:extLst>
+          </p:cNvPr>
+          <p:cNvSpPr txBox="1"/>
+          <p:nvPr/>
+        </p:nvSpPr>
+        <p:spPr>
+          <a:xfrm>
+            <a:off x="2933558" y="3831307"/>
+            <a:ext cx="245654" cy="215444"/>
+          </a:xfrm>
+          <a:prstGeom prst="rect">
+            <a:avLst/>
+          </a:prstGeom>
+          <a:noFill/>
+        </p:spPr>
+        <p:txBody>
+          <a:bodyPr wrap="square" rtlCol="0">
+            <a:spAutoFit/>
+          </a:bodyPr>
+          <a:lstStyle/>
+          <a:p>
+            <a:r>
+              <a:rPr lang="en-GB" sz="800" dirty="0"/>
+              <a:t>A</a:t>
+            </a:r>
+          </a:p>
+        </p:txBody>
+      </p:sp>
+      <p:sp>
+        <p:nvSpPr>
+          <p:cNvPr id="85" name="TextBox 84">
+            <a:extLst>
+              <a:ext uri="{FF2B5EF4-FFF2-40B4-BE49-F238E27FC236}">
+                <a16:creationId xmlns:a16="http://schemas.microsoft.com/office/drawing/2014/main" id="{90670AFF-194F-465B-9832-A91D99F30676}"/>
+              </a:ext>
+            </a:extLst>
+          </p:cNvPr>
+          <p:cNvSpPr txBox="1"/>
+          <p:nvPr/>
+        </p:nvSpPr>
+        <p:spPr>
+          <a:xfrm>
+            <a:off x="2933558" y="4147636"/>
+            <a:ext cx="245654" cy="215444"/>
+          </a:xfrm>
+          <a:prstGeom prst="rect">
+            <a:avLst/>
+          </a:prstGeom>
+          <a:noFill/>
+        </p:spPr>
+        <p:txBody>
+          <a:bodyPr wrap="square" rtlCol="0">
+            <a:spAutoFit/>
+          </a:bodyPr>
+          <a:lstStyle/>
+          <a:p>
+            <a:r>
+              <a:rPr lang="en-GB" sz="800" dirty="0"/>
+              <a:t>D</a:t>
+            </a:r>
+          </a:p>
+        </p:txBody>
+      </p:sp>
+      <p:cxnSp>
+        <p:nvCxnSpPr>
+          <p:cNvPr id="86" name="Straight Arrow Connector 85">
+            <a:extLst>
+              <a:ext uri="{FF2B5EF4-FFF2-40B4-BE49-F238E27FC236}">
+                <a16:creationId xmlns:a16="http://schemas.microsoft.com/office/drawing/2014/main" id="{6FB1AEA8-037D-4BD9-AEFA-4D7350318EDC}"/>
+              </a:ext>
+            </a:extLst>
+          </p:cNvPr>
+          <p:cNvCxnSpPr>
+            <a:cxnSpLocks/>
+          </p:cNvCxnSpPr>
+          <p:nvPr/>
+        </p:nvCxnSpPr>
+        <p:spPr>
+          <a:xfrm>
+            <a:off x="3052482" y="4329564"/>
+            <a:ext cx="0" cy="273903"/>
+          </a:xfrm>
+          <a:prstGeom prst="straightConnector1">
+            <a:avLst/>
+          </a:prstGeom>
+          <a:ln w="22225">
+            <a:solidFill>
+              <a:schemeClr val="accent2"/>
+            </a:solidFill>
+            <a:prstDash val="sysDot"/>
+            <a:tailEnd type="triangle"/>
+          </a:ln>
+        </p:spPr>
+        <p:style>
+          <a:lnRef idx="1">
+            <a:schemeClr val="accent1"/>
+          </a:lnRef>
+          <a:fillRef idx="0">
+            <a:schemeClr val="accent1"/>
+          </a:fillRef>
+          <a:effectRef idx="0">
+            <a:schemeClr val="accent1"/>
+          </a:effectRef>
+          <a:fontRef idx="minor">
+            <a:schemeClr val="tx1"/>
+          </a:fontRef>
+        </p:style>
+      </p:cxnSp>
+      <p:sp>
+        <p:nvSpPr>
+          <p:cNvPr id="88" name="TextBox 87">
+            <a:extLst>
+              <a:ext uri="{FF2B5EF4-FFF2-40B4-BE49-F238E27FC236}">
+                <a16:creationId xmlns:a16="http://schemas.microsoft.com/office/drawing/2014/main" id="{903798EE-EB42-4E50-AE9E-68421E79530F}"/>
+              </a:ext>
+            </a:extLst>
+          </p:cNvPr>
+          <p:cNvSpPr txBox="1"/>
+          <p:nvPr/>
+        </p:nvSpPr>
+        <p:spPr>
+          <a:xfrm>
+            <a:off x="2220394" y="3905736"/>
+            <a:ext cx="583778" cy="215444"/>
+          </a:xfrm>
+          <a:prstGeom prst="rect">
+            <a:avLst/>
+          </a:prstGeom>
+          <a:noFill/>
+        </p:spPr>
+        <p:txBody>
+          <a:bodyPr wrap="square" rtlCol="0">
+            <a:spAutoFit/>
+          </a:bodyPr>
+          <a:lstStyle/>
+          <a:p>
+            <a:r>
+              <a:rPr lang="en-GB" sz="800" dirty="0"/>
+              <a:t>ROM out</a:t>
+            </a:r>
+          </a:p>
+        </p:txBody>
+      </p:sp>
+      <p:cxnSp>
+        <p:nvCxnSpPr>
+          <p:cNvPr id="90" name="Straight Arrow Connector 89">
+            <a:extLst>
+              <a:ext uri="{FF2B5EF4-FFF2-40B4-BE49-F238E27FC236}">
+                <a16:creationId xmlns:a16="http://schemas.microsoft.com/office/drawing/2014/main" id="{FE62538C-7A12-49F8-9321-ED51DFE68F92}"/>
+              </a:ext>
+            </a:extLst>
+          </p:cNvPr>
+          <p:cNvCxnSpPr>
+            <a:cxnSpLocks/>
+          </p:cNvCxnSpPr>
+          <p:nvPr/>
+        </p:nvCxnSpPr>
+        <p:spPr>
+          <a:xfrm>
+            <a:off x="2441893" y="4130835"/>
+            <a:ext cx="252539" cy="5333"/>
+          </a:xfrm>
+          <a:prstGeom prst="straightConnector1">
+            <a:avLst/>
+          </a:prstGeom>
+          <a:ln w="25400">
+            <a:solidFill>
+              <a:schemeClr val="accent4"/>
+            </a:solidFill>
+            <a:tailEnd type="triangle"/>
+          </a:ln>
+        </p:spPr>
+        <p:style>
+          <a:lnRef idx="1">
+            <a:schemeClr val="accent1"/>
+          </a:lnRef>
+          <a:fillRef idx="0">
+            <a:schemeClr val="accent1"/>
+          </a:fillRef>
+          <a:effectRef idx="0">
+            <a:schemeClr val="accent1"/>
+          </a:effectRef>
+          <a:fontRef idx="minor">
+            <a:schemeClr val="tx1"/>
+          </a:fontRef>
+        </p:style>
+      </p:cxnSp>
+      <p:sp>
+        <p:nvSpPr>
+          <p:cNvPr id="91" name="Rectangle 90">
+            <a:extLst>
+              <a:ext uri="{FF2B5EF4-FFF2-40B4-BE49-F238E27FC236}">
+                <a16:creationId xmlns:a16="http://schemas.microsoft.com/office/drawing/2014/main" id="{87C1951F-3F1C-4F14-8F34-B59E4C1EFB9E}"/>
+              </a:ext>
+            </a:extLst>
+          </p:cNvPr>
+          <p:cNvSpPr/>
+          <p:nvPr/>
+        </p:nvSpPr>
+        <p:spPr>
+          <a:xfrm>
+            <a:off x="1800837" y="1368871"/>
+            <a:ext cx="514602" cy="458724"/>
+          </a:xfrm>
+          <a:prstGeom prst="rect">
+            <a:avLst/>
+          </a:prstGeom>
+          <a:solidFill>
+            <a:schemeClr val="tx2">
+              <a:lumMod val="20000"/>
+              <a:lumOff val="80000"/>
+            </a:schemeClr>
+          </a:solidFill>
+        </p:spPr>
+        <p:style>
+          <a:lnRef idx="2">
+            <a:schemeClr val="accent1">
+              <a:shade val="50000"/>
+            </a:schemeClr>
+          </a:lnRef>
+          <a:fillRef idx="1">
+            <a:schemeClr val="accent1"/>
+          </a:fillRef>
+          <a:effectRef idx="0">
+            <a:schemeClr val="accent1"/>
+          </a:effectRef>
+          <a:fontRef idx="minor">
+            <a:schemeClr val="lt1"/>
+          </a:fontRef>
+        </p:style>
+        <p:txBody>
+          <a:bodyPr rtlCol="0" anchor="ctr"/>
+          <a:lstStyle/>
+          <a:p>
+            <a:pPr algn="ctr"/>
+            <a:r>
+              <a:rPr lang="en-GB" sz="800" dirty="0">
+                <a:solidFill>
+                  <a:schemeClr val="tx1"/>
+                </a:solidFill>
+              </a:rPr>
+              <a:t>ADD1</a:t>
+            </a:r>
+          </a:p>
+        </p:txBody>
+      </p:sp>
+      <p:sp>
+        <p:nvSpPr>
+          <p:cNvPr id="100" name="TextBox 99">
+            <a:extLst>
+              <a:ext uri="{FF2B5EF4-FFF2-40B4-BE49-F238E27FC236}">
+                <a16:creationId xmlns:a16="http://schemas.microsoft.com/office/drawing/2014/main" id="{7971107F-4131-467D-8F5D-E6A5092C97BF}"/>
+              </a:ext>
+            </a:extLst>
+          </p:cNvPr>
+          <p:cNvSpPr txBox="1"/>
+          <p:nvPr/>
+        </p:nvSpPr>
+        <p:spPr>
+          <a:xfrm>
+            <a:off x="1914149" y="1348089"/>
+            <a:ext cx="245654" cy="215444"/>
+          </a:xfrm>
+          <a:prstGeom prst="rect">
+            <a:avLst/>
+          </a:prstGeom>
+          <a:noFill/>
+        </p:spPr>
+        <p:txBody>
+          <a:bodyPr wrap="square" rtlCol="0">
+            <a:spAutoFit/>
+          </a:bodyPr>
+          <a:lstStyle/>
+          <a:p>
+            <a:r>
+              <a:rPr lang="en-GB" sz="800" dirty="0"/>
+              <a:t>D</a:t>
+            </a:r>
+          </a:p>
+        </p:txBody>
+      </p:sp>
+      <p:sp>
+        <p:nvSpPr>
+          <p:cNvPr id="101" name="TextBox 100">
+            <a:extLst>
+              <a:ext uri="{FF2B5EF4-FFF2-40B4-BE49-F238E27FC236}">
+                <a16:creationId xmlns:a16="http://schemas.microsoft.com/office/drawing/2014/main" id="{A58B1A14-C9BA-4DC7-852B-149D7913D731}"/>
+              </a:ext>
+            </a:extLst>
+          </p:cNvPr>
+          <p:cNvSpPr txBox="1"/>
+          <p:nvPr/>
+        </p:nvSpPr>
+        <p:spPr>
+          <a:xfrm>
+            <a:off x="1875784" y="1636314"/>
+            <a:ext cx="351137" cy="215444"/>
+          </a:xfrm>
+          <a:prstGeom prst="rect">
+            <a:avLst/>
+          </a:prstGeom>
+          <a:noFill/>
+        </p:spPr>
+        <p:txBody>
+          <a:bodyPr wrap="square" rtlCol="0">
+            <a:spAutoFit/>
+          </a:bodyPr>
+          <a:lstStyle/>
+          <a:p>
+            <a:r>
+              <a:rPr lang="en-GB" sz="800" dirty="0"/>
+              <a:t>D+1</a:t>
+            </a:r>
+          </a:p>
+        </p:txBody>
+      </p:sp>
+      <p:cxnSp>
+        <p:nvCxnSpPr>
+          <p:cNvPr id="102" name="Straight Arrow Connector 101">
+            <a:extLst>
+              <a:ext uri="{FF2B5EF4-FFF2-40B4-BE49-F238E27FC236}">
+                <a16:creationId xmlns:a16="http://schemas.microsoft.com/office/drawing/2014/main" id="{FF73DDB6-C1E4-43EC-9226-749484616285}"/>
+              </a:ext>
+            </a:extLst>
+          </p:cNvPr>
+          <p:cNvCxnSpPr>
+            <a:cxnSpLocks/>
+            <a:stCxn id="101" idx="2"/>
+          </p:cNvCxnSpPr>
+          <p:nvPr/>
+        </p:nvCxnSpPr>
+        <p:spPr>
+          <a:xfrm>
+            <a:off x="2051353" y="1851758"/>
+            <a:ext cx="6785" cy="116070"/>
+          </a:xfrm>
+          <a:prstGeom prst="straightConnector1">
+            <a:avLst/>
+          </a:prstGeom>
+          <a:ln>
+            <a:headEnd type="none"/>
+            <a:tailEnd type="triangle"/>
+          </a:ln>
+        </p:spPr>
+        <p:style>
+          <a:lnRef idx="1">
+            <a:schemeClr val="accent1"/>
+          </a:lnRef>
+          <a:fillRef idx="0">
+            <a:schemeClr val="accent1"/>
+          </a:fillRef>
+          <a:effectRef idx="0">
+            <a:schemeClr val="accent1"/>
+          </a:effectRef>
+          <a:fontRef idx="minor">
+            <a:schemeClr val="tx1"/>
+          </a:fontRef>
+        </p:style>
+      </p:cxnSp>
+      <p:cxnSp>
+        <p:nvCxnSpPr>
+          <p:cNvPr id="110" name="Straight Arrow Connector 109">
+            <a:extLst>
+              <a:ext uri="{FF2B5EF4-FFF2-40B4-BE49-F238E27FC236}">
+                <a16:creationId xmlns:a16="http://schemas.microsoft.com/office/drawing/2014/main" id="{521FB53C-4C8D-4961-B5E0-14B7E623FD65}"/>
+              </a:ext>
+            </a:extLst>
+          </p:cNvPr>
+          <p:cNvCxnSpPr>
+            <a:cxnSpLocks/>
+            <a:stCxn id="32" idx="2"/>
+            <a:endCxn id="56" idx="0"/>
+          </p:cNvCxnSpPr>
+          <p:nvPr/>
+        </p:nvCxnSpPr>
+        <p:spPr>
+          <a:xfrm>
+            <a:off x="1798306" y="2429498"/>
+            <a:ext cx="2531" cy="340674"/>
+          </a:xfrm>
+          <a:prstGeom prst="straightConnector1">
+            <a:avLst/>
+          </a:prstGeom>
+          <a:ln w="50800">
+            <a:headEnd type="none"/>
+            <a:tailEnd type="triangle"/>
+          </a:ln>
+        </p:spPr>
+        <p:style>
+          <a:lnRef idx="1">
+            <a:schemeClr val="accent1"/>
+          </a:lnRef>
+          <a:fillRef idx="0">
+            <a:schemeClr val="accent1"/>
+          </a:fillRef>
+          <a:effectRef idx="0">
+            <a:schemeClr val="accent1"/>
+          </a:effectRef>
+          <a:fontRef idx="minor">
+            <a:schemeClr val="tx1"/>
+          </a:fontRef>
+        </p:style>
+      </p:cxnSp>
+      <p:sp>
+        <p:nvSpPr>
+          <p:cNvPr id="117" name="TextBox 116">
+            <a:extLst>
+              <a:ext uri="{FF2B5EF4-FFF2-40B4-BE49-F238E27FC236}">
+                <a16:creationId xmlns:a16="http://schemas.microsoft.com/office/drawing/2014/main" id="{9B3AB29F-BF43-428B-B871-6171DB670BD9}"/>
+              </a:ext>
+            </a:extLst>
+          </p:cNvPr>
+          <p:cNvSpPr txBox="1"/>
+          <p:nvPr/>
+        </p:nvSpPr>
+        <p:spPr>
+          <a:xfrm>
+            <a:off x="1022293" y="1938193"/>
+            <a:ext cx="428641" cy="215444"/>
+          </a:xfrm>
+          <a:prstGeom prst="rect">
+            <a:avLst/>
+          </a:prstGeom>
+          <a:noFill/>
+        </p:spPr>
+        <p:txBody>
+          <a:bodyPr wrap="square" rtlCol="0">
+            <a:spAutoFit/>
+          </a:bodyPr>
+          <a:lstStyle/>
+          <a:p>
+            <a:r>
+              <a:rPr lang="en-GB" sz="800" dirty="0"/>
+              <a:t>PC in</a:t>
+            </a:r>
+          </a:p>
+        </p:txBody>
+      </p:sp>
+      <p:sp>
+        <p:nvSpPr>
+          <p:cNvPr id="119" name="Isosceles Triangle 118">
+            <a:extLst>
+              <a:ext uri="{FF2B5EF4-FFF2-40B4-BE49-F238E27FC236}">
+                <a16:creationId xmlns:a16="http://schemas.microsoft.com/office/drawing/2014/main" id="{DC6C3861-E853-4AAF-AA9A-E5442E8ADC7D}"/>
+              </a:ext>
+            </a:extLst>
+          </p:cNvPr>
+          <p:cNvSpPr/>
+          <p:nvPr/>
+        </p:nvSpPr>
+        <p:spPr>
+          <a:xfrm rot="5400000">
+            <a:off x="1515209" y="2962520"/>
+            <a:ext cx="119168" cy="68840"/>
+          </a:xfrm>
+          <a:prstGeom prst="triangle">
+            <a:avLst/>
+          </a:prstGeom>
+          <a:solidFill>
+            <a:schemeClr val="accent1">
+              <a:lumMod val="20000"/>
+              <a:lumOff val="80000"/>
+            </a:schemeClr>
+          </a:solidFill>
+        </p:spPr>
+        <p:style>
+          <a:lnRef idx="2">
+            <a:schemeClr val="accent1">
+              <a:shade val="50000"/>
+            </a:schemeClr>
+          </a:lnRef>
+          <a:fillRef idx="1">
+            <a:schemeClr val="accent1"/>
+          </a:fillRef>
+          <a:effectRef idx="0">
+            <a:schemeClr val="accent1"/>
+          </a:effectRef>
+          <a:fontRef idx="minor">
+            <a:schemeClr val="lt1"/>
+          </a:fontRef>
+        </p:style>
+        <p:txBody>
+          <a:bodyPr rtlCol="0" anchor="ctr"/>
+          <a:lstStyle/>
+          <a:p>
+            <a:pPr algn="ctr"/>
+            <a:endParaRPr lang="en-GB"/>
+          </a:p>
+        </p:txBody>
+      </p:sp>
+      <p:sp>
+        <p:nvSpPr>
+          <p:cNvPr id="11" name="Rectangle 10">
+            <a:extLst>
+              <a:ext uri="{FF2B5EF4-FFF2-40B4-BE49-F238E27FC236}">
+                <a16:creationId xmlns:a16="http://schemas.microsoft.com/office/drawing/2014/main" id="{03AA4090-054A-4202-BDCB-01C157ACF446}"/>
+              </a:ext>
+            </a:extLst>
+          </p:cNvPr>
+          <p:cNvSpPr/>
+          <p:nvPr/>
+        </p:nvSpPr>
+        <p:spPr>
+          <a:xfrm>
+            <a:off x="5920531" y="1811678"/>
+            <a:ext cx="328864" cy="458724"/>
+          </a:xfrm>
+          <a:prstGeom prst="rect">
+            <a:avLst/>
+          </a:prstGeom>
+          <a:solidFill>
+            <a:schemeClr val="tx2">
+              <a:lumMod val="20000"/>
+              <a:lumOff val="80000"/>
+            </a:schemeClr>
+          </a:solidFill>
+        </p:spPr>
+        <p:style>
+          <a:lnRef idx="2">
+            <a:schemeClr val="accent1">
+              <a:shade val="50000"/>
+            </a:schemeClr>
+          </a:lnRef>
+          <a:fillRef idx="1">
+            <a:schemeClr val="accent1"/>
+          </a:fillRef>
+          <a:effectRef idx="0">
+            <a:schemeClr val="accent1"/>
+          </a:effectRef>
+          <a:fontRef idx="minor">
+            <a:schemeClr val="lt1"/>
+          </a:fontRef>
+        </p:style>
+        <p:txBody>
+          <a:bodyPr rtlCol="0" anchor="ctr"/>
+          <a:lstStyle/>
+          <a:p>
+            <a:pPr algn="ctr"/>
+            <a:r>
+              <a:rPr lang="en-GB" sz="800" dirty="0">
+                <a:solidFill>
+                  <a:schemeClr val="tx1"/>
+                </a:solidFill>
+              </a:rPr>
+              <a:t>A</a:t>
+            </a:r>
+          </a:p>
+        </p:txBody>
+      </p:sp>
+      <p:sp>
+        <p:nvSpPr>
+          <p:cNvPr id="120" name="Isosceles Triangle 119">
+            <a:extLst>
+              <a:ext uri="{FF2B5EF4-FFF2-40B4-BE49-F238E27FC236}">
+                <a16:creationId xmlns:a16="http://schemas.microsoft.com/office/drawing/2014/main" id="{A968CB04-47FE-473A-B0CA-1B667C37BD41}"/>
+              </a:ext>
+            </a:extLst>
+          </p:cNvPr>
+          <p:cNvSpPr/>
+          <p:nvPr/>
+        </p:nvSpPr>
+        <p:spPr>
+          <a:xfrm rot="5400000">
+            <a:off x="5901618" y="2143201"/>
+            <a:ext cx="119168" cy="68840"/>
+          </a:xfrm>
+          <a:prstGeom prst="triangle">
+            <a:avLst/>
+          </a:prstGeom>
+          <a:solidFill>
+            <a:schemeClr val="accent1">
+              <a:lumMod val="20000"/>
+              <a:lumOff val="80000"/>
+            </a:schemeClr>
+          </a:solidFill>
+        </p:spPr>
+        <p:style>
+          <a:lnRef idx="2">
+            <a:schemeClr val="accent1">
+              <a:shade val="50000"/>
+            </a:schemeClr>
+          </a:lnRef>
+          <a:fillRef idx="1">
+            <a:schemeClr val="accent1"/>
+          </a:fillRef>
+          <a:effectRef idx="0">
+            <a:schemeClr val="accent1"/>
+          </a:effectRef>
+          <a:fontRef idx="minor">
+            <a:schemeClr val="lt1"/>
+          </a:fontRef>
+        </p:style>
+        <p:txBody>
+          <a:bodyPr rtlCol="0" anchor="ctr"/>
+          <a:lstStyle/>
+          <a:p>
+            <a:pPr algn="ctr"/>
+            <a:endParaRPr lang="en-GB"/>
+          </a:p>
+        </p:txBody>
+      </p:sp>
+      <p:grpSp>
+        <p:nvGrpSpPr>
+          <p:cNvPr id="4" name="Group 3">
+            <a:extLst>
+              <a:ext uri="{FF2B5EF4-FFF2-40B4-BE49-F238E27FC236}">
+                <a16:creationId xmlns:a16="http://schemas.microsoft.com/office/drawing/2014/main" id="{43DCC0E6-4BE1-4C9A-9FA1-4F11DDDC2955}"/>
+              </a:ext>
+            </a:extLst>
+          </p:cNvPr>
+          <p:cNvGrpSpPr/>
+          <p:nvPr/>
+        </p:nvGrpSpPr>
+        <p:grpSpPr>
+          <a:xfrm>
+            <a:off x="6315567" y="1811678"/>
+            <a:ext cx="329757" cy="458724"/>
+            <a:chOff x="6315567" y="1811678"/>
+            <a:chExt cx="329757" cy="458724"/>
+          </a:xfrm>
+        </p:grpSpPr>
+        <p:sp>
+          <p:nvSpPr>
+            <p:cNvPr id="12" name="Rectangle 11">
+              <a:extLst>
+                <a:ext uri="{FF2B5EF4-FFF2-40B4-BE49-F238E27FC236}">
+                  <a16:creationId xmlns:a16="http://schemas.microsoft.com/office/drawing/2014/main" id="{7D9DAFC4-C66B-4E5E-8B0B-F838210BA4E6}"/>
+                </a:ext>
+              </a:extLst>
+            </p:cNvPr>
+            <p:cNvSpPr/>
+            <p:nvPr/>
+          </p:nvSpPr>
+          <p:spPr>
+            <a:xfrm>
+              <a:off x="6315567" y="1811678"/>
+              <a:ext cx="328864" cy="458724"/>
+            </a:xfrm>
+            <a:prstGeom prst="rect">
+              <a:avLst/>
+            </a:prstGeom>
+            <a:solidFill>
+              <a:schemeClr val="tx2">
+                <a:lumMod val="20000"/>
+                <a:lumOff val="80000"/>
+              </a:schemeClr>
+            </a:solidFill>
+          </p:spPr>
+          <p:style>
+            <a:lnRef idx="2">
+              <a:schemeClr val="accent1">
+                <a:shade val="50000"/>
+              </a:schemeClr>
+            </a:lnRef>
+            <a:fillRef idx="1">
+              <a:schemeClr val="accent1"/>
+            </a:fillRef>
+            <a:effectRef idx="0">
+              <a:schemeClr val="accent1"/>
+            </a:effectRef>
+            <a:fontRef idx="minor">
+              <a:schemeClr val="lt1"/>
+            </a:fontRef>
+          </p:style>
+          <p:txBody>
+            <a:bodyPr rtlCol="0" anchor="ctr"/>
+            <a:lstStyle/>
+            <a:p>
+              <a:pPr algn="ctr"/>
+              <a:r>
+                <a:rPr lang="en-GB" sz="800" dirty="0">
+                  <a:solidFill>
+                    <a:schemeClr val="tx1"/>
+                  </a:solidFill>
+                </a:rPr>
+                <a:t>B</a:t>
+              </a:r>
+            </a:p>
+          </p:txBody>
+        </p:sp>
+        <p:sp>
+          <p:nvSpPr>
+            <p:cNvPr id="122" name="Isosceles Triangle 121">
+              <a:extLst>
+                <a:ext uri="{FF2B5EF4-FFF2-40B4-BE49-F238E27FC236}">
+                  <a16:creationId xmlns:a16="http://schemas.microsoft.com/office/drawing/2014/main" id="{92E27635-B9FB-444A-AC50-A065BB29CD9F}"/>
+                </a:ext>
+              </a:extLst>
+            </p:cNvPr>
+            <p:cNvSpPr/>
+            <p:nvPr/>
+          </p:nvSpPr>
+          <p:spPr>
+            <a:xfrm rot="16200000">
+              <a:off x="6551320" y="2143202"/>
+              <a:ext cx="119168" cy="68840"/>
+            </a:xfrm>
+            <a:prstGeom prst="triangle">
+              <a:avLst/>
+            </a:prstGeom>
+            <a:solidFill>
+              <a:schemeClr val="accent1">
+                <a:lumMod val="20000"/>
+                <a:lumOff val="80000"/>
+              </a:schemeClr>
+            </a:solidFill>
+          </p:spPr>
+          <p:style>
+            <a:lnRef idx="2">
+              <a:schemeClr val="accent1">
+                <a:shade val="50000"/>
+              </a:schemeClr>
+            </a:lnRef>
+            <a:fillRef idx="1">
+              <a:schemeClr val="accent1"/>
+            </a:fillRef>
+            <a:effectRef idx="0">
+              <a:schemeClr val="accent1"/>
+            </a:effectRef>
+            <a:fontRef idx="minor">
+              <a:schemeClr val="lt1"/>
+            </a:fontRef>
+          </p:style>
+          <p:txBody>
+            <a:bodyPr rtlCol="0" anchor="ctr"/>
+            <a:lstStyle/>
+            <a:p>
+              <a:pPr algn="ctr"/>
+              <a:endParaRPr lang="en-GB"/>
+            </a:p>
+          </p:txBody>
+        </p:sp>
+      </p:grpSp>
+      <p:sp>
+        <p:nvSpPr>
+          <p:cNvPr id="123" name="Rectangle 122">
+            <a:extLst>
+              <a:ext uri="{FF2B5EF4-FFF2-40B4-BE49-F238E27FC236}">
+                <a16:creationId xmlns:a16="http://schemas.microsoft.com/office/drawing/2014/main" id="{0ECF25C8-AFFF-47F7-9F12-61DA94E51FF1}"/>
+              </a:ext>
+            </a:extLst>
+          </p:cNvPr>
+          <p:cNvSpPr/>
+          <p:nvPr/>
+        </p:nvSpPr>
+        <p:spPr>
+          <a:xfrm>
+            <a:off x="7428043" y="3914287"/>
+            <a:ext cx="723900" cy="458724"/>
+          </a:xfrm>
+          <a:prstGeom prst="rect">
+            <a:avLst/>
+          </a:prstGeom>
+          <a:solidFill>
+            <a:schemeClr val="tx2">
+              <a:lumMod val="20000"/>
+              <a:lumOff val="80000"/>
+            </a:schemeClr>
+          </a:solidFill>
+        </p:spPr>
+        <p:style>
+          <a:lnRef idx="2">
+            <a:schemeClr val="accent1">
+              <a:shade val="50000"/>
+            </a:schemeClr>
+          </a:lnRef>
+          <a:fillRef idx="1">
+            <a:schemeClr val="accent1"/>
+          </a:fillRef>
+          <a:effectRef idx="0">
+            <a:schemeClr val="accent1"/>
+          </a:effectRef>
+          <a:fontRef idx="minor">
+            <a:schemeClr val="lt1"/>
+          </a:fontRef>
+        </p:style>
+        <p:txBody>
+          <a:bodyPr rtlCol="0" anchor="ctr"/>
+          <a:lstStyle/>
+          <a:p>
+            <a:pPr algn="ctr"/>
+            <a:r>
+              <a:rPr lang="en-GB" sz="800" dirty="0">
+                <a:solidFill>
+                  <a:schemeClr val="tx1"/>
+                </a:solidFill>
+              </a:rPr>
+              <a:t>RAM</a:t>
+            </a:r>
+          </a:p>
+        </p:txBody>
+      </p:sp>
+      <p:sp>
+        <p:nvSpPr>
+          <p:cNvPr id="124" name="TextBox 123">
+            <a:extLst>
+              <a:ext uri="{FF2B5EF4-FFF2-40B4-BE49-F238E27FC236}">
+                <a16:creationId xmlns:a16="http://schemas.microsoft.com/office/drawing/2014/main" id="{0822546E-77A3-4A7B-9ED6-A888AF36AC20}"/>
+              </a:ext>
+            </a:extLst>
+          </p:cNvPr>
+          <p:cNvSpPr txBox="1"/>
+          <p:nvPr/>
+        </p:nvSpPr>
+        <p:spPr>
+          <a:xfrm>
+            <a:off x="7648932" y="3879756"/>
+            <a:ext cx="245654" cy="215444"/>
+          </a:xfrm>
+          <a:prstGeom prst="rect">
+            <a:avLst/>
+          </a:prstGeom>
+          <a:noFill/>
+        </p:spPr>
+        <p:txBody>
+          <a:bodyPr wrap="square" rtlCol="0">
+            <a:spAutoFit/>
+          </a:bodyPr>
+          <a:lstStyle/>
+          <a:p>
+            <a:r>
+              <a:rPr lang="en-GB" sz="800" dirty="0"/>
+              <a:t>A</a:t>
+            </a:r>
+          </a:p>
+        </p:txBody>
+      </p:sp>
+      <p:sp>
+        <p:nvSpPr>
+          <p:cNvPr id="125" name="TextBox 124">
+            <a:extLst>
+              <a:ext uri="{FF2B5EF4-FFF2-40B4-BE49-F238E27FC236}">
+                <a16:creationId xmlns:a16="http://schemas.microsoft.com/office/drawing/2014/main" id="{7D22DA38-1A0C-40DC-891A-3F03741329B2}"/>
+              </a:ext>
+            </a:extLst>
+          </p:cNvPr>
+          <p:cNvSpPr txBox="1"/>
+          <p:nvPr/>
+        </p:nvSpPr>
+        <p:spPr>
+          <a:xfrm>
+            <a:off x="7648932" y="4196085"/>
+            <a:ext cx="245654" cy="215444"/>
+          </a:xfrm>
+          <a:prstGeom prst="rect">
+            <a:avLst/>
+          </a:prstGeom>
+          <a:noFill/>
+        </p:spPr>
+        <p:txBody>
+          <a:bodyPr wrap="square" rtlCol="0">
+            <a:spAutoFit/>
+          </a:bodyPr>
+          <a:lstStyle/>
+          <a:p>
+            <a:r>
+              <a:rPr lang="en-GB" sz="800" dirty="0"/>
+              <a:t>D</a:t>
+            </a:r>
+          </a:p>
+        </p:txBody>
+      </p:sp>
+      <p:cxnSp>
+        <p:nvCxnSpPr>
+          <p:cNvPr id="126" name="Straight Arrow Connector 125">
+            <a:extLst>
+              <a:ext uri="{FF2B5EF4-FFF2-40B4-BE49-F238E27FC236}">
+                <a16:creationId xmlns:a16="http://schemas.microsoft.com/office/drawing/2014/main" id="{149033D4-060A-4479-AA9C-DB118EAEB552}"/>
+              </a:ext>
+            </a:extLst>
+          </p:cNvPr>
+          <p:cNvCxnSpPr>
+            <a:cxnSpLocks/>
+          </p:cNvCxnSpPr>
+          <p:nvPr/>
+        </p:nvCxnSpPr>
+        <p:spPr>
+          <a:xfrm>
+            <a:off x="7627980" y="4385241"/>
+            <a:ext cx="0" cy="202943"/>
+          </a:xfrm>
+          <a:prstGeom prst="straightConnector1">
+            <a:avLst/>
+          </a:prstGeom>
+          <a:ln w="22225">
+            <a:solidFill>
+              <a:schemeClr val="accent2"/>
+            </a:solidFill>
+            <a:prstDash val="sysDot"/>
+            <a:tailEnd type="triangle"/>
+          </a:ln>
+        </p:spPr>
+        <p:style>
+          <a:lnRef idx="1">
+            <a:schemeClr val="accent1"/>
+          </a:lnRef>
+          <a:fillRef idx="0">
+            <a:schemeClr val="accent1"/>
+          </a:fillRef>
+          <a:effectRef idx="0">
+            <a:schemeClr val="accent1"/>
+          </a:effectRef>
+          <a:fontRef idx="minor">
+            <a:schemeClr val="tx1"/>
+          </a:fontRef>
+        </p:style>
+      </p:cxnSp>
+      <p:sp>
+        <p:nvSpPr>
+          <p:cNvPr id="127" name="TextBox 126">
+            <a:extLst>
+              <a:ext uri="{FF2B5EF4-FFF2-40B4-BE49-F238E27FC236}">
+                <a16:creationId xmlns:a16="http://schemas.microsoft.com/office/drawing/2014/main" id="{29E278A5-C4C9-4769-B716-509E6DE778FC}"/>
+              </a:ext>
+            </a:extLst>
+          </p:cNvPr>
+          <p:cNvSpPr txBox="1"/>
+          <p:nvPr/>
+        </p:nvSpPr>
+        <p:spPr>
+          <a:xfrm>
+            <a:off x="8147125" y="4022586"/>
+            <a:ext cx="583778" cy="215444"/>
+          </a:xfrm>
+          <a:prstGeom prst="rect">
+            <a:avLst/>
+          </a:prstGeom>
+          <a:noFill/>
+        </p:spPr>
+        <p:txBody>
+          <a:bodyPr wrap="square" rtlCol="0">
+            <a:spAutoFit/>
+          </a:bodyPr>
+          <a:lstStyle/>
+          <a:p>
+            <a:r>
+              <a:rPr lang="en-GB" sz="800" dirty="0"/>
+              <a:t>RAM out</a:t>
+            </a:r>
+          </a:p>
+        </p:txBody>
+      </p:sp>
+      <p:cxnSp>
+        <p:nvCxnSpPr>
+          <p:cNvPr id="128" name="Straight Arrow Connector 127">
+            <a:extLst>
+              <a:ext uri="{FF2B5EF4-FFF2-40B4-BE49-F238E27FC236}">
+                <a16:creationId xmlns:a16="http://schemas.microsoft.com/office/drawing/2014/main" id="{C3A0397C-058D-42D1-B97D-6D5DE8A91933}"/>
+              </a:ext>
+            </a:extLst>
+          </p:cNvPr>
+          <p:cNvCxnSpPr>
+            <a:cxnSpLocks/>
+          </p:cNvCxnSpPr>
+          <p:nvPr/>
+        </p:nvCxnSpPr>
+        <p:spPr>
+          <a:xfrm flipH="1">
+            <a:off x="8147125" y="4252689"/>
+            <a:ext cx="255726" cy="0"/>
+          </a:xfrm>
+          <a:prstGeom prst="straightConnector1">
+            <a:avLst/>
+          </a:prstGeom>
+          <a:ln w="38100">
+            <a:solidFill>
+              <a:schemeClr val="accent4"/>
+            </a:solidFill>
+            <a:tailEnd type="triangle"/>
+          </a:ln>
+        </p:spPr>
+        <p:style>
+          <a:lnRef idx="1">
+            <a:schemeClr val="accent1"/>
+          </a:lnRef>
+          <a:fillRef idx="0">
+            <a:schemeClr val="accent1"/>
+          </a:fillRef>
+          <a:effectRef idx="0">
+            <a:schemeClr val="accent1"/>
+          </a:effectRef>
+          <a:fontRef idx="minor">
+            <a:schemeClr val="tx1"/>
+          </a:fontRef>
+        </p:style>
+      </p:cxnSp>
+      <p:sp>
+        <p:nvSpPr>
+          <p:cNvPr id="129" name="TextBox 128">
+            <a:extLst>
+              <a:ext uri="{FF2B5EF4-FFF2-40B4-BE49-F238E27FC236}">
+                <a16:creationId xmlns:a16="http://schemas.microsoft.com/office/drawing/2014/main" id="{7FF4D93F-B352-4A9D-926E-1AAE1F4277F6}"/>
+              </a:ext>
+            </a:extLst>
+          </p:cNvPr>
+          <p:cNvSpPr txBox="1"/>
+          <p:nvPr/>
+        </p:nvSpPr>
+        <p:spPr>
+          <a:xfrm>
+            <a:off x="8140276" y="3753733"/>
+            <a:ext cx="583778" cy="215444"/>
+          </a:xfrm>
+          <a:prstGeom prst="rect">
+            <a:avLst/>
+          </a:prstGeom>
+          <a:noFill/>
+        </p:spPr>
+        <p:txBody>
+          <a:bodyPr wrap="square" rtlCol="0">
+            <a:spAutoFit/>
+          </a:bodyPr>
+          <a:lstStyle/>
+          <a:p>
+            <a:r>
+              <a:rPr lang="en-GB" sz="800" dirty="0"/>
+              <a:t>RAM in</a:t>
+            </a:r>
+          </a:p>
+        </p:txBody>
+      </p:sp>
+      <p:cxnSp>
+        <p:nvCxnSpPr>
+          <p:cNvPr id="130" name="Straight Arrow Connector 129">
+            <a:extLst>
+              <a:ext uri="{FF2B5EF4-FFF2-40B4-BE49-F238E27FC236}">
+                <a16:creationId xmlns:a16="http://schemas.microsoft.com/office/drawing/2014/main" id="{58D833B8-9C0A-4482-9C4A-A81C07EF0188}"/>
+              </a:ext>
+            </a:extLst>
+          </p:cNvPr>
+          <p:cNvCxnSpPr>
+            <a:cxnSpLocks/>
+          </p:cNvCxnSpPr>
+          <p:nvPr/>
+        </p:nvCxnSpPr>
+        <p:spPr>
+          <a:xfrm flipH="1">
+            <a:off x="8140276" y="3983836"/>
+            <a:ext cx="255726" cy="0"/>
+          </a:xfrm>
+          <a:prstGeom prst="straightConnector1">
+            <a:avLst/>
+          </a:prstGeom>
+          <a:ln w="38100">
+            <a:solidFill>
+              <a:schemeClr val="accent4"/>
+            </a:solidFill>
+            <a:tailEnd type="triangle"/>
+          </a:ln>
+        </p:spPr>
+        <p:style>
+          <a:lnRef idx="1">
+            <a:schemeClr val="accent1"/>
+          </a:lnRef>
+          <a:fillRef idx="0">
+            <a:schemeClr val="accent1"/>
+          </a:fillRef>
+          <a:effectRef idx="0">
+            <a:schemeClr val="accent1"/>
+          </a:effectRef>
+          <a:fontRef idx="minor">
+            <a:schemeClr val="tx1"/>
+          </a:fontRef>
+        </p:style>
+      </p:cxnSp>
+      <p:grpSp>
+        <p:nvGrpSpPr>
+          <p:cNvPr id="72" name="Group 71">
+            <a:extLst>
+              <a:ext uri="{FF2B5EF4-FFF2-40B4-BE49-F238E27FC236}">
+                <a16:creationId xmlns:a16="http://schemas.microsoft.com/office/drawing/2014/main" id="{77A81CA9-B9F3-4460-96BC-986125930B36}"/>
+              </a:ext>
+            </a:extLst>
+          </p:cNvPr>
+          <p:cNvGrpSpPr/>
+          <p:nvPr/>
+        </p:nvGrpSpPr>
+        <p:grpSpPr>
+          <a:xfrm>
+            <a:off x="7545474" y="2855595"/>
+            <a:ext cx="514602" cy="498468"/>
+            <a:chOff x="7578871" y="3141160"/>
+            <a:chExt cx="514602" cy="498468"/>
+          </a:xfrm>
+        </p:grpSpPr>
+        <p:sp>
+          <p:nvSpPr>
+            <p:cNvPr id="131" name="Rectangle 130">
+              <a:extLst>
+                <a:ext uri="{FF2B5EF4-FFF2-40B4-BE49-F238E27FC236}">
+                  <a16:creationId xmlns:a16="http://schemas.microsoft.com/office/drawing/2014/main" id="{4D080736-186A-4111-A1AA-20CFBBD34671}"/>
+                </a:ext>
+              </a:extLst>
+            </p:cNvPr>
+            <p:cNvSpPr/>
+            <p:nvPr/>
+          </p:nvSpPr>
+          <p:spPr>
+            <a:xfrm>
+              <a:off x="7578871" y="3180904"/>
+              <a:ext cx="514602" cy="458724"/>
+            </a:xfrm>
+            <a:prstGeom prst="rect">
+              <a:avLst/>
+            </a:prstGeom>
+            <a:solidFill>
+              <a:schemeClr val="tx2">
+                <a:lumMod val="20000"/>
+                <a:lumOff val="80000"/>
+              </a:schemeClr>
+            </a:solidFill>
+          </p:spPr>
+          <p:style>
+            <a:lnRef idx="2">
+              <a:schemeClr val="accent1">
+                <a:shade val="50000"/>
+              </a:schemeClr>
+            </a:lnRef>
+            <a:fillRef idx="1">
+              <a:schemeClr val="accent1"/>
+            </a:fillRef>
+            <a:effectRef idx="0">
+              <a:schemeClr val="accent1"/>
+            </a:effectRef>
+            <a:fontRef idx="minor">
+              <a:schemeClr val="lt1"/>
+            </a:fontRef>
+          </p:style>
+          <p:txBody>
+            <a:bodyPr rtlCol="0" anchor="ctr"/>
+            <a:lstStyle/>
+            <a:p>
+              <a:pPr algn="ctr"/>
+              <a:r>
+                <a:rPr lang="en-GB" sz="800" dirty="0">
+                  <a:solidFill>
+                    <a:schemeClr val="tx1"/>
+                  </a:solidFill>
+                </a:rPr>
+                <a:t>MAR</a:t>
+              </a:r>
+            </a:p>
+          </p:txBody>
+        </p:sp>
+        <p:sp>
+          <p:nvSpPr>
+            <p:cNvPr id="132" name="TextBox 131">
+              <a:extLst>
+                <a:ext uri="{FF2B5EF4-FFF2-40B4-BE49-F238E27FC236}">
+                  <a16:creationId xmlns:a16="http://schemas.microsoft.com/office/drawing/2014/main" id="{89D458E7-2A26-41D4-8C46-7FCC6C595D7D}"/>
+                </a:ext>
+              </a:extLst>
+            </p:cNvPr>
+            <p:cNvSpPr txBox="1"/>
+            <p:nvPr/>
+          </p:nvSpPr>
+          <p:spPr>
+            <a:xfrm>
+              <a:off x="7682880" y="3141160"/>
+              <a:ext cx="245654" cy="215444"/>
+            </a:xfrm>
+            <a:prstGeom prst="rect">
+              <a:avLst/>
+            </a:prstGeom>
+            <a:noFill/>
+          </p:spPr>
+          <p:txBody>
+            <a:bodyPr wrap="square" rtlCol="0">
+              <a:spAutoFit/>
+            </a:bodyPr>
+            <a:lstStyle/>
+            <a:p>
+              <a:r>
+                <a:rPr lang="en-GB" sz="800" dirty="0"/>
+                <a:t>D</a:t>
+              </a:r>
+            </a:p>
+          </p:txBody>
+        </p:sp>
+        <p:sp>
+          <p:nvSpPr>
+            <p:cNvPr id="134" name="Isosceles Triangle 133">
+              <a:extLst>
+                <a:ext uri="{FF2B5EF4-FFF2-40B4-BE49-F238E27FC236}">
+                  <a16:creationId xmlns:a16="http://schemas.microsoft.com/office/drawing/2014/main" id="{3FAA50DD-6252-4719-BB14-68367BDAB815}"/>
+                </a:ext>
+              </a:extLst>
+            </p:cNvPr>
+            <p:cNvSpPr/>
+            <p:nvPr/>
+          </p:nvSpPr>
+          <p:spPr>
+            <a:xfrm rot="5400000">
+              <a:off x="7558565" y="3373252"/>
+              <a:ext cx="119168" cy="68840"/>
+            </a:xfrm>
+            <a:prstGeom prst="triangle">
+              <a:avLst/>
+            </a:prstGeom>
+            <a:solidFill>
+              <a:schemeClr val="accent1">
+                <a:lumMod val="20000"/>
+                <a:lumOff val="80000"/>
+              </a:schemeClr>
+            </a:solidFill>
+          </p:spPr>
+          <p:style>
+            <a:lnRef idx="2">
+              <a:schemeClr val="accent1">
+                <a:shade val="50000"/>
+              </a:schemeClr>
+            </a:lnRef>
+            <a:fillRef idx="1">
+              <a:schemeClr val="accent1"/>
+            </a:fillRef>
+            <a:effectRef idx="0">
+              <a:schemeClr val="accent1"/>
+            </a:effectRef>
+            <a:fontRef idx="minor">
+              <a:schemeClr val="lt1"/>
+            </a:fontRef>
+          </p:style>
+          <p:txBody>
+            <a:bodyPr rtlCol="0" anchor="ctr"/>
+            <a:lstStyle/>
+            <a:p>
+              <a:pPr algn="ctr"/>
+              <a:endParaRPr lang="en-GB"/>
+            </a:p>
+          </p:txBody>
+        </p:sp>
+      </p:grpSp>
+      <p:sp>
+        <p:nvSpPr>
+          <p:cNvPr id="135" name="TextBox 134">
+            <a:extLst>
+              <a:ext uri="{FF2B5EF4-FFF2-40B4-BE49-F238E27FC236}">
+                <a16:creationId xmlns:a16="http://schemas.microsoft.com/office/drawing/2014/main" id="{02DE5001-D6BF-4578-AF5A-3B47FB979C14}"/>
+              </a:ext>
+            </a:extLst>
+          </p:cNvPr>
+          <p:cNvSpPr txBox="1"/>
+          <p:nvPr/>
+        </p:nvSpPr>
+        <p:spPr>
+          <a:xfrm>
+            <a:off x="8057066" y="2921561"/>
+            <a:ext cx="583778" cy="215444"/>
+          </a:xfrm>
+          <a:prstGeom prst="rect">
+            <a:avLst/>
+          </a:prstGeom>
+          <a:noFill/>
+        </p:spPr>
+        <p:txBody>
+          <a:bodyPr wrap="square" rtlCol="0">
+            <a:spAutoFit/>
+          </a:bodyPr>
+          <a:lstStyle/>
+          <a:p>
+            <a:r>
+              <a:rPr lang="en-GB" sz="800" dirty="0"/>
+              <a:t>MAR in</a:t>
+            </a:r>
+          </a:p>
+        </p:txBody>
+      </p:sp>
+      <p:cxnSp>
+        <p:nvCxnSpPr>
+          <p:cNvPr id="136" name="Straight Arrow Connector 135">
+            <a:extLst>
+              <a:ext uri="{FF2B5EF4-FFF2-40B4-BE49-F238E27FC236}">
+                <a16:creationId xmlns:a16="http://schemas.microsoft.com/office/drawing/2014/main" id="{52A7B9D0-5150-4D07-A6B6-F160AB10790D}"/>
+              </a:ext>
+            </a:extLst>
+          </p:cNvPr>
+          <p:cNvCxnSpPr>
+            <a:cxnSpLocks/>
+          </p:cNvCxnSpPr>
+          <p:nvPr/>
+        </p:nvCxnSpPr>
+        <p:spPr>
+          <a:xfrm flipH="1" flipV="1">
+            <a:off x="8057066" y="3143275"/>
+            <a:ext cx="432593" cy="4509"/>
+          </a:xfrm>
+          <a:prstGeom prst="straightConnector1">
+            <a:avLst/>
+          </a:prstGeom>
+          <a:ln w="38100">
+            <a:solidFill>
+              <a:schemeClr val="accent4"/>
+            </a:solidFill>
+            <a:tailEnd type="triangle"/>
+          </a:ln>
+        </p:spPr>
+        <p:style>
+          <a:lnRef idx="1">
+            <a:schemeClr val="accent1"/>
+          </a:lnRef>
+          <a:fillRef idx="0">
+            <a:schemeClr val="accent1"/>
+          </a:fillRef>
+          <a:effectRef idx="0">
+            <a:schemeClr val="accent1"/>
+          </a:effectRef>
+          <a:fontRef idx="minor">
+            <a:schemeClr val="tx1"/>
+          </a:fontRef>
+        </p:style>
+      </p:cxnSp>
+      <p:cxnSp>
+        <p:nvCxnSpPr>
+          <p:cNvPr id="137" name="Straight Arrow Connector 136">
+            <a:extLst>
+              <a:ext uri="{FF2B5EF4-FFF2-40B4-BE49-F238E27FC236}">
+                <a16:creationId xmlns:a16="http://schemas.microsoft.com/office/drawing/2014/main" id="{CAE596E0-A51E-4BC9-9CD9-D200C7A02F63}"/>
+              </a:ext>
+            </a:extLst>
+          </p:cNvPr>
+          <p:cNvCxnSpPr>
+            <a:cxnSpLocks/>
+          </p:cNvCxnSpPr>
+          <p:nvPr/>
+        </p:nvCxnSpPr>
+        <p:spPr>
+          <a:xfrm flipH="1">
+            <a:off x="7800503" y="3643115"/>
+            <a:ext cx="4226" cy="223988"/>
+          </a:xfrm>
+          <a:prstGeom prst="straightConnector1">
+            <a:avLst/>
+          </a:prstGeom>
+          <a:ln w="50800">
+            <a:tailEnd type="triangle"/>
+          </a:ln>
+        </p:spPr>
+        <p:style>
+          <a:lnRef idx="1">
+            <a:schemeClr val="accent1"/>
+          </a:lnRef>
+          <a:fillRef idx="0">
+            <a:schemeClr val="accent1"/>
+          </a:fillRef>
+          <a:effectRef idx="0">
+            <a:schemeClr val="accent1"/>
+          </a:effectRef>
+          <a:fontRef idx="minor">
+            <a:schemeClr val="tx1"/>
+          </a:fontRef>
+        </p:style>
+      </p:cxnSp>
+      <p:sp>
+        <p:nvSpPr>
+          <p:cNvPr id="145" name="Rectangle 144">
+            <a:extLst>
+              <a:ext uri="{FF2B5EF4-FFF2-40B4-BE49-F238E27FC236}">
+                <a16:creationId xmlns:a16="http://schemas.microsoft.com/office/drawing/2014/main" id="{A2AA6507-02BD-436D-BBB4-425AEAA2A035}"/>
+              </a:ext>
+            </a:extLst>
+          </p:cNvPr>
+          <p:cNvSpPr/>
+          <p:nvPr/>
+        </p:nvSpPr>
+        <p:spPr>
+          <a:xfrm>
+            <a:off x="10014586" y="3939928"/>
+            <a:ext cx="514602" cy="458724"/>
+          </a:xfrm>
+          <a:prstGeom prst="rect">
+            <a:avLst/>
+          </a:prstGeom>
+          <a:solidFill>
+            <a:schemeClr val="tx2">
+              <a:lumMod val="20000"/>
+              <a:lumOff val="80000"/>
+            </a:schemeClr>
+          </a:solidFill>
+        </p:spPr>
+        <p:style>
+          <a:lnRef idx="2">
+            <a:schemeClr val="accent1">
+              <a:shade val="50000"/>
+            </a:schemeClr>
+          </a:lnRef>
+          <a:fillRef idx="1">
+            <a:schemeClr val="accent1"/>
+          </a:fillRef>
+          <a:effectRef idx="0">
+            <a:schemeClr val="accent1"/>
+          </a:effectRef>
+          <a:fontRef idx="minor">
+            <a:schemeClr val="lt1"/>
+          </a:fontRef>
+        </p:style>
+        <p:txBody>
+          <a:bodyPr rtlCol="0" anchor="ctr"/>
+          <a:lstStyle/>
+          <a:p>
+            <a:pPr algn="ctr"/>
+            <a:r>
+              <a:rPr lang="en-GB" sz="800" dirty="0">
+                <a:solidFill>
+                  <a:schemeClr val="tx1"/>
+                </a:solidFill>
+              </a:rPr>
+              <a:t>DISP</a:t>
+            </a:r>
+          </a:p>
+          <a:p>
+            <a:pPr algn="ctr"/>
+            <a:r>
+              <a:rPr lang="en-GB" sz="800" dirty="0">
+                <a:solidFill>
+                  <a:schemeClr val="tx1"/>
+                </a:solidFill>
+              </a:rPr>
+              <a:t>REG</a:t>
+            </a:r>
+          </a:p>
+        </p:txBody>
+      </p:sp>
+      <p:sp>
+        <p:nvSpPr>
+          <p:cNvPr id="146" name="TextBox 145">
+            <a:extLst>
+              <a:ext uri="{FF2B5EF4-FFF2-40B4-BE49-F238E27FC236}">
+                <a16:creationId xmlns:a16="http://schemas.microsoft.com/office/drawing/2014/main" id="{49BC5219-710F-4AEF-B46C-0F221C068077}"/>
+              </a:ext>
+            </a:extLst>
+          </p:cNvPr>
+          <p:cNvSpPr txBox="1"/>
+          <p:nvPr/>
+        </p:nvSpPr>
+        <p:spPr>
+          <a:xfrm>
+            <a:off x="10149060" y="4207131"/>
+            <a:ext cx="245654" cy="215444"/>
+          </a:xfrm>
+          <a:prstGeom prst="rect">
+            <a:avLst/>
+          </a:prstGeom>
+          <a:noFill/>
+        </p:spPr>
+        <p:txBody>
+          <a:bodyPr wrap="square" rtlCol="0">
+            <a:spAutoFit/>
+          </a:bodyPr>
+          <a:lstStyle/>
+          <a:p>
+            <a:r>
+              <a:rPr lang="en-GB" sz="800" dirty="0"/>
+              <a:t>D</a:t>
+            </a:r>
+          </a:p>
+        </p:txBody>
+      </p:sp>
+      <p:cxnSp>
+        <p:nvCxnSpPr>
+          <p:cNvPr id="147" name="Straight Arrow Connector 146">
+            <a:extLst>
+              <a:ext uri="{FF2B5EF4-FFF2-40B4-BE49-F238E27FC236}">
+                <a16:creationId xmlns:a16="http://schemas.microsoft.com/office/drawing/2014/main" id="{09453966-B527-4E0C-BB3E-6AAC7B0F0A05}"/>
+              </a:ext>
+            </a:extLst>
+          </p:cNvPr>
+          <p:cNvCxnSpPr>
+            <a:cxnSpLocks/>
+          </p:cNvCxnSpPr>
+          <p:nvPr/>
+        </p:nvCxnSpPr>
+        <p:spPr>
+          <a:xfrm flipV="1">
+            <a:off x="10271887" y="3720268"/>
+            <a:ext cx="0" cy="219660"/>
+          </a:xfrm>
+          <a:prstGeom prst="straightConnector1">
+            <a:avLst/>
+          </a:prstGeom>
+          <a:ln w="50800">
+            <a:headEnd type="none"/>
+            <a:tailEnd type="triangle"/>
+          </a:ln>
+        </p:spPr>
+        <p:style>
+          <a:lnRef idx="1">
+            <a:schemeClr val="accent1"/>
+          </a:lnRef>
+          <a:fillRef idx="0">
+            <a:schemeClr val="accent1"/>
+          </a:fillRef>
+          <a:effectRef idx="0">
+            <a:schemeClr val="accent1"/>
+          </a:effectRef>
+          <a:fontRef idx="minor">
+            <a:schemeClr val="tx1"/>
+          </a:fontRef>
+        </p:style>
+      </p:cxnSp>
+      <p:sp>
+        <p:nvSpPr>
+          <p:cNvPr id="148" name="Isosceles Triangle 147">
+            <a:extLst>
+              <a:ext uri="{FF2B5EF4-FFF2-40B4-BE49-F238E27FC236}">
+                <a16:creationId xmlns:a16="http://schemas.microsoft.com/office/drawing/2014/main" id="{201F87A0-CF02-471D-A3E9-815DADAC2051}"/>
+              </a:ext>
+            </a:extLst>
+          </p:cNvPr>
+          <p:cNvSpPr/>
+          <p:nvPr/>
+        </p:nvSpPr>
+        <p:spPr>
+          <a:xfrm rot="5400000">
+            <a:off x="9994280" y="4132276"/>
+            <a:ext cx="119168" cy="68840"/>
+          </a:xfrm>
+          <a:prstGeom prst="triangle">
+            <a:avLst/>
+          </a:prstGeom>
+          <a:solidFill>
+            <a:schemeClr val="accent1">
+              <a:lumMod val="20000"/>
+              <a:lumOff val="80000"/>
+            </a:schemeClr>
+          </a:solidFill>
+        </p:spPr>
+        <p:style>
+          <a:lnRef idx="2">
+            <a:schemeClr val="accent1">
+              <a:shade val="50000"/>
+            </a:schemeClr>
+          </a:lnRef>
+          <a:fillRef idx="1">
+            <a:schemeClr val="accent1"/>
+          </a:fillRef>
+          <a:effectRef idx="0">
+            <a:schemeClr val="accent1"/>
+          </a:effectRef>
+          <a:fontRef idx="minor">
+            <a:schemeClr val="lt1"/>
+          </a:fontRef>
+        </p:style>
+        <p:txBody>
+          <a:bodyPr rtlCol="0" anchor="ctr"/>
+          <a:lstStyle/>
+          <a:p>
+            <a:pPr algn="ctr"/>
+            <a:endParaRPr lang="en-GB"/>
+          </a:p>
+        </p:txBody>
+      </p:sp>
+      <p:sp>
+        <p:nvSpPr>
+          <p:cNvPr id="149" name="TextBox 148">
+            <a:extLst>
+              <a:ext uri="{FF2B5EF4-FFF2-40B4-BE49-F238E27FC236}">
+                <a16:creationId xmlns:a16="http://schemas.microsoft.com/office/drawing/2014/main" id="{F50650AD-933B-49E8-82CA-0054D1CA74B9}"/>
+              </a:ext>
+            </a:extLst>
+          </p:cNvPr>
+          <p:cNvSpPr txBox="1"/>
+          <p:nvPr/>
+        </p:nvSpPr>
+        <p:spPr>
+          <a:xfrm>
+            <a:off x="10526337" y="3957422"/>
+            <a:ext cx="583778" cy="215444"/>
+          </a:xfrm>
+          <a:prstGeom prst="rect">
+            <a:avLst/>
+          </a:prstGeom>
+          <a:noFill/>
+        </p:spPr>
+        <p:txBody>
+          <a:bodyPr wrap="square" rtlCol="0">
+            <a:spAutoFit/>
+          </a:bodyPr>
+          <a:lstStyle/>
+          <a:p>
+            <a:r>
+              <a:rPr lang="en-GB" sz="800" dirty="0"/>
+              <a:t>DISP in</a:t>
+            </a:r>
+          </a:p>
+        </p:txBody>
+      </p:sp>
+      <p:cxnSp>
+        <p:nvCxnSpPr>
+          <p:cNvPr id="150" name="Straight Arrow Connector 149">
+            <a:extLst>
+              <a:ext uri="{FF2B5EF4-FFF2-40B4-BE49-F238E27FC236}">
+                <a16:creationId xmlns:a16="http://schemas.microsoft.com/office/drawing/2014/main" id="{5ECFA5B8-B32F-44AE-BD37-24FC8F8A6B62}"/>
+              </a:ext>
+            </a:extLst>
+          </p:cNvPr>
+          <p:cNvCxnSpPr>
+            <a:cxnSpLocks/>
+          </p:cNvCxnSpPr>
+          <p:nvPr/>
+        </p:nvCxnSpPr>
+        <p:spPr>
+          <a:xfrm flipH="1">
+            <a:off x="10526337" y="4121180"/>
+            <a:ext cx="438074" cy="16011"/>
+          </a:xfrm>
+          <a:prstGeom prst="straightConnector1">
+            <a:avLst/>
+          </a:prstGeom>
+          <a:ln w="38100">
+            <a:solidFill>
+              <a:schemeClr val="accent4"/>
+            </a:solidFill>
+            <a:tailEnd type="triangle"/>
+          </a:ln>
+        </p:spPr>
+        <p:style>
+          <a:lnRef idx="1">
+            <a:schemeClr val="accent1"/>
+          </a:lnRef>
+          <a:fillRef idx="0">
+            <a:schemeClr val="accent1"/>
+          </a:fillRef>
+          <a:effectRef idx="0">
+            <a:schemeClr val="accent1"/>
+          </a:effectRef>
+          <a:fontRef idx="minor">
+            <a:schemeClr val="tx1"/>
+          </a:fontRef>
+        </p:style>
+      </p:cxnSp>
+      <p:cxnSp>
+        <p:nvCxnSpPr>
+          <p:cNvPr id="151" name="Straight Arrow Connector 150">
+            <a:extLst>
+              <a:ext uri="{FF2B5EF4-FFF2-40B4-BE49-F238E27FC236}">
+                <a16:creationId xmlns:a16="http://schemas.microsoft.com/office/drawing/2014/main" id="{DBE6B2D1-6CAB-4A0D-B844-CC8D96EA0A02}"/>
+              </a:ext>
+            </a:extLst>
+          </p:cNvPr>
+          <p:cNvCxnSpPr>
+            <a:cxnSpLocks/>
+          </p:cNvCxnSpPr>
+          <p:nvPr/>
+        </p:nvCxnSpPr>
+        <p:spPr>
+          <a:xfrm flipV="1">
+            <a:off x="10271887" y="4402712"/>
+            <a:ext cx="0" cy="189838"/>
+          </a:xfrm>
+          <a:prstGeom prst="straightConnector1">
+            <a:avLst/>
+          </a:prstGeom>
+          <a:ln w="50800">
+            <a:tailEnd type="triangle"/>
+          </a:ln>
+        </p:spPr>
+        <p:style>
+          <a:lnRef idx="1">
+            <a:schemeClr val="accent1"/>
+          </a:lnRef>
+          <a:fillRef idx="0">
+            <a:schemeClr val="accent1"/>
+          </a:fillRef>
+          <a:effectRef idx="0">
+            <a:schemeClr val="accent1"/>
+          </a:effectRef>
+          <a:fontRef idx="minor">
+            <a:schemeClr val="tx1"/>
+          </a:fontRef>
+        </p:style>
+      </p:cxnSp>
+      <p:sp>
+        <p:nvSpPr>
+          <p:cNvPr id="155" name="Rectangle 154">
+            <a:extLst>
+              <a:ext uri="{FF2B5EF4-FFF2-40B4-BE49-F238E27FC236}">
+                <a16:creationId xmlns:a16="http://schemas.microsoft.com/office/drawing/2014/main" id="{3B104455-08E1-49CB-9D2D-49617CCDD55C}"/>
+              </a:ext>
+            </a:extLst>
+          </p:cNvPr>
+          <p:cNvSpPr/>
+          <p:nvPr/>
+        </p:nvSpPr>
+        <p:spPr>
+          <a:xfrm>
+            <a:off x="9942762" y="3257951"/>
+            <a:ext cx="653043" cy="458724"/>
+          </a:xfrm>
+          <a:prstGeom prst="rect">
+            <a:avLst/>
+          </a:prstGeom>
+          <a:solidFill>
+            <a:schemeClr val="tx2">
+              <a:lumMod val="20000"/>
+              <a:lumOff val="80000"/>
+            </a:schemeClr>
+          </a:solidFill>
+        </p:spPr>
+        <p:style>
+          <a:lnRef idx="2">
+            <a:schemeClr val="accent1">
+              <a:shade val="50000"/>
+            </a:schemeClr>
+          </a:lnRef>
+          <a:fillRef idx="1">
+            <a:schemeClr val="accent1"/>
+          </a:fillRef>
+          <a:effectRef idx="0">
+            <a:schemeClr val="accent1"/>
+          </a:effectRef>
+          <a:fontRef idx="minor">
+            <a:schemeClr val="lt1"/>
+          </a:fontRef>
+        </p:style>
+        <p:txBody>
+          <a:bodyPr rtlCol="0" anchor="ctr"/>
+          <a:lstStyle/>
+          <a:p>
+            <a:pPr algn="ctr"/>
+            <a:r>
+              <a:rPr lang="en-GB" sz="800" dirty="0">
+                <a:solidFill>
+                  <a:schemeClr val="tx1"/>
+                </a:solidFill>
+              </a:rPr>
+              <a:t>DISPLAY</a:t>
+            </a:r>
+          </a:p>
+          <a:p>
+            <a:pPr algn="ctr"/>
+            <a:r>
+              <a:rPr lang="en-GB" sz="800" dirty="0">
+                <a:solidFill>
+                  <a:schemeClr val="tx1"/>
+                </a:solidFill>
+              </a:rPr>
+              <a:t>DEVICE</a:t>
+            </a:r>
+          </a:p>
+        </p:txBody>
+      </p:sp>
+      <p:sp>
+        <p:nvSpPr>
+          <p:cNvPr id="156" name="TextBox 155">
+            <a:extLst>
+              <a:ext uri="{FF2B5EF4-FFF2-40B4-BE49-F238E27FC236}">
+                <a16:creationId xmlns:a16="http://schemas.microsoft.com/office/drawing/2014/main" id="{61B5E82D-A596-4B12-9A3B-628B83F88D4C}"/>
+              </a:ext>
+            </a:extLst>
+          </p:cNvPr>
+          <p:cNvSpPr txBox="1"/>
+          <p:nvPr/>
+        </p:nvSpPr>
+        <p:spPr>
+          <a:xfrm>
+            <a:off x="10149060" y="3533125"/>
+            <a:ext cx="245654" cy="215444"/>
+          </a:xfrm>
+          <a:prstGeom prst="rect">
+            <a:avLst/>
+          </a:prstGeom>
+          <a:noFill/>
+        </p:spPr>
+        <p:txBody>
+          <a:bodyPr wrap="square" rtlCol="0">
+            <a:spAutoFit/>
+          </a:bodyPr>
+          <a:lstStyle/>
+          <a:p>
+            <a:r>
+              <a:rPr lang="en-GB" sz="800" dirty="0"/>
+              <a:t>D</a:t>
+            </a:r>
+          </a:p>
+        </p:txBody>
+      </p:sp>
+      <p:cxnSp>
+        <p:nvCxnSpPr>
+          <p:cNvPr id="179" name="Straight Arrow Connector 178">
+            <a:extLst>
+              <a:ext uri="{FF2B5EF4-FFF2-40B4-BE49-F238E27FC236}">
+                <a16:creationId xmlns:a16="http://schemas.microsoft.com/office/drawing/2014/main" id="{6A9E6D00-3251-4586-A066-24CBCE51FCA7}"/>
+              </a:ext>
+            </a:extLst>
+          </p:cNvPr>
+          <p:cNvCxnSpPr>
+            <a:cxnSpLocks/>
+          </p:cNvCxnSpPr>
+          <p:nvPr/>
+        </p:nvCxnSpPr>
+        <p:spPr>
+          <a:xfrm flipV="1">
+            <a:off x="7955362" y="4357516"/>
+            <a:ext cx="8061" cy="223988"/>
+          </a:xfrm>
+          <a:prstGeom prst="straightConnector1">
+            <a:avLst/>
+          </a:prstGeom>
+          <a:ln w="50800">
+            <a:tailEnd type="triangle"/>
+          </a:ln>
+        </p:spPr>
+        <p:style>
+          <a:lnRef idx="1">
+            <a:schemeClr val="accent1"/>
+          </a:lnRef>
+          <a:fillRef idx="0">
+            <a:schemeClr val="accent1"/>
+          </a:fillRef>
+          <a:effectRef idx="0">
+            <a:schemeClr val="accent1"/>
+          </a:effectRef>
+          <a:fontRef idx="minor">
+            <a:schemeClr val="tx1"/>
+          </a:fontRef>
+        </p:style>
+      </p:cxnSp>
+      <p:cxnSp>
+        <p:nvCxnSpPr>
+          <p:cNvPr id="154" name="Straight Arrow Connector 153">
+            <a:extLst>
+              <a:ext uri="{FF2B5EF4-FFF2-40B4-BE49-F238E27FC236}">
+                <a16:creationId xmlns:a16="http://schemas.microsoft.com/office/drawing/2014/main" id="{47390BE2-8F38-4352-A7DF-71D7F04F6F2F}"/>
+              </a:ext>
+            </a:extLst>
+          </p:cNvPr>
+          <p:cNvCxnSpPr>
+            <a:cxnSpLocks/>
+          </p:cNvCxnSpPr>
+          <p:nvPr/>
+        </p:nvCxnSpPr>
+        <p:spPr>
+          <a:xfrm flipH="1">
+            <a:off x="9144589" y="4125581"/>
+            <a:ext cx="376916" cy="0"/>
+          </a:xfrm>
+          <a:prstGeom prst="straightConnector1">
+            <a:avLst/>
+          </a:prstGeom>
+          <a:ln w="38100">
+            <a:solidFill>
+              <a:schemeClr val="accent4"/>
+            </a:solidFill>
+            <a:tailEnd type="triangle"/>
+          </a:ln>
+        </p:spPr>
+        <p:style>
+          <a:lnRef idx="1">
+            <a:schemeClr val="accent1"/>
+          </a:lnRef>
+          <a:fillRef idx="0">
+            <a:schemeClr val="accent1"/>
+          </a:fillRef>
+          <a:effectRef idx="0">
+            <a:schemeClr val="accent1"/>
+          </a:effectRef>
+          <a:fontRef idx="minor">
+            <a:schemeClr val="tx1"/>
+          </a:fontRef>
+        </p:style>
+      </p:cxnSp>
+      <p:sp>
+        <p:nvSpPr>
+          <p:cNvPr id="158" name="TextBox 157">
+            <a:extLst>
+              <a:ext uri="{FF2B5EF4-FFF2-40B4-BE49-F238E27FC236}">
+                <a16:creationId xmlns:a16="http://schemas.microsoft.com/office/drawing/2014/main" id="{45B5EEC7-FDDF-4458-AC93-D601EA964400}"/>
+              </a:ext>
+            </a:extLst>
+          </p:cNvPr>
+          <p:cNvSpPr txBox="1"/>
+          <p:nvPr/>
+        </p:nvSpPr>
+        <p:spPr>
+          <a:xfrm>
+            <a:off x="9146453" y="3917220"/>
+            <a:ext cx="686052" cy="215444"/>
+          </a:xfrm>
+          <a:prstGeom prst="rect">
+            <a:avLst/>
+          </a:prstGeom>
+          <a:noFill/>
+        </p:spPr>
+        <p:txBody>
+          <a:bodyPr wrap="square" rtlCol="0">
+            <a:spAutoFit/>
+          </a:bodyPr>
+          <a:lstStyle/>
+          <a:p>
+            <a:r>
+              <a:rPr lang="en-GB" sz="800" dirty="0"/>
+              <a:t>MAR out</a:t>
+            </a:r>
+          </a:p>
+        </p:txBody>
+      </p:sp>
+      <p:sp>
+        <p:nvSpPr>
+          <p:cNvPr id="161" name="Rectangle 160">
+            <a:extLst>
+              <a:ext uri="{FF2B5EF4-FFF2-40B4-BE49-F238E27FC236}">
+                <a16:creationId xmlns:a16="http://schemas.microsoft.com/office/drawing/2014/main" id="{2435161A-4EF9-4E48-AA3C-13A7D5AE703F}"/>
+              </a:ext>
+            </a:extLst>
+          </p:cNvPr>
+          <p:cNvSpPr/>
+          <p:nvPr/>
+        </p:nvSpPr>
+        <p:spPr>
+          <a:xfrm>
+            <a:off x="8639094" y="3930426"/>
+            <a:ext cx="497566" cy="458724"/>
+          </a:xfrm>
+          <a:prstGeom prst="rect">
+            <a:avLst/>
+          </a:prstGeom>
+          <a:solidFill>
+            <a:schemeClr val="tx2">
+              <a:lumMod val="20000"/>
+              <a:lumOff val="80000"/>
+            </a:schemeClr>
+          </a:solidFill>
+        </p:spPr>
+        <p:style>
+          <a:lnRef idx="2">
+            <a:schemeClr val="accent1">
+              <a:shade val="50000"/>
+            </a:schemeClr>
+          </a:lnRef>
+          <a:fillRef idx="1">
+            <a:schemeClr val="accent1"/>
+          </a:fillRef>
+          <a:effectRef idx="0">
+            <a:schemeClr val="accent1"/>
+          </a:effectRef>
+          <a:fontRef idx="minor">
+            <a:schemeClr val="lt1"/>
+          </a:fontRef>
+        </p:style>
+        <p:txBody>
+          <a:bodyPr rtlCol="0" anchor="ctr"/>
+          <a:lstStyle/>
+          <a:p>
+            <a:pPr algn="ctr"/>
+            <a:r>
+              <a:rPr lang="en-GB" sz="800" dirty="0">
+                <a:solidFill>
+                  <a:schemeClr val="tx1"/>
+                </a:solidFill>
+              </a:rPr>
+              <a:t>BUF</a:t>
+            </a:r>
+          </a:p>
+        </p:txBody>
+      </p:sp>
+      <p:cxnSp>
+        <p:nvCxnSpPr>
+          <p:cNvPr id="165" name="Straight Arrow Connector 164">
+            <a:extLst>
+              <a:ext uri="{FF2B5EF4-FFF2-40B4-BE49-F238E27FC236}">
+                <a16:creationId xmlns:a16="http://schemas.microsoft.com/office/drawing/2014/main" id="{CDA1A54D-29FE-4B94-A4C0-6A971B5936D7}"/>
+              </a:ext>
+            </a:extLst>
+          </p:cNvPr>
+          <p:cNvCxnSpPr>
+            <a:cxnSpLocks/>
+            <a:stCxn id="161" idx="2"/>
+          </p:cNvCxnSpPr>
+          <p:nvPr/>
+        </p:nvCxnSpPr>
+        <p:spPr>
+          <a:xfrm>
+            <a:off x="8887877" y="4389150"/>
+            <a:ext cx="0" cy="250318"/>
+          </a:xfrm>
+          <a:prstGeom prst="straightConnector1">
+            <a:avLst/>
+          </a:prstGeom>
+          <a:ln w="22225">
+            <a:solidFill>
+              <a:schemeClr val="accent2"/>
+            </a:solidFill>
+            <a:prstDash val="sysDot"/>
+            <a:tailEnd type="triangle"/>
+          </a:ln>
+        </p:spPr>
+        <p:style>
+          <a:lnRef idx="1">
+            <a:schemeClr val="accent1"/>
+          </a:lnRef>
+          <a:fillRef idx="0">
+            <a:schemeClr val="accent1"/>
+          </a:fillRef>
+          <a:effectRef idx="0">
+            <a:schemeClr val="accent1"/>
+          </a:effectRef>
+          <a:fontRef idx="minor">
+            <a:schemeClr val="tx1"/>
+          </a:fontRef>
+        </p:style>
+      </p:cxnSp>
+      <p:sp>
+        <p:nvSpPr>
+          <p:cNvPr id="178" name="Rectangle 177">
+            <a:extLst>
+              <a:ext uri="{FF2B5EF4-FFF2-40B4-BE49-F238E27FC236}">
+                <a16:creationId xmlns:a16="http://schemas.microsoft.com/office/drawing/2014/main" id="{3ACD4C80-93BF-4682-84D7-6B604BCD89CF}"/>
+              </a:ext>
+            </a:extLst>
+          </p:cNvPr>
+          <p:cNvSpPr/>
+          <p:nvPr/>
+        </p:nvSpPr>
+        <p:spPr>
+          <a:xfrm>
+            <a:off x="3867862" y="3857135"/>
+            <a:ext cx="723900" cy="458724"/>
+          </a:xfrm>
+          <a:prstGeom prst="rect">
+            <a:avLst/>
+          </a:prstGeom>
+          <a:solidFill>
+            <a:schemeClr val="tx2">
+              <a:lumMod val="20000"/>
+              <a:lumOff val="80000"/>
+            </a:schemeClr>
+          </a:solidFill>
+        </p:spPr>
+        <p:style>
+          <a:lnRef idx="2">
+            <a:schemeClr val="accent1">
+              <a:shade val="50000"/>
+            </a:schemeClr>
+          </a:lnRef>
+          <a:fillRef idx="1">
+            <a:schemeClr val="accent1"/>
+          </a:fillRef>
+          <a:effectRef idx="0">
+            <a:schemeClr val="accent1"/>
+          </a:effectRef>
+          <a:fontRef idx="minor">
+            <a:schemeClr val="lt1"/>
+          </a:fontRef>
+        </p:style>
+        <p:txBody>
+          <a:bodyPr rtlCol="0" anchor="ctr"/>
+          <a:lstStyle/>
+          <a:p>
+            <a:pPr algn="ctr"/>
+            <a:r>
+              <a:rPr lang="en-GB" sz="800" dirty="0">
+                <a:solidFill>
+                  <a:schemeClr val="tx1"/>
+                </a:solidFill>
+              </a:rPr>
+              <a:t>CU</a:t>
+            </a:r>
+          </a:p>
+        </p:txBody>
+      </p:sp>
+      <p:cxnSp>
+        <p:nvCxnSpPr>
+          <p:cNvPr id="181" name="Straight Arrow Connector 180">
+            <a:extLst>
+              <a:ext uri="{FF2B5EF4-FFF2-40B4-BE49-F238E27FC236}">
+                <a16:creationId xmlns:a16="http://schemas.microsoft.com/office/drawing/2014/main" id="{2D9CA866-1C15-4545-9550-D8319FFAA0EB}"/>
+              </a:ext>
+            </a:extLst>
+          </p:cNvPr>
+          <p:cNvCxnSpPr>
+            <a:cxnSpLocks/>
+            <a:stCxn id="75" idx="3"/>
+            <a:endCxn id="178" idx="1"/>
+          </p:cNvCxnSpPr>
+          <p:nvPr/>
+        </p:nvCxnSpPr>
+        <p:spPr>
+          <a:xfrm flipV="1">
+            <a:off x="3436569" y="4086497"/>
+            <a:ext cx="431293" cy="8703"/>
+          </a:xfrm>
+          <a:prstGeom prst="straightConnector1">
+            <a:avLst/>
+          </a:prstGeom>
+          <a:ln w="38100">
+            <a:solidFill>
+              <a:schemeClr val="accent2">
+                <a:lumMod val="40000"/>
+                <a:lumOff val="60000"/>
+              </a:schemeClr>
+            </a:solidFill>
+            <a:headEnd type="none"/>
+            <a:tailEnd type="triangle"/>
+          </a:ln>
+        </p:spPr>
+        <p:style>
+          <a:lnRef idx="1">
+            <a:schemeClr val="accent1"/>
+          </a:lnRef>
+          <a:fillRef idx="0">
+            <a:schemeClr val="accent1"/>
+          </a:fillRef>
+          <a:effectRef idx="0">
+            <a:schemeClr val="accent1"/>
+          </a:effectRef>
+          <a:fontRef idx="minor">
+            <a:schemeClr val="tx1"/>
+          </a:fontRef>
+        </p:style>
+      </p:cxnSp>
+      <p:cxnSp>
+        <p:nvCxnSpPr>
+          <p:cNvPr id="183" name="Straight Arrow Connector 182">
+            <a:extLst>
+              <a:ext uri="{FF2B5EF4-FFF2-40B4-BE49-F238E27FC236}">
+                <a16:creationId xmlns:a16="http://schemas.microsoft.com/office/drawing/2014/main" id="{011E804D-FC70-4830-BD3E-B09705C0D6EA}"/>
+              </a:ext>
+            </a:extLst>
+          </p:cNvPr>
+          <p:cNvCxnSpPr>
+            <a:cxnSpLocks/>
+            <a:stCxn id="178" idx="0"/>
+            <a:endCxn id="189" idx="2"/>
+          </p:cNvCxnSpPr>
+          <p:nvPr/>
+        </p:nvCxnSpPr>
+        <p:spPr>
+          <a:xfrm flipH="1" flipV="1">
+            <a:off x="4228514" y="3377146"/>
+            <a:ext cx="1298" cy="479989"/>
+          </a:xfrm>
+          <a:prstGeom prst="straightConnector1">
+            <a:avLst/>
+          </a:prstGeom>
+          <a:ln>
+            <a:solidFill>
+              <a:schemeClr val="accent5">
+                <a:lumMod val="75000"/>
+              </a:schemeClr>
+            </a:solidFill>
+            <a:headEnd type="triangle"/>
+            <a:tailEnd type="none"/>
+          </a:ln>
+        </p:spPr>
+        <p:style>
+          <a:lnRef idx="1">
+            <a:schemeClr val="accent1"/>
+          </a:lnRef>
+          <a:fillRef idx="0">
+            <a:schemeClr val="accent1"/>
+          </a:fillRef>
+          <a:effectRef idx="0">
+            <a:schemeClr val="accent1"/>
+          </a:effectRef>
+          <a:fontRef idx="minor">
+            <a:schemeClr val="tx1"/>
+          </a:fontRef>
+        </p:style>
+      </p:cxnSp>
+      <p:cxnSp>
+        <p:nvCxnSpPr>
+          <p:cNvPr id="187" name="Straight Arrow Connector 186">
+            <a:extLst>
+              <a:ext uri="{FF2B5EF4-FFF2-40B4-BE49-F238E27FC236}">
+                <a16:creationId xmlns:a16="http://schemas.microsoft.com/office/drawing/2014/main" id="{D1EF88BE-4E99-469D-89D2-2C5EDED670AC}"/>
+              </a:ext>
+            </a:extLst>
+          </p:cNvPr>
+          <p:cNvCxnSpPr>
+            <a:cxnSpLocks/>
+            <a:endCxn id="189" idx="3"/>
+          </p:cNvCxnSpPr>
+          <p:nvPr/>
+        </p:nvCxnSpPr>
+        <p:spPr>
+          <a:xfrm flipH="1" flipV="1">
+            <a:off x="4590464" y="3147784"/>
+            <a:ext cx="1366658" cy="84378"/>
+          </a:xfrm>
+          <a:prstGeom prst="straightConnector1">
+            <a:avLst/>
+          </a:prstGeom>
+          <a:ln w="38100">
+            <a:solidFill>
+              <a:schemeClr val="accent2">
+                <a:lumMod val="40000"/>
+                <a:lumOff val="60000"/>
+              </a:schemeClr>
+            </a:solidFill>
+            <a:tailEnd type="triangle"/>
+          </a:ln>
+        </p:spPr>
+        <p:style>
+          <a:lnRef idx="1">
+            <a:schemeClr val="accent1"/>
+          </a:lnRef>
+          <a:fillRef idx="0">
+            <a:schemeClr val="accent1"/>
+          </a:fillRef>
+          <a:effectRef idx="0">
+            <a:schemeClr val="accent1"/>
+          </a:effectRef>
+          <a:fontRef idx="minor">
+            <a:schemeClr val="tx1"/>
+          </a:fontRef>
+        </p:style>
+      </p:cxnSp>
+      <p:sp>
+        <p:nvSpPr>
+          <p:cNvPr id="23" name="Rectangle 22">
+            <a:extLst>
+              <a:ext uri="{FF2B5EF4-FFF2-40B4-BE49-F238E27FC236}">
+                <a16:creationId xmlns:a16="http://schemas.microsoft.com/office/drawing/2014/main" id="{66B92164-39ED-410B-B019-072DE384F443}"/>
+              </a:ext>
+            </a:extLst>
+          </p:cNvPr>
+          <p:cNvSpPr/>
+          <p:nvPr/>
+        </p:nvSpPr>
+        <p:spPr>
+          <a:xfrm>
+            <a:off x="3826024" y="2662128"/>
+            <a:ext cx="873957" cy="184666"/>
+          </a:xfrm>
+          <a:prstGeom prst="rect">
+            <a:avLst/>
+          </a:prstGeom>
+        </p:spPr>
+        <p:txBody>
+          <a:bodyPr wrap="none">
+            <a:spAutoFit/>
+          </a:bodyPr>
+          <a:lstStyle/>
+          <a:p>
+            <a:r>
+              <a:rPr lang="en-GB" sz="600" dirty="0">
+                <a:solidFill>
+                  <a:srgbClr val="000000"/>
+                </a:solidFill>
+                <a:latin typeface="Arial" panose="020B0604020202020204" pitchFamily="34" charset="0"/>
+              </a:rPr>
+              <a:t>Carry, Zero , Equals</a:t>
+            </a:r>
+            <a:endParaRPr lang="en-GB" sz="600" dirty="0"/>
+          </a:p>
+        </p:txBody>
+      </p:sp>
+      <p:sp>
+        <p:nvSpPr>
+          <p:cNvPr id="190" name="TextBox 189">
+            <a:extLst>
+              <a:ext uri="{FF2B5EF4-FFF2-40B4-BE49-F238E27FC236}">
+                <a16:creationId xmlns:a16="http://schemas.microsoft.com/office/drawing/2014/main" id="{C6392E00-7312-4466-8A44-E6A154C0D9B4}"/>
+              </a:ext>
+            </a:extLst>
+          </p:cNvPr>
+          <p:cNvSpPr txBox="1"/>
+          <p:nvPr/>
+        </p:nvSpPr>
+        <p:spPr>
+          <a:xfrm>
+            <a:off x="5127169" y="2993800"/>
+            <a:ext cx="614816" cy="215444"/>
+          </a:xfrm>
+          <a:prstGeom prst="rect">
+            <a:avLst/>
+          </a:prstGeom>
+          <a:noFill/>
+        </p:spPr>
+        <p:txBody>
+          <a:bodyPr wrap="square" rtlCol="0">
+            <a:spAutoFit/>
+          </a:bodyPr>
+          <a:lstStyle/>
+          <a:p>
+            <a:r>
+              <a:rPr lang="en-GB" sz="800" dirty="0"/>
+              <a:t>C &amp; Z &amp; E</a:t>
+            </a:r>
+          </a:p>
+        </p:txBody>
+      </p:sp>
+      <p:cxnSp>
+        <p:nvCxnSpPr>
+          <p:cNvPr id="191" name="Straight Arrow Connector 190">
+            <a:extLst>
+              <a:ext uri="{FF2B5EF4-FFF2-40B4-BE49-F238E27FC236}">
+                <a16:creationId xmlns:a16="http://schemas.microsoft.com/office/drawing/2014/main" id="{36511023-AE4A-4A96-82FF-B7C47D9C4B40}"/>
+              </a:ext>
+            </a:extLst>
+          </p:cNvPr>
+          <p:cNvCxnSpPr>
+            <a:cxnSpLocks/>
+          </p:cNvCxnSpPr>
+          <p:nvPr/>
+        </p:nvCxnSpPr>
+        <p:spPr>
+          <a:xfrm flipV="1">
+            <a:off x="4568227" y="3363848"/>
+            <a:ext cx="1350166" cy="429618"/>
+          </a:xfrm>
+          <a:prstGeom prst="straightConnector1">
+            <a:avLst/>
+          </a:prstGeom>
+          <a:ln w="38100">
+            <a:solidFill>
+              <a:schemeClr val="accent2">
+                <a:lumMod val="40000"/>
+                <a:lumOff val="60000"/>
+              </a:schemeClr>
+            </a:solidFill>
+            <a:tailEnd type="triangle"/>
+          </a:ln>
+        </p:spPr>
+        <p:style>
+          <a:lnRef idx="1">
+            <a:schemeClr val="accent1"/>
+          </a:lnRef>
+          <a:fillRef idx="0">
+            <a:schemeClr val="accent1"/>
+          </a:fillRef>
+          <a:effectRef idx="0">
+            <a:schemeClr val="accent1"/>
+          </a:effectRef>
+          <a:fontRef idx="minor">
+            <a:schemeClr val="tx1"/>
+          </a:fontRef>
+        </p:style>
+      </p:cxnSp>
+      <p:grpSp>
+        <p:nvGrpSpPr>
+          <p:cNvPr id="44" name="Group 43">
+            <a:extLst>
+              <a:ext uri="{FF2B5EF4-FFF2-40B4-BE49-F238E27FC236}">
+                <a16:creationId xmlns:a16="http://schemas.microsoft.com/office/drawing/2014/main" id="{A566EF64-FE79-4544-82BB-24AE76A279CE}"/>
+              </a:ext>
+            </a:extLst>
+          </p:cNvPr>
+          <p:cNvGrpSpPr/>
+          <p:nvPr/>
+        </p:nvGrpSpPr>
+        <p:grpSpPr>
+          <a:xfrm>
+            <a:off x="3866564" y="2918422"/>
+            <a:ext cx="723900" cy="458724"/>
+            <a:chOff x="3850522" y="2918422"/>
+            <a:chExt cx="723900" cy="458724"/>
+          </a:xfrm>
+        </p:grpSpPr>
+        <p:sp>
+          <p:nvSpPr>
+            <p:cNvPr id="189" name="Rectangle 188">
+              <a:extLst>
+                <a:ext uri="{FF2B5EF4-FFF2-40B4-BE49-F238E27FC236}">
+                  <a16:creationId xmlns:a16="http://schemas.microsoft.com/office/drawing/2014/main" id="{E0BE9F8B-1E67-4C77-8D38-AB34B3FF1C8A}"/>
+                </a:ext>
+              </a:extLst>
+            </p:cNvPr>
+            <p:cNvSpPr/>
+            <p:nvPr/>
+          </p:nvSpPr>
+          <p:spPr>
+            <a:xfrm>
+              <a:off x="3850522" y="2918422"/>
+              <a:ext cx="723900" cy="458724"/>
+            </a:xfrm>
+            <a:prstGeom prst="rect">
+              <a:avLst/>
+            </a:prstGeom>
+            <a:solidFill>
+              <a:schemeClr val="tx2">
+                <a:lumMod val="20000"/>
+                <a:lumOff val="80000"/>
+              </a:schemeClr>
+            </a:solidFill>
+          </p:spPr>
+          <p:style>
+            <a:lnRef idx="2">
+              <a:schemeClr val="accent1">
+                <a:shade val="50000"/>
+              </a:schemeClr>
+            </a:lnRef>
+            <a:fillRef idx="1">
+              <a:schemeClr val="accent1"/>
+            </a:fillRef>
+            <a:effectRef idx="0">
+              <a:schemeClr val="accent1"/>
+            </a:effectRef>
+            <a:fontRef idx="minor">
+              <a:schemeClr val="lt1"/>
+            </a:fontRef>
+          </p:style>
+          <p:txBody>
+            <a:bodyPr rtlCol="0" anchor="ctr"/>
+            <a:lstStyle/>
+            <a:p>
+              <a:pPr algn="ctr"/>
+              <a:r>
+                <a:rPr lang="en-GB" sz="800" dirty="0">
+                  <a:solidFill>
+                    <a:schemeClr val="tx1"/>
+                  </a:solidFill>
+                </a:rPr>
+                <a:t>FLAGS</a:t>
+              </a:r>
+            </a:p>
+            <a:p>
+              <a:pPr algn="ctr"/>
+              <a:r>
+                <a:rPr lang="en-GB" sz="800" dirty="0">
+                  <a:solidFill>
+                    <a:schemeClr val="tx1"/>
+                  </a:solidFill>
+                </a:rPr>
+                <a:t>C,  Z, E</a:t>
+              </a:r>
+            </a:p>
+          </p:txBody>
+        </p:sp>
+        <p:sp>
+          <p:nvSpPr>
+            <p:cNvPr id="193" name="Isosceles Triangle 192">
+              <a:extLst>
+                <a:ext uri="{FF2B5EF4-FFF2-40B4-BE49-F238E27FC236}">
+                  <a16:creationId xmlns:a16="http://schemas.microsoft.com/office/drawing/2014/main" id="{57BF307A-7D83-49E6-9DCA-3C07824203AE}"/>
+                </a:ext>
+              </a:extLst>
+            </p:cNvPr>
+            <p:cNvSpPr/>
+            <p:nvPr/>
+          </p:nvSpPr>
+          <p:spPr>
+            <a:xfrm rot="5400000">
+              <a:off x="3828214" y="3119181"/>
+              <a:ext cx="119168" cy="68840"/>
+            </a:xfrm>
+            <a:prstGeom prst="triangle">
+              <a:avLst/>
+            </a:prstGeom>
+            <a:solidFill>
+              <a:schemeClr val="accent1">
+                <a:lumMod val="20000"/>
+                <a:lumOff val="80000"/>
+              </a:schemeClr>
+            </a:solidFill>
+          </p:spPr>
+          <p:style>
+            <a:lnRef idx="2">
+              <a:schemeClr val="accent1">
+                <a:shade val="50000"/>
+              </a:schemeClr>
+            </a:lnRef>
+            <a:fillRef idx="1">
+              <a:schemeClr val="accent1"/>
+            </a:fillRef>
+            <a:effectRef idx="0">
+              <a:schemeClr val="accent1"/>
+            </a:effectRef>
+            <a:fontRef idx="minor">
+              <a:schemeClr val="lt1"/>
+            </a:fontRef>
+          </p:style>
+          <p:txBody>
+            <a:bodyPr rtlCol="0" anchor="ctr"/>
+            <a:lstStyle/>
+            <a:p>
+              <a:pPr algn="ctr"/>
+              <a:endParaRPr lang="en-GB"/>
+            </a:p>
+          </p:txBody>
+        </p:sp>
+      </p:grpSp>
+      <p:cxnSp>
+        <p:nvCxnSpPr>
+          <p:cNvPr id="194" name="Straight Arrow Connector 193">
+            <a:extLst>
+              <a:ext uri="{FF2B5EF4-FFF2-40B4-BE49-F238E27FC236}">
+                <a16:creationId xmlns:a16="http://schemas.microsoft.com/office/drawing/2014/main" id="{5C9051CB-0285-4D22-9854-48157F0218C5}"/>
+              </a:ext>
+            </a:extLst>
+          </p:cNvPr>
+          <p:cNvCxnSpPr>
+            <a:cxnSpLocks/>
+          </p:cNvCxnSpPr>
+          <p:nvPr/>
+        </p:nvCxnSpPr>
+        <p:spPr>
+          <a:xfrm flipH="1" flipV="1">
+            <a:off x="3617738" y="3433670"/>
+            <a:ext cx="263050" cy="384008"/>
+          </a:xfrm>
+          <a:prstGeom prst="straightConnector1">
+            <a:avLst/>
+          </a:prstGeom>
+          <a:ln w="38100">
+            <a:solidFill>
+              <a:schemeClr val="accent4"/>
+            </a:solidFill>
+            <a:tailEnd type="triangle"/>
+          </a:ln>
+        </p:spPr>
+        <p:style>
+          <a:lnRef idx="1">
+            <a:schemeClr val="accent1"/>
+          </a:lnRef>
+          <a:fillRef idx="0">
+            <a:schemeClr val="accent1"/>
+          </a:fillRef>
+          <a:effectRef idx="0">
+            <a:schemeClr val="accent1"/>
+          </a:effectRef>
+          <a:fontRef idx="minor">
+            <a:schemeClr val="tx1"/>
+          </a:fontRef>
+        </p:style>
+      </p:cxnSp>
+      <p:sp>
+        <p:nvSpPr>
+          <p:cNvPr id="195" name="Rectangle 194">
+            <a:extLst>
+              <a:ext uri="{FF2B5EF4-FFF2-40B4-BE49-F238E27FC236}">
+                <a16:creationId xmlns:a16="http://schemas.microsoft.com/office/drawing/2014/main" id="{24EF62AD-3C12-4677-B551-262F24842B65}"/>
+              </a:ext>
+            </a:extLst>
+          </p:cNvPr>
+          <p:cNvSpPr/>
+          <p:nvPr/>
+        </p:nvSpPr>
+        <p:spPr>
+          <a:xfrm rot="18743298">
+            <a:off x="3157604" y="3385778"/>
+            <a:ext cx="639919" cy="184666"/>
+          </a:xfrm>
+          <a:prstGeom prst="rect">
+            <a:avLst/>
+          </a:prstGeom>
+        </p:spPr>
+        <p:txBody>
+          <a:bodyPr wrap="none">
+            <a:spAutoFit/>
+          </a:bodyPr>
+          <a:lstStyle/>
+          <a:p>
+            <a:r>
+              <a:rPr lang="en-GB" sz="600" dirty="0">
+                <a:solidFill>
+                  <a:srgbClr val="000000"/>
+                </a:solidFill>
+                <a:latin typeface="Arial" panose="020B0604020202020204" pitchFamily="34" charset="0"/>
+              </a:rPr>
+              <a:t>[control lines]</a:t>
+            </a:r>
+            <a:endParaRPr lang="en-GB" sz="600" dirty="0"/>
+          </a:p>
+        </p:txBody>
+      </p:sp>
+      <p:sp>
+        <p:nvSpPr>
+          <p:cNvPr id="196" name="Rectangle 195">
+            <a:extLst>
+              <a:ext uri="{FF2B5EF4-FFF2-40B4-BE49-F238E27FC236}">
+                <a16:creationId xmlns:a16="http://schemas.microsoft.com/office/drawing/2014/main" id="{6CC379C9-C36F-4F12-A007-98D8642582A4}"/>
+              </a:ext>
+            </a:extLst>
+          </p:cNvPr>
+          <p:cNvSpPr/>
+          <p:nvPr/>
+        </p:nvSpPr>
+        <p:spPr>
+          <a:xfrm>
+            <a:off x="3373696" y="4145970"/>
+            <a:ext cx="476412" cy="184666"/>
+          </a:xfrm>
+          <a:prstGeom prst="rect">
+            <a:avLst/>
+          </a:prstGeom>
+        </p:spPr>
+        <p:txBody>
+          <a:bodyPr wrap="none">
+            <a:spAutoFit/>
+          </a:bodyPr>
+          <a:lstStyle/>
+          <a:p>
+            <a:r>
+              <a:rPr lang="en-GB" sz="600" dirty="0">
+                <a:solidFill>
+                  <a:srgbClr val="000000"/>
+                </a:solidFill>
+                <a:latin typeface="Arial" panose="020B0604020202020204" pitchFamily="34" charset="0"/>
+              </a:rPr>
+              <a:t>Op code</a:t>
+            </a:r>
+            <a:endParaRPr lang="en-GB" sz="600" dirty="0"/>
+          </a:p>
+        </p:txBody>
+      </p:sp>
+      <p:sp>
+        <p:nvSpPr>
+          <p:cNvPr id="197" name="TextBox 196">
+            <a:extLst>
+              <a:ext uri="{FF2B5EF4-FFF2-40B4-BE49-F238E27FC236}">
+                <a16:creationId xmlns:a16="http://schemas.microsoft.com/office/drawing/2014/main" id="{633AF80E-2FAC-482F-9BA1-350BB5FE44F6}"/>
+              </a:ext>
+            </a:extLst>
+          </p:cNvPr>
+          <p:cNvSpPr txBox="1"/>
+          <p:nvPr/>
+        </p:nvSpPr>
+        <p:spPr>
+          <a:xfrm>
+            <a:off x="4195199" y="3503515"/>
+            <a:ext cx="596196" cy="215444"/>
+          </a:xfrm>
+          <a:prstGeom prst="rect">
+            <a:avLst/>
+          </a:prstGeom>
+          <a:noFill/>
+        </p:spPr>
+        <p:txBody>
+          <a:bodyPr wrap="square" rtlCol="0">
+            <a:spAutoFit/>
+          </a:bodyPr>
+          <a:lstStyle/>
+          <a:p>
+            <a:r>
+              <a:rPr lang="en-GB" sz="800" dirty="0"/>
+              <a:t>C &amp; Z &amp; E</a:t>
+            </a:r>
+          </a:p>
+        </p:txBody>
+      </p:sp>
+      <p:cxnSp>
+        <p:nvCxnSpPr>
+          <p:cNvPr id="198" name="Straight Arrow Connector 197">
+            <a:extLst>
+              <a:ext uri="{FF2B5EF4-FFF2-40B4-BE49-F238E27FC236}">
+                <a16:creationId xmlns:a16="http://schemas.microsoft.com/office/drawing/2014/main" id="{CBC16934-523F-497D-B826-8F2145C49B6B}"/>
+              </a:ext>
+            </a:extLst>
+          </p:cNvPr>
+          <p:cNvCxnSpPr>
+            <a:cxnSpLocks/>
+          </p:cNvCxnSpPr>
+          <p:nvPr/>
+        </p:nvCxnSpPr>
+        <p:spPr>
+          <a:xfrm>
+            <a:off x="3373696" y="3161421"/>
+            <a:ext cx="486066" cy="0"/>
+          </a:xfrm>
+          <a:prstGeom prst="straightConnector1">
+            <a:avLst/>
+          </a:prstGeom>
+          <a:ln w="38100">
+            <a:solidFill>
+              <a:schemeClr val="accent4"/>
+            </a:solidFill>
+            <a:tailEnd type="triangle"/>
+          </a:ln>
+        </p:spPr>
+        <p:style>
+          <a:lnRef idx="1">
+            <a:schemeClr val="accent1"/>
+          </a:lnRef>
+          <a:fillRef idx="0">
+            <a:schemeClr val="accent1"/>
+          </a:fillRef>
+          <a:effectRef idx="0">
+            <a:schemeClr val="accent1"/>
+          </a:effectRef>
+          <a:fontRef idx="minor">
+            <a:schemeClr val="tx1"/>
+          </a:fontRef>
+        </p:style>
+      </p:cxnSp>
+      <p:sp>
+        <p:nvSpPr>
+          <p:cNvPr id="199" name="TextBox 198">
+            <a:extLst>
+              <a:ext uri="{FF2B5EF4-FFF2-40B4-BE49-F238E27FC236}">
+                <a16:creationId xmlns:a16="http://schemas.microsoft.com/office/drawing/2014/main" id="{89BA3E86-154E-41DF-BC20-868D6B002A9B}"/>
+              </a:ext>
+            </a:extLst>
+          </p:cNvPr>
+          <p:cNvSpPr txBox="1"/>
+          <p:nvPr/>
+        </p:nvSpPr>
+        <p:spPr>
+          <a:xfrm>
+            <a:off x="3280943" y="2927178"/>
+            <a:ext cx="545081" cy="215444"/>
+          </a:xfrm>
+          <a:prstGeom prst="rect">
+            <a:avLst/>
+          </a:prstGeom>
+          <a:noFill/>
+          <a:ln w="25400">
+            <a:noFill/>
+          </a:ln>
+        </p:spPr>
+        <p:txBody>
+          <a:bodyPr wrap="square" rtlCol="0">
+            <a:spAutoFit/>
+          </a:bodyPr>
+          <a:lstStyle/>
+          <a:p>
+            <a:r>
+              <a:rPr lang="en-GB" sz="800" dirty="0"/>
+              <a:t>Flags in</a:t>
+            </a:r>
+          </a:p>
+        </p:txBody>
+      </p:sp>
+      <p:sp>
+        <p:nvSpPr>
+          <p:cNvPr id="118" name="TextBox 117">
+            <a:extLst>
+              <a:ext uri="{FF2B5EF4-FFF2-40B4-BE49-F238E27FC236}">
+                <a16:creationId xmlns:a16="http://schemas.microsoft.com/office/drawing/2014/main" id="{4B957CE1-5882-4440-8310-8BB43261232F}"/>
+              </a:ext>
+            </a:extLst>
+          </p:cNvPr>
+          <p:cNvSpPr txBox="1"/>
+          <p:nvPr/>
+        </p:nvSpPr>
+        <p:spPr>
+          <a:xfrm>
+            <a:off x="843023" y="651365"/>
+            <a:ext cx="1500218" cy="307777"/>
+          </a:xfrm>
+          <a:prstGeom prst="rect">
+            <a:avLst/>
+          </a:prstGeom>
+          <a:noFill/>
+        </p:spPr>
+        <p:txBody>
+          <a:bodyPr wrap="square" rtlCol="0">
+            <a:spAutoFit/>
+          </a:bodyPr>
+          <a:lstStyle/>
+          <a:p>
+            <a:r>
+              <a:rPr lang="en-GB" sz="1400" dirty="0"/>
+              <a:t>Program Counter</a:t>
+            </a:r>
+          </a:p>
+        </p:txBody>
+      </p:sp>
+      <p:sp>
+        <p:nvSpPr>
+          <p:cNvPr id="121" name="TextBox 120">
+            <a:extLst>
+              <a:ext uri="{FF2B5EF4-FFF2-40B4-BE49-F238E27FC236}">
+                <a16:creationId xmlns:a16="http://schemas.microsoft.com/office/drawing/2014/main" id="{5616CE21-B64D-4740-AB56-CECEA70B97A9}"/>
+              </a:ext>
+            </a:extLst>
+          </p:cNvPr>
+          <p:cNvSpPr txBox="1"/>
+          <p:nvPr/>
+        </p:nvSpPr>
+        <p:spPr>
+          <a:xfrm>
+            <a:off x="3711609" y="651364"/>
+            <a:ext cx="1140054" cy="307777"/>
+          </a:xfrm>
+          <a:prstGeom prst="rect">
+            <a:avLst/>
+          </a:prstGeom>
+          <a:noFill/>
+        </p:spPr>
+        <p:txBody>
+          <a:bodyPr wrap="square" rtlCol="0">
+            <a:spAutoFit/>
+          </a:bodyPr>
+          <a:lstStyle/>
+          <a:p>
+            <a:r>
+              <a:rPr lang="en-GB" sz="1400" dirty="0"/>
+              <a:t>Control Logic</a:t>
+            </a:r>
+          </a:p>
+        </p:txBody>
+      </p:sp>
+      <p:cxnSp>
+        <p:nvCxnSpPr>
+          <p:cNvPr id="3" name="Connector: Elbow 2">
+            <a:extLst>
+              <a:ext uri="{FF2B5EF4-FFF2-40B4-BE49-F238E27FC236}">
+                <a16:creationId xmlns:a16="http://schemas.microsoft.com/office/drawing/2014/main" id="{54AB43BE-8982-4385-A9CA-00ECCBF62212}"/>
+              </a:ext>
+            </a:extLst>
+          </p:cNvPr>
+          <p:cNvCxnSpPr>
+            <a:cxnSpLocks/>
+            <a:endCxn id="28" idx="0"/>
+          </p:cNvCxnSpPr>
+          <p:nvPr/>
+        </p:nvCxnSpPr>
+        <p:spPr>
+          <a:xfrm rot="5400000" flipH="1" flipV="1">
+            <a:off x="-79889" y="3027209"/>
+            <a:ext cx="2678772" cy="493607"/>
+          </a:xfrm>
+          <a:prstGeom prst="bentConnector3">
+            <a:avLst>
+              <a:gd name="adj1" fmla="val 108534"/>
+            </a:avLst>
+          </a:prstGeom>
+          <a:ln w="50800">
+            <a:tailEnd type="triangle"/>
+          </a:ln>
+        </p:spPr>
+        <p:style>
+          <a:lnRef idx="1">
+            <a:schemeClr val="accent1"/>
+          </a:lnRef>
+          <a:fillRef idx="0">
+            <a:schemeClr val="accent1"/>
+          </a:fillRef>
+          <a:effectRef idx="0">
+            <a:schemeClr val="accent1"/>
+          </a:effectRef>
+          <a:fontRef idx="minor">
+            <a:schemeClr val="tx1"/>
+          </a:fontRef>
+        </p:style>
+      </p:cxnSp>
+      <p:cxnSp>
+        <p:nvCxnSpPr>
+          <p:cNvPr id="7" name="Connector: Elbow 6">
+            <a:extLst>
+              <a:ext uri="{FF2B5EF4-FFF2-40B4-BE49-F238E27FC236}">
+                <a16:creationId xmlns:a16="http://schemas.microsoft.com/office/drawing/2014/main" id="{AD733631-3473-421F-94F9-431578C9F885}"/>
+              </a:ext>
+            </a:extLst>
+          </p:cNvPr>
+          <p:cNvCxnSpPr>
+            <a:cxnSpLocks/>
+            <a:stCxn id="56" idx="2"/>
+            <a:endCxn id="100" idx="0"/>
+          </p:cNvCxnSpPr>
+          <p:nvPr/>
+        </p:nvCxnSpPr>
+        <p:spPr>
+          <a:xfrm rot="5400000" flipH="1" flipV="1">
+            <a:off x="978502" y="2170423"/>
+            <a:ext cx="1880807" cy="236139"/>
+          </a:xfrm>
+          <a:prstGeom prst="bentConnector5">
+            <a:avLst>
+              <a:gd name="adj1" fmla="val -12154"/>
+              <a:gd name="adj2" fmla="val 248822"/>
+              <a:gd name="adj3" fmla="val 112154"/>
+            </a:avLst>
+          </a:prstGeom>
+          <a:ln w="50800">
+            <a:tailEnd type="triangle"/>
+          </a:ln>
+        </p:spPr>
+        <p:style>
+          <a:lnRef idx="1">
+            <a:schemeClr val="accent1"/>
+          </a:lnRef>
+          <a:fillRef idx="0">
+            <a:schemeClr val="accent1"/>
+          </a:fillRef>
+          <a:effectRef idx="0">
+            <a:schemeClr val="accent1"/>
+          </a:effectRef>
+          <a:fontRef idx="minor">
+            <a:schemeClr val="tx1"/>
+          </a:fontRef>
+        </p:style>
+      </p:cxnSp>
+      <p:cxnSp>
+        <p:nvCxnSpPr>
+          <p:cNvPr id="139" name="Connector: Elbow 138">
+            <a:extLst>
+              <a:ext uri="{FF2B5EF4-FFF2-40B4-BE49-F238E27FC236}">
+                <a16:creationId xmlns:a16="http://schemas.microsoft.com/office/drawing/2014/main" id="{FD05788F-6063-4DF1-9062-126719DA1D48}"/>
+              </a:ext>
+            </a:extLst>
+          </p:cNvPr>
+          <p:cNvCxnSpPr>
+            <a:cxnSpLocks/>
+            <a:stCxn id="56" idx="2"/>
+            <a:endCxn id="84" idx="0"/>
+          </p:cNvCxnSpPr>
+          <p:nvPr/>
+        </p:nvCxnSpPr>
+        <p:spPr>
+          <a:xfrm rot="16200000" flipH="1">
+            <a:off x="2127406" y="2902327"/>
+            <a:ext cx="602411" cy="1255548"/>
+          </a:xfrm>
+          <a:prstGeom prst="bentConnector3">
+            <a:avLst>
+              <a:gd name="adj1" fmla="val 65319"/>
+            </a:avLst>
+          </a:prstGeom>
+          <a:ln w="50800">
+            <a:tailEnd type="triangle"/>
+          </a:ln>
+        </p:spPr>
+        <p:style>
+          <a:lnRef idx="1">
+            <a:schemeClr val="accent1"/>
+          </a:lnRef>
+          <a:fillRef idx="0">
+            <a:schemeClr val="accent1"/>
+          </a:fillRef>
+          <a:effectRef idx="0">
+            <a:schemeClr val="accent1"/>
+          </a:effectRef>
+          <a:fontRef idx="minor">
+            <a:schemeClr val="tx1"/>
+          </a:fontRef>
+        </p:style>
+      </p:cxnSp>
+      <p:cxnSp>
+        <p:nvCxnSpPr>
+          <p:cNvPr id="20" name="Connector: Elbow 19">
+            <a:extLst>
+              <a:ext uri="{FF2B5EF4-FFF2-40B4-BE49-F238E27FC236}">
+                <a16:creationId xmlns:a16="http://schemas.microsoft.com/office/drawing/2014/main" id="{12B2D1E2-8587-42CD-B3C0-AFB1F04CD503}"/>
+              </a:ext>
+            </a:extLst>
+          </p:cNvPr>
+          <p:cNvCxnSpPr>
+            <a:cxnSpLocks/>
+            <a:endCxn id="12" idx="0"/>
+          </p:cNvCxnSpPr>
+          <p:nvPr/>
+        </p:nvCxnSpPr>
+        <p:spPr>
+          <a:xfrm rot="16200000" flipV="1">
+            <a:off x="5383795" y="2907882"/>
+            <a:ext cx="2797552" cy="605144"/>
+          </a:xfrm>
+          <a:prstGeom prst="bentConnector3">
+            <a:avLst>
+              <a:gd name="adj1" fmla="val 108171"/>
+            </a:avLst>
+          </a:prstGeom>
+          <a:ln w="50800">
+            <a:tailEnd type="triangle"/>
+          </a:ln>
+        </p:spPr>
+        <p:style>
+          <a:lnRef idx="1">
+            <a:schemeClr val="accent1"/>
+          </a:lnRef>
+          <a:fillRef idx="0">
+            <a:schemeClr val="accent1"/>
+          </a:fillRef>
+          <a:effectRef idx="0">
+            <a:schemeClr val="accent1"/>
+          </a:effectRef>
+          <a:fontRef idx="minor">
+            <a:schemeClr val="tx1"/>
+          </a:fontRef>
+        </p:style>
+      </p:cxnSp>
+      <p:cxnSp>
+        <p:nvCxnSpPr>
+          <p:cNvPr id="140" name="Connector: Elbow 139">
+            <a:extLst>
+              <a:ext uri="{FF2B5EF4-FFF2-40B4-BE49-F238E27FC236}">
+                <a16:creationId xmlns:a16="http://schemas.microsoft.com/office/drawing/2014/main" id="{FB9F4D1D-73A2-4158-B735-4F9C2A69A90D}"/>
+              </a:ext>
+            </a:extLst>
+          </p:cNvPr>
+          <p:cNvCxnSpPr>
+            <a:cxnSpLocks/>
+            <a:stCxn id="12" idx="0"/>
+            <a:endCxn id="11" idx="0"/>
+          </p:cNvCxnSpPr>
+          <p:nvPr/>
+        </p:nvCxnSpPr>
+        <p:spPr>
+          <a:xfrm rot="16200000" flipV="1">
+            <a:off x="6282481" y="1614160"/>
+            <a:ext cx="12700" cy="395036"/>
+          </a:xfrm>
+          <a:prstGeom prst="bentConnector3">
+            <a:avLst>
+              <a:gd name="adj1" fmla="val 1800000"/>
+            </a:avLst>
+          </a:prstGeom>
+          <a:ln w="50800">
+            <a:tailEnd type="triangle"/>
+          </a:ln>
+        </p:spPr>
+        <p:style>
+          <a:lnRef idx="1">
+            <a:schemeClr val="accent1"/>
+          </a:lnRef>
+          <a:fillRef idx="0">
+            <a:schemeClr val="accent1"/>
+          </a:fillRef>
+          <a:effectRef idx="0">
+            <a:schemeClr val="accent1"/>
+          </a:effectRef>
+          <a:fontRef idx="minor">
+            <a:schemeClr val="tx1"/>
+          </a:fontRef>
+        </p:style>
+      </p:cxnSp>
+      <p:cxnSp>
+        <p:nvCxnSpPr>
+          <p:cNvPr id="142" name="Connector: Elbow 141">
+            <a:extLst>
+              <a:ext uri="{FF2B5EF4-FFF2-40B4-BE49-F238E27FC236}">
+                <a16:creationId xmlns:a16="http://schemas.microsoft.com/office/drawing/2014/main" id="{01BB2144-32DE-47DC-BE2A-FA6FB124CFC3}"/>
+              </a:ext>
+            </a:extLst>
+          </p:cNvPr>
+          <p:cNvCxnSpPr>
+            <a:cxnSpLocks/>
+            <a:endCxn id="132" idx="0"/>
+          </p:cNvCxnSpPr>
+          <p:nvPr/>
+        </p:nvCxnSpPr>
+        <p:spPr>
+          <a:xfrm rot="5400000" flipH="1" flipV="1">
+            <a:off x="6683463" y="3492658"/>
+            <a:ext cx="1725909" cy="451785"/>
+          </a:xfrm>
+          <a:prstGeom prst="bentConnector3">
+            <a:avLst>
+              <a:gd name="adj1" fmla="val 113245"/>
+            </a:avLst>
+          </a:prstGeom>
+          <a:ln w="50800">
+            <a:tailEnd type="triangle"/>
+          </a:ln>
+        </p:spPr>
+        <p:style>
+          <a:lnRef idx="1">
+            <a:schemeClr val="accent1"/>
+          </a:lnRef>
+          <a:fillRef idx="0">
+            <a:schemeClr val="accent1"/>
+          </a:fillRef>
+          <a:effectRef idx="0">
+            <a:schemeClr val="accent1"/>
+          </a:effectRef>
+          <a:fontRef idx="minor">
+            <a:schemeClr val="tx1"/>
+          </a:fontRef>
+        </p:style>
+      </p:cxnSp>
+      <p:cxnSp>
+        <p:nvCxnSpPr>
+          <p:cNvPr id="143" name="Connector: Elbow 142">
+            <a:extLst>
+              <a:ext uri="{FF2B5EF4-FFF2-40B4-BE49-F238E27FC236}">
+                <a16:creationId xmlns:a16="http://schemas.microsoft.com/office/drawing/2014/main" id="{3089E8F6-18B3-4CDA-966F-4E6F7A548BFF}"/>
+              </a:ext>
+            </a:extLst>
+          </p:cNvPr>
+          <p:cNvCxnSpPr>
+            <a:cxnSpLocks/>
+            <a:stCxn id="131" idx="2"/>
+            <a:endCxn id="161" idx="0"/>
+          </p:cNvCxnSpPr>
+          <p:nvPr/>
+        </p:nvCxnSpPr>
+        <p:spPr>
+          <a:xfrm rot="16200000" flipH="1">
+            <a:off x="8057145" y="3099693"/>
+            <a:ext cx="576363" cy="1085102"/>
+          </a:xfrm>
+          <a:prstGeom prst="bentConnector3">
+            <a:avLst>
+              <a:gd name="adj1" fmla="val 50000"/>
+            </a:avLst>
+          </a:prstGeom>
+          <a:ln w="50800">
+            <a:tailEnd type="triangle"/>
+          </a:ln>
+        </p:spPr>
+        <p:style>
+          <a:lnRef idx="1">
+            <a:schemeClr val="accent1"/>
+          </a:lnRef>
+          <a:fillRef idx="0">
+            <a:schemeClr val="accent1"/>
+          </a:fillRef>
+          <a:effectRef idx="0">
+            <a:schemeClr val="accent1"/>
+          </a:effectRef>
+          <a:fontRef idx="minor">
+            <a:schemeClr val="tx1"/>
+          </a:fontRef>
+        </p:style>
+      </p:cxnSp>
+      <p:sp>
+        <p:nvSpPr>
+          <p:cNvPr id="166" name="Rectangle 165">
+            <a:extLst>
+              <a:ext uri="{FF2B5EF4-FFF2-40B4-BE49-F238E27FC236}">
+                <a16:creationId xmlns:a16="http://schemas.microsoft.com/office/drawing/2014/main" id="{5131C78F-83AF-4734-9766-81FE488F343C}"/>
+              </a:ext>
+            </a:extLst>
+          </p:cNvPr>
+          <p:cNvSpPr/>
+          <p:nvPr/>
+        </p:nvSpPr>
+        <p:spPr>
+          <a:xfrm>
+            <a:off x="1860417" y="4366658"/>
+            <a:ext cx="482824" cy="184666"/>
+          </a:xfrm>
+          <a:prstGeom prst="rect">
+            <a:avLst/>
+          </a:prstGeom>
+        </p:spPr>
+        <p:txBody>
+          <a:bodyPr wrap="none">
+            <a:spAutoFit/>
+          </a:bodyPr>
+          <a:lstStyle/>
+          <a:p>
+            <a:r>
+              <a:rPr lang="en-GB" sz="600" dirty="0">
+                <a:solidFill>
+                  <a:srgbClr val="000000"/>
+                </a:solidFill>
+                <a:latin typeface="Arial" panose="020B0604020202020204" pitchFamily="34" charset="0"/>
+              </a:rPr>
+              <a:t>[tri-state]</a:t>
+            </a:r>
+            <a:endParaRPr lang="en-GB" sz="600" dirty="0"/>
+          </a:p>
+        </p:txBody>
+      </p:sp>
+      <p:sp>
+        <p:nvSpPr>
+          <p:cNvPr id="180" name="TextBox 179">
+            <a:extLst>
+              <a:ext uri="{FF2B5EF4-FFF2-40B4-BE49-F238E27FC236}">
+                <a16:creationId xmlns:a16="http://schemas.microsoft.com/office/drawing/2014/main" id="{914ECF87-1C24-4C92-85AE-518600B8F042}"/>
+              </a:ext>
+            </a:extLst>
+          </p:cNvPr>
+          <p:cNvSpPr txBox="1"/>
+          <p:nvPr/>
+        </p:nvSpPr>
+        <p:spPr>
+          <a:xfrm>
+            <a:off x="2740734" y="641725"/>
+            <a:ext cx="1140054" cy="307777"/>
+          </a:xfrm>
+          <a:prstGeom prst="rect">
+            <a:avLst/>
+          </a:prstGeom>
+          <a:noFill/>
+        </p:spPr>
+        <p:txBody>
+          <a:bodyPr wrap="square" rtlCol="0">
+            <a:spAutoFit/>
+          </a:bodyPr>
+          <a:lstStyle/>
+          <a:p>
+            <a:r>
+              <a:rPr lang="en-GB" sz="1400" dirty="0"/>
+              <a:t>ROM</a:t>
+            </a:r>
+          </a:p>
+        </p:txBody>
+      </p:sp>
+      <p:sp>
+        <p:nvSpPr>
+          <p:cNvPr id="184" name="TextBox 183">
+            <a:extLst>
+              <a:ext uri="{FF2B5EF4-FFF2-40B4-BE49-F238E27FC236}">
+                <a16:creationId xmlns:a16="http://schemas.microsoft.com/office/drawing/2014/main" id="{2A7FEF3D-3956-4EBA-8F03-EEE3165C55F8}"/>
+              </a:ext>
+            </a:extLst>
+          </p:cNvPr>
+          <p:cNvSpPr txBox="1"/>
+          <p:nvPr/>
+        </p:nvSpPr>
+        <p:spPr>
+          <a:xfrm>
+            <a:off x="5729917" y="669962"/>
+            <a:ext cx="1500218" cy="307777"/>
+          </a:xfrm>
+          <a:prstGeom prst="rect">
+            <a:avLst/>
+          </a:prstGeom>
+          <a:noFill/>
+        </p:spPr>
+        <p:txBody>
+          <a:bodyPr wrap="square" rtlCol="0">
+            <a:spAutoFit/>
+          </a:bodyPr>
+          <a:lstStyle/>
+          <a:p>
+            <a:r>
+              <a:rPr lang="en-GB" sz="1400" dirty="0"/>
+              <a:t>Registers and ALU</a:t>
+            </a:r>
+          </a:p>
+        </p:txBody>
+      </p:sp>
+      <p:sp>
+        <p:nvSpPr>
+          <p:cNvPr id="185" name="TextBox 184">
+            <a:extLst>
+              <a:ext uri="{FF2B5EF4-FFF2-40B4-BE49-F238E27FC236}">
+                <a16:creationId xmlns:a16="http://schemas.microsoft.com/office/drawing/2014/main" id="{6C626989-7DD2-481F-A9DA-86F8CDBB9454}"/>
+              </a:ext>
+            </a:extLst>
+          </p:cNvPr>
+          <p:cNvSpPr txBox="1"/>
+          <p:nvPr/>
+        </p:nvSpPr>
+        <p:spPr>
+          <a:xfrm>
+            <a:off x="7545474" y="651364"/>
+            <a:ext cx="1279263" cy="307777"/>
+          </a:xfrm>
+          <a:prstGeom prst="rect">
+            <a:avLst/>
+          </a:prstGeom>
+          <a:noFill/>
+        </p:spPr>
+        <p:txBody>
+          <a:bodyPr wrap="square" rtlCol="0">
+            <a:spAutoFit/>
+          </a:bodyPr>
+          <a:lstStyle/>
+          <a:p>
+            <a:r>
+              <a:rPr lang="en-GB" sz="1400" dirty="0"/>
+              <a:t>RAM</a:t>
+            </a:r>
+          </a:p>
+        </p:txBody>
+      </p:sp>
+      <p:sp>
+        <p:nvSpPr>
+          <p:cNvPr id="186" name="TextBox 185">
+            <a:extLst>
+              <a:ext uri="{FF2B5EF4-FFF2-40B4-BE49-F238E27FC236}">
+                <a16:creationId xmlns:a16="http://schemas.microsoft.com/office/drawing/2014/main" id="{BCE3199A-E627-4F98-A8B3-F089C4562D58}"/>
+              </a:ext>
+            </a:extLst>
+          </p:cNvPr>
+          <p:cNvSpPr txBox="1"/>
+          <p:nvPr/>
+        </p:nvSpPr>
+        <p:spPr>
+          <a:xfrm>
+            <a:off x="9410671" y="647228"/>
+            <a:ext cx="1355225" cy="307777"/>
+          </a:xfrm>
+          <a:prstGeom prst="rect">
+            <a:avLst/>
+          </a:prstGeom>
+          <a:noFill/>
+        </p:spPr>
+        <p:txBody>
+          <a:bodyPr wrap="square" rtlCol="0">
+            <a:spAutoFit/>
+          </a:bodyPr>
+          <a:lstStyle/>
+          <a:p>
+            <a:r>
+              <a:rPr lang="en-GB" sz="1400" dirty="0"/>
+              <a:t>Output device</a:t>
+            </a:r>
+          </a:p>
+        </p:txBody>
+      </p:sp>
+      <p:cxnSp>
+        <p:nvCxnSpPr>
+          <p:cNvPr id="201" name="Straight Arrow Connector 200">
+            <a:extLst>
+              <a:ext uri="{FF2B5EF4-FFF2-40B4-BE49-F238E27FC236}">
+                <a16:creationId xmlns:a16="http://schemas.microsoft.com/office/drawing/2014/main" id="{242846A0-93C8-4BEA-A490-28DB5B1B9443}"/>
+              </a:ext>
+            </a:extLst>
+          </p:cNvPr>
+          <p:cNvCxnSpPr>
+            <a:cxnSpLocks/>
+          </p:cNvCxnSpPr>
+          <p:nvPr/>
+        </p:nvCxnSpPr>
+        <p:spPr>
+          <a:xfrm flipH="1" flipV="1">
+            <a:off x="3517844" y="3484081"/>
+            <a:ext cx="362944" cy="350564"/>
+          </a:xfrm>
+          <a:prstGeom prst="straightConnector1">
+            <a:avLst/>
+          </a:prstGeom>
+          <a:ln w="38100">
+            <a:solidFill>
+              <a:schemeClr val="accent4"/>
+            </a:solidFill>
+            <a:tailEnd type="triangle"/>
+          </a:ln>
+        </p:spPr>
+        <p:style>
+          <a:lnRef idx="1">
+            <a:schemeClr val="accent1"/>
+          </a:lnRef>
+          <a:fillRef idx="0">
+            <a:schemeClr val="accent1"/>
+          </a:fillRef>
+          <a:effectRef idx="0">
+            <a:schemeClr val="accent1"/>
+          </a:effectRef>
+          <a:fontRef idx="minor">
+            <a:schemeClr val="tx1"/>
+          </a:fontRef>
+        </p:style>
+      </p:cxnSp>
+      <p:cxnSp>
+        <p:nvCxnSpPr>
+          <p:cNvPr id="202" name="Straight Arrow Connector 201">
+            <a:extLst>
+              <a:ext uri="{FF2B5EF4-FFF2-40B4-BE49-F238E27FC236}">
+                <a16:creationId xmlns:a16="http://schemas.microsoft.com/office/drawing/2014/main" id="{5A298362-79C2-4223-B20C-7FC0CD7FA1E0}"/>
+              </a:ext>
+            </a:extLst>
+          </p:cNvPr>
+          <p:cNvCxnSpPr>
+            <a:cxnSpLocks/>
+          </p:cNvCxnSpPr>
+          <p:nvPr/>
+        </p:nvCxnSpPr>
+        <p:spPr>
+          <a:xfrm flipH="1" flipV="1">
+            <a:off x="3444691" y="3571615"/>
+            <a:ext cx="428601" cy="277956"/>
+          </a:xfrm>
+          <a:prstGeom prst="straightConnector1">
+            <a:avLst/>
+          </a:prstGeom>
+          <a:ln w="38100">
+            <a:solidFill>
+              <a:schemeClr val="accent4"/>
+            </a:solidFill>
+            <a:tailEnd type="triangle"/>
+          </a:ln>
+        </p:spPr>
+        <p:style>
+          <a:lnRef idx="1">
+            <a:schemeClr val="accent1"/>
+          </a:lnRef>
+          <a:fillRef idx="0">
+            <a:schemeClr val="accent1"/>
+          </a:fillRef>
+          <a:effectRef idx="0">
+            <a:schemeClr val="accent1"/>
+          </a:effectRef>
+          <a:fontRef idx="minor">
+            <a:schemeClr val="tx1"/>
+          </a:fontRef>
+        </p:style>
+      </p:cxnSp>
+      <p:cxnSp>
+        <p:nvCxnSpPr>
+          <p:cNvPr id="203" name="Straight Arrow Connector 202">
+            <a:extLst>
+              <a:ext uri="{FF2B5EF4-FFF2-40B4-BE49-F238E27FC236}">
+                <a16:creationId xmlns:a16="http://schemas.microsoft.com/office/drawing/2014/main" id="{D92FF8B8-EDC1-45DE-BA9C-2DDA148FAF1F}"/>
+              </a:ext>
+            </a:extLst>
+          </p:cNvPr>
+          <p:cNvCxnSpPr>
+            <a:cxnSpLocks/>
+          </p:cNvCxnSpPr>
+          <p:nvPr/>
+        </p:nvCxnSpPr>
+        <p:spPr>
+          <a:xfrm flipH="1" flipV="1">
+            <a:off x="5455515" y="5416471"/>
+            <a:ext cx="432593" cy="4509"/>
+          </a:xfrm>
+          <a:prstGeom prst="straightConnector1">
+            <a:avLst/>
+          </a:prstGeom>
+          <a:ln w="38100">
+            <a:solidFill>
+              <a:schemeClr val="accent4"/>
+            </a:solidFill>
+            <a:tailEnd type="triangle"/>
+          </a:ln>
+        </p:spPr>
+        <p:style>
+          <a:lnRef idx="1">
+            <a:schemeClr val="accent1"/>
+          </a:lnRef>
+          <a:fillRef idx="0">
+            <a:schemeClr val="accent1"/>
+          </a:fillRef>
+          <a:effectRef idx="0">
+            <a:schemeClr val="accent1"/>
+          </a:effectRef>
+          <a:fontRef idx="minor">
+            <a:schemeClr val="tx1"/>
+          </a:fontRef>
+        </p:style>
+      </p:cxnSp>
+      <p:sp>
+        <p:nvSpPr>
+          <p:cNvPr id="204" name="TextBox 203">
+            <a:extLst>
+              <a:ext uri="{FF2B5EF4-FFF2-40B4-BE49-F238E27FC236}">
+                <a16:creationId xmlns:a16="http://schemas.microsoft.com/office/drawing/2014/main" id="{6FE9AEBE-4BB9-4BA7-AE01-6AD4080E618D}"/>
+              </a:ext>
+            </a:extLst>
+          </p:cNvPr>
+          <p:cNvSpPr txBox="1"/>
+          <p:nvPr/>
+        </p:nvSpPr>
+        <p:spPr>
+          <a:xfrm>
+            <a:off x="5954748" y="5315774"/>
+            <a:ext cx="1168610" cy="215444"/>
+          </a:xfrm>
+          <a:prstGeom prst="rect">
+            <a:avLst/>
+          </a:prstGeom>
+          <a:noFill/>
+        </p:spPr>
+        <p:txBody>
+          <a:bodyPr wrap="square" rtlCol="0">
+            <a:spAutoFit/>
+          </a:bodyPr>
+          <a:lstStyle/>
+          <a:p>
+            <a:r>
+              <a:rPr lang="en-GB" sz="800" dirty="0"/>
+              <a:t>In/Out control line</a:t>
+            </a:r>
+          </a:p>
+        </p:txBody>
+      </p:sp>
+      <p:sp>
+        <p:nvSpPr>
+          <p:cNvPr id="205" name="TextBox 204">
+            <a:extLst>
+              <a:ext uri="{FF2B5EF4-FFF2-40B4-BE49-F238E27FC236}">
+                <a16:creationId xmlns:a16="http://schemas.microsoft.com/office/drawing/2014/main" id="{4037B61A-239A-4A26-9E94-30AA0716D595}"/>
+              </a:ext>
+            </a:extLst>
+          </p:cNvPr>
+          <p:cNvSpPr txBox="1"/>
+          <p:nvPr/>
+        </p:nvSpPr>
+        <p:spPr>
+          <a:xfrm>
+            <a:off x="1525822" y="5270893"/>
+            <a:ext cx="1168610" cy="215444"/>
+          </a:xfrm>
+          <a:prstGeom prst="rect">
+            <a:avLst/>
+          </a:prstGeom>
+          <a:noFill/>
+        </p:spPr>
+        <p:txBody>
+          <a:bodyPr wrap="square" rtlCol="0">
+            <a:spAutoFit/>
+          </a:bodyPr>
+          <a:lstStyle/>
+          <a:p>
+            <a:r>
+              <a:rPr lang="en-GB" sz="800" dirty="0"/>
+              <a:t>Data </a:t>
+            </a:r>
+          </a:p>
+        </p:txBody>
+      </p:sp>
+      <p:cxnSp>
+        <p:nvCxnSpPr>
+          <p:cNvPr id="206" name="Straight Arrow Connector 205">
+            <a:extLst>
+              <a:ext uri="{FF2B5EF4-FFF2-40B4-BE49-F238E27FC236}">
+                <a16:creationId xmlns:a16="http://schemas.microsoft.com/office/drawing/2014/main" id="{76FDBA6B-4F8A-44ED-8E50-0CC0029A0B8F}"/>
+              </a:ext>
+            </a:extLst>
+          </p:cNvPr>
+          <p:cNvCxnSpPr>
+            <a:cxnSpLocks/>
+          </p:cNvCxnSpPr>
+          <p:nvPr/>
+        </p:nvCxnSpPr>
+        <p:spPr>
+          <a:xfrm flipH="1">
+            <a:off x="1116346" y="5366093"/>
+            <a:ext cx="415894" cy="0"/>
+          </a:xfrm>
+          <a:prstGeom prst="straightConnector1">
+            <a:avLst/>
+          </a:prstGeom>
+          <a:ln w="50800">
+            <a:headEnd type="none"/>
+            <a:tailEnd type="triangle"/>
+          </a:ln>
+        </p:spPr>
+        <p:style>
+          <a:lnRef idx="1">
+            <a:schemeClr val="accent1"/>
+          </a:lnRef>
+          <a:fillRef idx="0">
+            <a:schemeClr val="accent1"/>
+          </a:fillRef>
+          <a:effectRef idx="0">
+            <a:schemeClr val="accent1"/>
+          </a:effectRef>
+          <a:fontRef idx="minor">
+            <a:schemeClr val="tx1"/>
+          </a:fontRef>
+        </p:style>
+      </p:cxnSp>
+      <p:cxnSp>
+        <p:nvCxnSpPr>
+          <p:cNvPr id="207" name="Straight Arrow Connector 206">
+            <a:extLst>
+              <a:ext uri="{FF2B5EF4-FFF2-40B4-BE49-F238E27FC236}">
+                <a16:creationId xmlns:a16="http://schemas.microsoft.com/office/drawing/2014/main" id="{D1145E80-29B6-4FB5-A555-43B8A0118352}"/>
+              </a:ext>
+            </a:extLst>
+          </p:cNvPr>
+          <p:cNvCxnSpPr>
+            <a:cxnSpLocks/>
+          </p:cNvCxnSpPr>
+          <p:nvPr/>
+        </p:nvCxnSpPr>
+        <p:spPr>
+          <a:xfrm flipH="1" flipV="1">
+            <a:off x="7145171" y="5414887"/>
+            <a:ext cx="497233" cy="1"/>
+          </a:xfrm>
+          <a:prstGeom prst="straightConnector1">
+            <a:avLst/>
+          </a:prstGeom>
+          <a:ln w="38100">
+            <a:solidFill>
+              <a:schemeClr val="accent2">
+                <a:lumMod val="40000"/>
+                <a:lumOff val="60000"/>
+              </a:schemeClr>
+            </a:solidFill>
+            <a:headEnd type="none"/>
+            <a:tailEnd type="triangle"/>
+          </a:ln>
+        </p:spPr>
+        <p:style>
+          <a:lnRef idx="1">
+            <a:schemeClr val="accent1"/>
+          </a:lnRef>
+          <a:fillRef idx="0">
+            <a:schemeClr val="accent1"/>
+          </a:fillRef>
+          <a:effectRef idx="0">
+            <a:schemeClr val="accent1"/>
+          </a:effectRef>
+          <a:fontRef idx="minor">
+            <a:schemeClr val="tx1"/>
+          </a:fontRef>
+        </p:style>
+      </p:cxnSp>
+      <p:sp>
+        <p:nvSpPr>
+          <p:cNvPr id="208" name="TextBox 207">
+            <a:extLst>
+              <a:ext uri="{FF2B5EF4-FFF2-40B4-BE49-F238E27FC236}">
+                <a16:creationId xmlns:a16="http://schemas.microsoft.com/office/drawing/2014/main" id="{15545C58-29ED-458C-91D9-F0627406F6FC}"/>
+              </a:ext>
+            </a:extLst>
+          </p:cNvPr>
+          <p:cNvSpPr txBox="1"/>
+          <p:nvPr/>
+        </p:nvSpPr>
+        <p:spPr>
+          <a:xfrm>
+            <a:off x="7690683" y="5296370"/>
+            <a:ext cx="1168610" cy="215444"/>
+          </a:xfrm>
+          <a:prstGeom prst="rect">
+            <a:avLst/>
+          </a:prstGeom>
+          <a:noFill/>
+        </p:spPr>
+        <p:txBody>
+          <a:bodyPr wrap="square" rtlCol="0">
+            <a:spAutoFit/>
+          </a:bodyPr>
+          <a:lstStyle/>
+          <a:p>
+            <a:r>
+              <a:rPr lang="en-GB" sz="800" dirty="0"/>
+              <a:t>Other control line</a:t>
+            </a:r>
+          </a:p>
+        </p:txBody>
+      </p:sp>
+      <p:cxnSp>
+        <p:nvCxnSpPr>
+          <p:cNvPr id="209" name="Straight Arrow Connector 208">
+            <a:extLst>
+              <a:ext uri="{FF2B5EF4-FFF2-40B4-BE49-F238E27FC236}">
+                <a16:creationId xmlns:a16="http://schemas.microsoft.com/office/drawing/2014/main" id="{7F928328-69B3-41DB-816E-D7C2EA128A61}"/>
+              </a:ext>
+            </a:extLst>
+          </p:cNvPr>
+          <p:cNvCxnSpPr>
+            <a:cxnSpLocks/>
+          </p:cNvCxnSpPr>
+          <p:nvPr/>
+        </p:nvCxnSpPr>
+        <p:spPr>
+          <a:xfrm flipH="1">
+            <a:off x="2176926" y="5384218"/>
+            <a:ext cx="301718" cy="0"/>
+          </a:xfrm>
+          <a:prstGeom prst="straightConnector1">
+            <a:avLst/>
+          </a:prstGeom>
+          <a:ln w="22225">
+            <a:solidFill>
+              <a:schemeClr val="accent2"/>
+            </a:solidFill>
+            <a:prstDash val="sysDot"/>
+            <a:tailEnd type="triangle"/>
+          </a:ln>
+        </p:spPr>
+        <p:style>
+          <a:lnRef idx="1">
+            <a:schemeClr val="accent1"/>
+          </a:lnRef>
+          <a:fillRef idx="0">
+            <a:schemeClr val="accent1"/>
+          </a:fillRef>
+          <a:effectRef idx="0">
+            <a:schemeClr val="accent1"/>
+          </a:effectRef>
+          <a:fontRef idx="minor">
+            <a:schemeClr val="tx1"/>
+          </a:fontRef>
+        </p:style>
+      </p:cxnSp>
+      <p:sp>
+        <p:nvSpPr>
+          <p:cNvPr id="210" name="TextBox 209">
+            <a:extLst>
+              <a:ext uri="{FF2B5EF4-FFF2-40B4-BE49-F238E27FC236}">
+                <a16:creationId xmlns:a16="http://schemas.microsoft.com/office/drawing/2014/main" id="{3CDD3D1F-9EF7-4E44-96D1-9825CE3F6B6F}"/>
+              </a:ext>
+            </a:extLst>
+          </p:cNvPr>
+          <p:cNvSpPr txBox="1"/>
+          <p:nvPr/>
+        </p:nvSpPr>
+        <p:spPr>
+          <a:xfrm>
+            <a:off x="2519603" y="5284746"/>
+            <a:ext cx="1168610" cy="215444"/>
+          </a:xfrm>
+          <a:prstGeom prst="rect">
+            <a:avLst/>
+          </a:prstGeom>
+          <a:noFill/>
+        </p:spPr>
+        <p:txBody>
+          <a:bodyPr wrap="square" rtlCol="0">
+            <a:spAutoFit/>
+          </a:bodyPr>
+          <a:lstStyle/>
+          <a:p>
+            <a:r>
+              <a:rPr lang="en-GB" sz="800" dirty="0"/>
+              <a:t>Data – tri-state buffer</a:t>
+            </a:r>
+          </a:p>
+        </p:txBody>
+      </p:sp>
+      <p:grpSp>
+        <p:nvGrpSpPr>
+          <p:cNvPr id="138" name="Group 137">
+            <a:extLst>
+              <a:ext uri="{FF2B5EF4-FFF2-40B4-BE49-F238E27FC236}">
+                <a16:creationId xmlns:a16="http://schemas.microsoft.com/office/drawing/2014/main" id="{F4F629EA-56E7-468E-A545-83D03E9EBAF2}"/>
+              </a:ext>
+            </a:extLst>
+          </p:cNvPr>
+          <p:cNvGrpSpPr/>
+          <p:nvPr/>
+        </p:nvGrpSpPr>
+        <p:grpSpPr>
+          <a:xfrm>
+            <a:off x="5072502" y="1818708"/>
+            <a:ext cx="749509" cy="458724"/>
+            <a:chOff x="4920102" y="1666308"/>
+            <a:chExt cx="749509" cy="458724"/>
+          </a:xfrm>
+        </p:grpSpPr>
+        <p:sp>
+          <p:nvSpPr>
+            <p:cNvPr id="141" name="Rectangle 140">
+              <a:extLst>
+                <a:ext uri="{FF2B5EF4-FFF2-40B4-BE49-F238E27FC236}">
+                  <a16:creationId xmlns:a16="http://schemas.microsoft.com/office/drawing/2014/main" id="{00F70FC2-5D20-4F8C-A4BF-A55898242296}"/>
+                </a:ext>
+              </a:extLst>
+            </p:cNvPr>
+            <p:cNvSpPr/>
+            <p:nvPr/>
+          </p:nvSpPr>
+          <p:spPr>
+            <a:xfrm>
+              <a:off x="5340747" y="1666308"/>
+              <a:ext cx="328864" cy="458724"/>
+            </a:xfrm>
+            <a:prstGeom prst="rect">
+              <a:avLst/>
+            </a:prstGeom>
+            <a:solidFill>
+              <a:schemeClr val="tx2">
+                <a:lumMod val="20000"/>
+                <a:lumOff val="80000"/>
+              </a:schemeClr>
+            </a:solidFill>
+          </p:spPr>
+          <p:style>
+            <a:lnRef idx="2">
+              <a:schemeClr val="accent1">
+                <a:shade val="50000"/>
+              </a:schemeClr>
+            </a:lnRef>
+            <a:fillRef idx="1">
+              <a:schemeClr val="accent1"/>
+            </a:fillRef>
+            <a:effectRef idx="0">
+              <a:schemeClr val="accent1"/>
+            </a:effectRef>
+            <a:fontRef idx="minor">
+              <a:schemeClr val="lt1"/>
+            </a:fontRef>
+          </p:style>
+          <p:txBody>
+            <a:bodyPr rtlCol="0" anchor="ctr"/>
+            <a:lstStyle/>
+            <a:p>
+              <a:pPr algn="ctr"/>
+              <a:r>
+                <a:rPr lang="en-GB" sz="800" dirty="0">
+                  <a:solidFill>
+                    <a:schemeClr val="tx1"/>
+                  </a:solidFill>
+                </a:rPr>
+                <a:t>C</a:t>
+              </a:r>
+            </a:p>
+          </p:txBody>
+        </p:sp>
+        <p:sp>
+          <p:nvSpPr>
+            <p:cNvPr id="144" name="Isosceles Triangle 143">
+              <a:extLst>
+                <a:ext uri="{FF2B5EF4-FFF2-40B4-BE49-F238E27FC236}">
+                  <a16:creationId xmlns:a16="http://schemas.microsoft.com/office/drawing/2014/main" id="{331EBB52-D3AC-4A36-AF7F-174ACA594363}"/>
+                </a:ext>
+              </a:extLst>
+            </p:cNvPr>
+            <p:cNvSpPr/>
+            <p:nvPr/>
+          </p:nvSpPr>
+          <p:spPr>
+            <a:xfrm rot="5400000">
+              <a:off x="4894938" y="1992199"/>
+              <a:ext cx="119168" cy="68840"/>
+            </a:xfrm>
+            <a:prstGeom prst="triangle">
+              <a:avLst/>
+            </a:prstGeom>
+            <a:solidFill>
+              <a:schemeClr val="accent1">
+                <a:lumMod val="20000"/>
+                <a:lumOff val="80000"/>
+              </a:schemeClr>
+            </a:solidFill>
+          </p:spPr>
+          <p:style>
+            <a:lnRef idx="2">
+              <a:schemeClr val="accent1">
+                <a:shade val="50000"/>
+              </a:schemeClr>
+            </a:lnRef>
+            <a:fillRef idx="1">
+              <a:schemeClr val="accent1"/>
+            </a:fillRef>
+            <a:effectRef idx="0">
+              <a:schemeClr val="accent1"/>
+            </a:effectRef>
+            <a:fontRef idx="minor">
+              <a:schemeClr val="lt1"/>
+            </a:fontRef>
+          </p:style>
+          <p:txBody>
+            <a:bodyPr rtlCol="0" anchor="ctr"/>
+            <a:lstStyle/>
+            <a:p>
+              <a:pPr algn="ctr"/>
+              <a:endParaRPr lang="en-GB"/>
+            </a:p>
+          </p:txBody>
+        </p:sp>
+      </p:grpSp>
+      <p:sp>
+        <p:nvSpPr>
+          <p:cNvPr id="157" name="Isosceles Triangle 156">
+            <a:extLst>
+              <a:ext uri="{FF2B5EF4-FFF2-40B4-BE49-F238E27FC236}">
+                <a16:creationId xmlns:a16="http://schemas.microsoft.com/office/drawing/2014/main" id="{151BE12E-0042-4B31-8FB6-40EA6629D14C}"/>
+              </a:ext>
+            </a:extLst>
+          </p:cNvPr>
+          <p:cNvSpPr/>
+          <p:nvPr/>
+        </p:nvSpPr>
+        <p:spPr>
+          <a:xfrm rot="16200000">
+            <a:off x="5727233" y="2143640"/>
+            <a:ext cx="119168" cy="68840"/>
+          </a:xfrm>
+          <a:prstGeom prst="triangle">
+            <a:avLst/>
+          </a:prstGeom>
+          <a:solidFill>
+            <a:schemeClr val="accent1">
+              <a:lumMod val="20000"/>
+              <a:lumOff val="80000"/>
+            </a:schemeClr>
+          </a:solidFill>
+        </p:spPr>
+        <p:style>
+          <a:lnRef idx="2">
+            <a:schemeClr val="accent1">
+              <a:shade val="50000"/>
+            </a:schemeClr>
+          </a:lnRef>
+          <a:fillRef idx="1">
+            <a:schemeClr val="accent1"/>
+          </a:fillRef>
+          <a:effectRef idx="0">
+            <a:schemeClr val="accent1"/>
+          </a:effectRef>
+          <a:fontRef idx="minor">
+            <a:schemeClr val="lt1"/>
+          </a:fontRef>
+        </p:style>
+        <p:txBody>
+          <a:bodyPr rtlCol="0" anchor="ctr"/>
+          <a:lstStyle/>
+          <a:p>
+            <a:pPr algn="ctr"/>
+            <a:endParaRPr lang="en-GB"/>
+          </a:p>
+        </p:txBody>
+      </p:sp>
+    </p:spTree>
+    <p:extLst>
+      <p:ext uri="{BB962C8B-B14F-4D97-AF65-F5344CB8AC3E}">
+        <p14:creationId xmlns:p14="http://schemas.microsoft.com/office/powerpoint/2010/main" val="3799437599"/>
+      </p:ext>
+    </p:extLst>
+  </p:cSld>
+  <p:clrMapOvr>
+    <a:masterClrMapping/>
+  </p:clrMapOvr>
+</p:sld>
+</file>
+
+<file path=ppt/slides/slide3.xml><?xml version="1.0" encoding="utf-8"?>
+<p:sld xmlns:a="http://schemas.openxmlformats.org/drawingml/2006/main" xmlns:r="http://schemas.openxmlformats.org/officeDocument/2006/relationships" xmlns:p="http://schemas.openxmlformats.org/presentationml/2006/main">
+  <p:cSld>
+    <p:spTree>
+      <p:nvGrpSpPr>
+        <p:cNvPr id="1" name=""/>
+        <p:cNvGrpSpPr/>
+        <p:nvPr/>
+      </p:nvGrpSpPr>
+      <p:grpSpPr>
+        <a:xfrm>
+          <a:off x="0" y="0"/>
+          <a:ext cx="0" cy="0"/>
+          <a:chOff x="0" y="0"/>
+          <a:chExt cx="0" cy="0"/>
+        </a:xfrm>
+      </p:grpSpPr>
+      <p:sp>
+        <p:nvSpPr>
           <p:cNvPr id="38" name="TextBox 37">
             <a:extLst>
               <a:ext uri="{FF2B5EF4-FFF2-40B4-BE49-F238E27FC236}">
@@ -13419,7 +18832,7 @@
 </p:sld>
 </file>
 
-<file path=ppt/slides/slide3.xml><?xml version="1.0" encoding="utf-8"?>
+<file path=ppt/slides/slide4.xml><?xml version="1.0" encoding="utf-8"?>
 <p:sld xmlns:a="http://schemas.openxmlformats.org/drawingml/2006/main" xmlns:r="http://schemas.openxmlformats.org/officeDocument/2006/relationships" xmlns:p="http://schemas.openxmlformats.org/presentationml/2006/main">
   <p:cSld>
     <p:spTree>
